--- a/Versionskontrollsysteme im Softwareengineering (1).pptx
+++ b/Versionskontrollsysteme im Softwareengineering (1).pptx
@@ -1,36 +1,43 @@
 
 <file path=ppt/presentation.xml><?xml version="1.0" encoding="utf-8"?>
-<p:presentation xmlns:a="http://schemas.openxmlformats.org/drawingml/2006/main" xmlns:r="http://schemas.openxmlformats.org/officeDocument/2006/relationships" xmlns:p="http://schemas.openxmlformats.org/presentationml/2006/main" autoCompressPictures="0">
+<p:presentation xmlns:a="http://schemas.openxmlformats.org/drawingml/2006/main" xmlns:r="http://schemas.openxmlformats.org/officeDocument/2006/relationships" xmlns:p="http://schemas.openxmlformats.org/presentationml/2006/main" showSpecialPlsOnTitleSld="0" autoCompressPictures="0">
   <p:sldMasterIdLst>
     <p:sldMasterId id="2147483669" r:id="rId1"/>
   </p:sldMasterIdLst>
   <p:notesMasterIdLst>
-    <p:notesMasterId r:id="rId22"/>
+    <p:notesMasterId r:id="rId29"/>
   </p:notesMasterIdLst>
   <p:handoutMasterIdLst>
-    <p:handoutMasterId r:id="rId23"/>
+    <p:handoutMasterId r:id="rId30"/>
   </p:handoutMasterIdLst>
   <p:sldIdLst>
     <p:sldId id="256" r:id="rId2"/>
-    <p:sldId id="264" r:id="rId3"/>
-    <p:sldId id="265" r:id="rId4"/>
-    <p:sldId id="266" r:id="rId5"/>
-    <p:sldId id="267" r:id="rId6"/>
-    <p:sldId id="268" r:id="rId7"/>
-    <p:sldId id="269" r:id="rId8"/>
-    <p:sldId id="270" r:id="rId9"/>
-    <p:sldId id="271" r:id="rId10"/>
-    <p:sldId id="272" r:id="rId11"/>
-    <p:sldId id="273" r:id="rId12"/>
-    <p:sldId id="274" r:id="rId13"/>
-    <p:sldId id="275" r:id="rId14"/>
-    <p:sldId id="276" r:id="rId15"/>
-    <p:sldId id="277" r:id="rId16"/>
-    <p:sldId id="278" r:id="rId17"/>
-    <p:sldId id="279" r:id="rId18"/>
-    <p:sldId id="280" r:id="rId19"/>
-    <p:sldId id="282" r:id="rId20"/>
-    <p:sldId id="283" r:id="rId21"/>
+    <p:sldId id="288" r:id="rId3"/>
+    <p:sldId id="264" r:id="rId4"/>
+    <p:sldId id="265" r:id="rId5"/>
+    <p:sldId id="266" r:id="rId6"/>
+    <p:sldId id="267" r:id="rId7"/>
+    <p:sldId id="268" r:id="rId8"/>
+    <p:sldId id="269" r:id="rId9"/>
+    <p:sldId id="270" r:id="rId10"/>
+    <p:sldId id="271" r:id="rId11"/>
+    <p:sldId id="292" r:id="rId12"/>
+    <p:sldId id="272" r:id="rId13"/>
+    <p:sldId id="273" r:id="rId14"/>
+    <p:sldId id="274" r:id="rId15"/>
+    <p:sldId id="275" r:id="rId16"/>
+    <p:sldId id="276" r:id="rId17"/>
+    <p:sldId id="277" r:id="rId18"/>
+    <p:sldId id="285" r:id="rId19"/>
+    <p:sldId id="286" r:id="rId20"/>
+    <p:sldId id="287" r:id="rId21"/>
+    <p:sldId id="284" r:id="rId22"/>
+    <p:sldId id="283" r:id="rId23"/>
+    <p:sldId id="289" r:id="rId24"/>
+    <p:sldId id="290" r:id="rId25"/>
+    <p:sldId id="291" r:id="rId26"/>
+    <p:sldId id="294" r:id="rId27"/>
+    <p:sldId id="293" r:id="rId28"/>
   </p:sldIdLst>
   <p:sldSz cx="12192000" cy="6858000"/>
   <p:notesSz cx="6858000" cy="9144000"/>
@@ -244,7 +251,7 @@
           <a:p>
             <a:fld id="{D3FD645E-5B78-4A7E-8787-9789C929C889}" type="datetimeFigureOut">
               <a:rPr lang="de-DE" smtClean="0"/>
-              <a:t>15.12.2025</a:t>
+              <a:t>16.12.2025</a:t>
             </a:fld>
             <a:endParaRPr lang="de-DE"/>
           </a:p>
@@ -422,7 +429,7 @@
           <a:p>
             <a:fld id="{BF887A7E-606D-4085-B5D9-B84283FD64F4}" type="datetimeFigureOut">
               <a:rPr lang="de-DE" noProof="0" smtClean="0"/>
-              <a:t>15.12.2025</a:t>
+              <a:t>16.12.2025</a:t>
             </a:fld>
             <a:endParaRPr lang="de-DE" noProof="0"/>
           </a:p>
@@ -765,6 +772,114 @@
     <p:extLst>
       <p:ext uri="{BB962C8B-B14F-4D97-AF65-F5344CB8AC3E}">
         <p14:creationId xmlns:p14="http://schemas.microsoft.com/office/powerpoint/2010/main" val="2436292553"/>
+      </p:ext>
+    </p:extLst>
+  </p:cSld>
+  <p:clrMapOvr>
+    <a:masterClrMapping/>
+  </p:clrMapOvr>
+</p:notes>
+</file>
+
+<file path=ppt/notesSlides/notesSlide2.xml><?xml version="1.0" encoding="utf-8"?>
+<p:notes xmlns:a="http://schemas.openxmlformats.org/drawingml/2006/main" xmlns:r="http://schemas.openxmlformats.org/officeDocument/2006/relationships" xmlns:p="http://schemas.openxmlformats.org/presentationml/2006/main">
+  <p:cSld>
+    <p:spTree>
+      <p:nvGrpSpPr>
+        <p:cNvPr id="1" name="">
+          <a:extLst>
+            <a:ext uri="{FF2B5EF4-FFF2-40B4-BE49-F238E27FC236}">
+              <a16:creationId xmlns:a16="http://schemas.microsoft.com/office/drawing/2014/main" id="{A1085A53-8DB7-14BF-BE97-5E62F75B27B1}"/>
+            </a:ext>
+          </a:extLst>
+        </p:cNvPr>
+        <p:cNvGrpSpPr/>
+        <p:nvPr/>
+      </p:nvGrpSpPr>
+      <p:grpSpPr>
+        <a:xfrm>
+          <a:off x="0" y="0"/>
+          <a:ext cx="0" cy="0"/>
+          <a:chOff x="0" y="0"/>
+          <a:chExt cx="0" cy="0"/>
+        </a:xfrm>
+      </p:grpSpPr>
+      <p:sp>
+        <p:nvSpPr>
+          <p:cNvPr id="2" name="Folienbildplatzhalter 1">
+            <a:extLst>
+              <a:ext uri="{FF2B5EF4-FFF2-40B4-BE49-F238E27FC236}">
+                <a16:creationId xmlns:a16="http://schemas.microsoft.com/office/drawing/2014/main" id="{336042D9-C1B8-B3F6-661F-6DF43C0D13D1}"/>
+              </a:ext>
+            </a:extLst>
+          </p:cNvPr>
+          <p:cNvSpPr>
+            <a:spLocks noGrp="1" noRot="1" noChangeAspect="1"/>
+          </p:cNvSpPr>
+          <p:nvPr>
+            <p:ph type="sldImg"/>
+          </p:nvPr>
+        </p:nvSpPr>
+        <p:spPr/>
+      </p:sp>
+      <p:sp>
+        <p:nvSpPr>
+          <p:cNvPr id="3" name="Notizenplatzhalter 2">
+            <a:extLst>
+              <a:ext uri="{FF2B5EF4-FFF2-40B4-BE49-F238E27FC236}">
+                <a16:creationId xmlns:a16="http://schemas.microsoft.com/office/drawing/2014/main" id="{0716643F-2BF6-C45C-9945-923CA4826965}"/>
+              </a:ext>
+            </a:extLst>
+          </p:cNvPr>
+          <p:cNvSpPr>
+            <a:spLocks noGrp="1"/>
+          </p:cNvSpPr>
+          <p:nvPr>
+            <p:ph type="body" idx="1"/>
+          </p:nvPr>
+        </p:nvSpPr>
+        <p:spPr/>
+        <p:txBody>
+          <a:bodyPr/>
+          <a:lstStyle/>
+          <a:p>
+            <a:endParaRPr lang="de-DE"/>
+          </a:p>
+        </p:txBody>
+      </p:sp>
+      <p:sp>
+        <p:nvSpPr>
+          <p:cNvPr id="4" name="Foliennummernplatzhalter 3">
+            <a:extLst>
+              <a:ext uri="{FF2B5EF4-FFF2-40B4-BE49-F238E27FC236}">
+                <a16:creationId xmlns:a16="http://schemas.microsoft.com/office/drawing/2014/main" id="{42EEA539-E9E6-C9BB-774C-703C4D437E43}"/>
+              </a:ext>
+            </a:extLst>
+          </p:cNvPr>
+          <p:cNvSpPr>
+            <a:spLocks noGrp="1"/>
+          </p:cNvSpPr>
+          <p:nvPr>
+            <p:ph type="sldNum" sz="quarter" idx="5"/>
+          </p:nvPr>
+        </p:nvSpPr>
+        <p:spPr/>
+        <p:txBody>
+          <a:bodyPr/>
+          <a:lstStyle/>
+          <a:p>
+            <a:fld id="{F3CCFCAB-7ED9-4BDC-8A18-79F8B7017FB3}" type="slidenum">
+              <a:rPr lang="de-DE" smtClean="0"/>
+              <a:t>2</a:t>
+            </a:fld>
+            <a:endParaRPr lang="de-DE"/>
+          </a:p>
+        </p:txBody>
+      </p:sp>
+    </p:spTree>
+    <p:extLst>
+      <p:ext uri="{BB962C8B-B14F-4D97-AF65-F5344CB8AC3E}">
+        <p14:creationId xmlns:p14="http://schemas.microsoft.com/office/powerpoint/2010/main" val="3702498089"/>
       </p:ext>
     </p:extLst>
   </p:cSld>
@@ -5055,9 +5170,9 @@
           <a:lstStyle/>
           <a:p>
             <a:pPr rtl="0"/>
-            <a:fld id="{5F7EF189-DD92-4021-9F0B-61FCC0321CAD}" type="datetime1">
+            <a:fld id="{E65ECE90-F0EE-4F95-A4D6-9553681A4118}" type="datetime1">
               <a:rPr lang="de-DE" noProof="0" smtClean="0"/>
-              <a:t>15.12.2025</a:t>
+              <a:t>16.12.2025</a:t>
             </a:fld>
             <a:endParaRPr lang="de-DE" noProof="0"/>
           </a:p>
@@ -5324,9 +5439,9 @@
           <a:lstStyle/>
           <a:p>
             <a:pPr rtl="0"/>
-            <a:fld id="{E6D1FF06-CF27-4334-B3B7-637620F1E6E4}" type="datetime1">
+            <a:fld id="{EAD2A15A-57A8-4927-A48B-A37508C6D80C}" type="datetime1">
               <a:rPr lang="de-DE" noProof="0" smtClean="0"/>
-              <a:t>15.12.2025</a:t>
+              <a:t>16.12.2025</a:t>
             </a:fld>
             <a:endParaRPr lang="de-DE" noProof="0"/>
           </a:p>
@@ -5523,9 +5638,9 @@
           <a:lstStyle/>
           <a:p>
             <a:pPr rtl="0"/>
-            <a:fld id="{F9D956CA-E2FF-4F62-8224-666708E9F3E2}" type="datetime1">
+            <a:fld id="{754ACC8C-9E52-4564-B96D-197D3A25204B}" type="datetime1">
               <a:rPr lang="de-DE" noProof="0" smtClean="0"/>
-              <a:t>15.12.2025</a:t>
+              <a:t>16.12.2025</a:t>
             </a:fld>
             <a:endParaRPr lang="de-DE" noProof="0"/>
           </a:p>
@@ -5789,9 +5904,9 @@
           <a:lstStyle/>
           <a:p>
             <a:pPr rtl="0"/>
-            <a:fld id="{4705D6B7-3004-4FAC-BC3A-015FE0A57446}" type="datetime1">
+            <a:fld id="{32DCBF52-DF82-45B8-AFB2-192026FCEF0B}" type="datetime1">
               <a:rPr lang="de-DE" noProof="0" smtClean="0"/>
-              <a:t>15.12.2025</a:t>
+              <a:t>16.12.2025</a:t>
             </a:fld>
             <a:endParaRPr lang="de-DE" noProof="0"/>
           </a:p>
@@ -6226,9 +6341,9 @@
           <a:lstStyle/>
           <a:p>
             <a:pPr rtl="0"/>
-            <a:fld id="{7E74A034-6A41-405C-94EC-809CF0CECE64}" type="datetime1">
+            <a:fld id="{53759A2E-21D5-453B-A564-79D9436F845E}" type="datetime1">
               <a:rPr lang="de-DE" noProof="0" smtClean="0"/>
-              <a:t>15.12.2025</a:t>
+              <a:t>16.12.2025</a:t>
             </a:fld>
             <a:endParaRPr lang="de-DE" noProof="0"/>
           </a:p>
@@ -6775,9 +6890,9 @@
           <a:lstStyle/>
           <a:p>
             <a:pPr rtl="0"/>
-            <a:fld id="{86AB17A2-F2E5-4595-A7FB-9B751BAAC273}" type="datetime1">
+            <a:fld id="{80406C86-20FB-4D97-ABF3-9E01D6DC929C}" type="datetime1">
               <a:rPr lang="de-DE" noProof="0" smtClean="0"/>
-              <a:t>15.12.2025</a:t>
+              <a:t>16.12.2025</a:t>
             </a:fld>
             <a:endParaRPr lang="de-DE" noProof="0"/>
           </a:p>
@@ -7495,9 +7610,9 @@
           <a:lstStyle/>
           <a:p>
             <a:pPr rtl="0"/>
-            <a:fld id="{C748A9B5-1858-4454-934E-4CCFC700924D}" type="datetime1">
+            <a:fld id="{925F7AEE-592C-44FD-9886-D0CED9EEAF26}" type="datetime1">
               <a:rPr lang="de-DE" noProof="0" smtClean="0"/>
-              <a:t>15.12.2025</a:t>
+              <a:t>16.12.2025</a:t>
             </a:fld>
             <a:endParaRPr lang="de-DE" noProof="0"/>
           </a:p>
@@ -7667,9 +7782,9 @@
           <a:lstStyle/>
           <a:p>
             <a:pPr rtl="0"/>
-            <a:fld id="{205456CE-09A8-4398-AD5C-C5B8BA377448}" type="datetime1">
+            <a:fld id="{E91AB1F9-918A-4C3E-93FF-21A70E6F17F5}" type="datetime1">
               <a:rPr lang="de-DE" noProof="0" smtClean="0"/>
-              <a:t>15.12.2025</a:t>
+              <a:t>16.12.2025</a:t>
             </a:fld>
             <a:endParaRPr lang="de-DE" noProof="0"/>
           </a:p>
@@ -7849,9 +7964,9 @@
           <a:lstStyle/>
           <a:p>
             <a:pPr rtl="0"/>
-            <a:fld id="{63DDCAF8-CE4B-4582-882D-090A7C25B249}" type="datetime1">
+            <a:fld id="{D0AEFFED-E864-4D0F-9BE9-A460B4A8EDEA}" type="datetime1">
               <a:rPr lang="de-DE" noProof="0" smtClean="0"/>
-              <a:t>15.12.2025</a:t>
+              <a:t>16.12.2025</a:t>
             </a:fld>
             <a:endParaRPr lang="de-DE" noProof="0"/>
           </a:p>
@@ -8021,9 +8136,9 @@
           <a:lstStyle/>
           <a:p>
             <a:pPr rtl="0"/>
-            <a:fld id="{71FE84AA-F4F9-4489-AF64-14AFD359191A}" type="datetime1">
+            <a:fld id="{F27429FF-E701-41E6-BBD6-3DAA8A4FDD17}" type="datetime1">
               <a:rPr lang="de-DE" noProof="0" smtClean="0"/>
-              <a:t>15.12.2025</a:t>
+              <a:t>16.12.2025</a:t>
             </a:fld>
             <a:endParaRPr lang="de-DE" noProof="0"/>
           </a:p>
@@ -8274,9 +8389,9 @@
           <a:lstStyle/>
           <a:p>
             <a:pPr rtl="0"/>
-            <a:fld id="{A5926CFA-ADBD-4826-8BA4-E1EF2317AD9A}" type="datetime1">
+            <a:fld id="{8A735972-D23C-4C06-A90F-7E177E51D8A5}" type="datetime1">
               <a:rPr lang="de-DE" noProof="0" smtClean="0"/>
-              <a:t>15.12.2025</a:t>
+              <a:t>16.12.2025</a:t>
             </a:fld>
             <a:endParaRPr lang="de-DE" noProof="0"/>
           </a:p>
@@ -8507,9 +8622,9 @@
           <a:lstStyle/>
           <a:p>
             <a:pPr rtl="0"/>
-            <a:fld id="{BDCC0CC9-81B1-4B9A-A84F-2C683FF51EC8}" type="datetime1">
+            <a:fld id="{66267FB7-9715-4B0B-9D54-63DB951757DA}" type="datetime1">
               <a:rPr lang="de-DE" noProof="0" smtClean="0"/>
-              <a:t>15.12.2025</a:t>
+              <a:t>16.12.2025</a:t>
             </a:fld>
             <a:endParaRPr lang="de-DE" noProof="0"/>
           </a:p>
@@ -8889,9 +9004,9 @@
           <a:lstStyle/>
           <a:p>
             <a:pPr rtl="0"/>
-            <a:fld id="{D28FDA09-4EE3-4D1D-BD4C-01F112BA0158}" type="datetime1">
+            <a:fld id="{FF2D9358-9B6C-49CC-B48B-A0EC2BEE25AA}" type="datetime1">
               <a:rPr lang="de-DE" noProof="0" smtClean="0"/>
-              <a:t>15.12.2025</a:t>
+              <a:t>16.12.2025</a:t>
             </a:fld>
             <a:endParaRPr lang="de-DE" noProof="0"/>
           </a:p>
@@ -9010,9 +9125,9 @@
           <a:lstStyle/>
           <a:p>
             <a:pPr rtl="0"/>
-            <a:fld id="{BCD71751-C764-4B93-BAA0-F6AAAE3D7A5A}" type="datetime1">
+            <a:fld id="{EE68C43B-19DA-40F6-A6C2-62C92DA2F478}" type="datetime1">
               <a:rPr lang="de-DE" noProof="0" smtClean="0"/>
-              <a:t>15.12.2025</a:t>
+              <a:t>16.12.2025</a:t>
             </a:fld>
             <a:endParaRPr lang="de-DE" noProof="0"/>
           </a:p>
@@ -9108,9 +9223,9 @@
           <a:lstStyle/>
           <a:p>
             <a:pPr rtl="0"/>
-            <a:fld id="{34700363-4109-4728-BE3A-1DC99CC28797}" type="datetime1">
+            <a:fld id="{1A307DD8-3BCB-45FD-8DD6-D4739589AF24}" type="datetime1">
               <a:rPr lang="de-DE" noProof="0" smtClean="0"/>
-              <a:t>15.12.2025</a:t>
+              <a:t>16.12.2025</a:t>
             </a:fld>
             <a:endParaRPr lang="de-DE" noProof="0"/>
           </a:p>
@@ -9359,9 +9474,9 @@
           <a:lstStyle/>
           <a:p>
             <a:pPr rtl="0"/>
-            <a:fld id="{C40EDDEF-7450-45B8-82E7-7E55F2B65840}" type="datetime1">
+            <a:fld id="{797CF610-71C6-4F02-9DF7-5393C40B0D8C}" type="datetime1">
               <a:rPr lang="de-DE" noProof="0" smtClean="0"/>
-              <a:t>15.12.2025</a:t>
+              <a:t>16.12.2025</a:t>
             </a:fld>
             <a:endParaRPr lang="de-DE" noProof="0"/>
           </a:p>
@@ -9642,9 +9757,9 @@
           <a:lstStyle/>
           <a:p>
             <a:pPr rtl="0"/>
-            <a:fld id="{B62622A2-DAE8-4A43-A4B6-BC377E871BC8}" type="datetime1">
+            <a:fld id="{0CB7C2B1-7872-4D0C-8DD1-66F3A9CC0D2B}" type="datetime1">
               <a:rPr lang="de-DE" noProof="0" smtClean="0"/>
-              <a:t>15.12.2025</a:t>
+              <a:t>16.12.2025</a:t>
             </a:fld>
             <a:endParaRPr lang="de-DE" noProof="0"/>
           </a:p>
@@ -12712,9 +12827,9 @@
           </a:lstStyle>
           <a:p>
             <a:pPr rtl="0"/>
-            <a:fld id="{EEA0E491-1C9C-471D-9B2D-C17D4E72CADA}" type="datetime1">
+            <a:fld id="{B2A2B574-5906-4FAF-BD1A-9F0EA7FF1031}" type="datetime1">
               <a:rPr lang="de-DE" noProof="0" smtClean="0"/>
-              <a:t>15.12.2025</a:t>
+              <a:t>16.12.2025</a:t>
             </a:fld>
             <a:endParaRPr lang="de-DE" noProof="0"/>
           </a:p>
@@ -12828,7 +12943,7 @@
     <p:sldLayoutId id="2147483685" r:id="rId16"/>
     <p:sldLayoutId id="2147483686" r:id="rId17"/>
   </p:sldLayoutIdLst>
-  <p:hf sldNum="0" hdr="0" ftr="0" dt="0"/>
+  <p:hf hdr="0" ftr="0" dt="0"/>
   <p:txStyles>
     <p:titleStyle>
       <a:lvl1pPr algn="l" defTabSz="914400" rtl="0" eaLnBrk="1" latinLnBrk="0" hangingPunct="1">
@@ -13195,8 +13310,8 @@
         </p:nvSpPr>
         <p:spPr>
           <a:xfrm>
-            <a:off x="0" y="5767722"/>
-            <a:ext cx="8791575" cy="1655762"/>
+            <a:off x="6187736" y="5663953"/>
+            <a:ext cx="6004264" cy="2610035"/>
           </a:xfrm>
         </p:spPr>
         <p:txBody>
@@ -13205,15 +13320,86 @@
           </a:bodyPr>
           <a:lstStyle/>
           <a:p>
-            <a:pPr algn="ctr" rtl="0"/>
-            <a:r>
-              <a:rPr lang="de-DE" sz="2400">
+            <a:r>
+              <a:rPr lang="de-DE" sz="1400" dirty="0">
                 <a:latin typeface="Tahoma" panose="020B0604030504040204" pitchFamily="34" charset="0"/>
                 <a:ea typeface="Tahoma" panose="020B0604030504040204" pitchFamily="34" charset="0"/>
                 <a:cs typeface="Tahoma" panose="020B0604030504040204" pitchFamily="34" charset="0"/>
               </a:rPr>
               <a:t>Gruppen Mitglieder:</a:t>
             </a:r>
+            <a:endParaRPr lang="de-DE" sz="1200" dirty="0"/>
+          </a:p>
+          <a:p>
+            <a:r>
+              <a:rPr lang="de-DE" dirty="0"/>
+              <a:t> </a:t>
+            </a:r>
+            <a:r>
+              <a:rPr lang="de-DE" sz="1050" dirty="0"/>
+              <a:t>Richard Willy </a:t>
+            </a:r>
+            <a:r>
+              <a:rPr lang="de-DE" sz="1050" dirty="0" err="1"/>
+              <a:t>Krompos</a:t>
+            </a:r>
+            <a:r>
+              <a:rPr lang="de-DE" sz="1050" dirty="0"/>
+              <a:t>, Maxim Andreev, Lennox-Bennet Wobbrock, </a:t>
+            </a:r>
+            <a:r>
+              <a:rPr lang="de-DE" sz="1050" dirty="0" err="1"/>
+              <a:t>Staelle</a:t>
+            </a:r>
+            <a:r>
+              <a:rPr lang="de-DE" sz="1050" dirty="0"/>
+              <a:t> Brenda Magne Signe, Manuella </a:t>
+            </a:r>
+            <a:r>
+              <a:rPr lang="de-DE" sz="1050" dirty="0" err="1"/>
+              <a:t>Tresia</a:t>
+            </a:r>
+            <a:r>
+              <a:rPr lang="de-DE" sz="1050" dirty="0"/>
+              <a:t> </a:t>
+            </a:r>
+            <a:r>
+              <a:rPr lang="de-DE" sz="1050" dirty="0" err="1"/>
+              <a:t>Fangoe</a:t>
+            </a:r>
+            <a:r>
+              <a:rPr lang="de-DE" sz="1050" dirty="0"/>
+              <a:t> </a:t>
+            </a:r>
+            <a:r>
+              <a:rPr lang="de-DE" sz="1050" dirty="0" err="1"/>
+              <a:t>Kwekam</a:t>
+            </a:r>
+            <a:r>
+              <a:rPr lang="de-DE" sz="1050" dirty="0"/>
+              <a:t>, Aaron Curtis Hako Aust, Alex </a:t>
+            </a:r>
+            <a:r>
+              <a:rPr lang="de-DE" sz="1050" dirty="0" err="1"/>
+              <a:t>Fokou</a:t>
+            </a:r>
+            <a:r>
+              <a:rPr lang="de-DE" sz="1050" dirty="0"/>
+              <a:t> </a:t>
+            </a:r>
+            <a:r>
+              <a:rPr lang="de-DE" sz="1050" dirty="0" err="1"/>
+              <a:t>Tchinda</a:t>
+            </a:r>
+            <a:r>
+              <a:rPr lang="de-DE" sz="1050" dirty="0"/>
+              <a:t> </a:t>
+            </a:r>
+            <a:endParaRPr lang="de-DE" sz="2400" dirty="0">
+              <a:latin typeface="Tahoma" panose="020B0604030504040204" pitchFamily="34" charset="0"/>
+              <a:ea typeface="Tahoma" panose="020B0604030504040204" pitchFamily="34" charset="0"/>
+              <a:cs typeface="Tahoma" panose="020B0604030504040204" pitchFamily="34" charset="0"/>
+            </a:endParaRPr>
           </a:p>
         </p:txBody>
       </p:sp>
@@ -13231,6 +13417,493 @@
 </file>
 
 <file path=ppt/slides/slide10.xml><?xml version="1.0" encoding="utf-8"?>
+<p:sld xmlns:a="http://schemas.openxmlformats.org/drawingml/2006/main" xmlns:r="http://schemas.openxmlformats.org/officeDocument/2006/relationships" xmlns:p="http://schemas.openxmlformats.org/presentationml/2006/main">
+  <p:cSld>
+    <p:spTree>
+      <p:nvGrpSpPr>
+        <p:cNvPr id="1" name="">
+          <a:extLst>
+            <a:ext uri="{FF2B5EF4-FFF2-40B4-BE49-F238E27FC236}">
+              <a16:creationId xmlns:a16="http://schemas.microsoft.com/office/drawing/2014/main" id="{55BEF599-9E71-3AE3-96F6-34CD5B8CAED9}"/>
+            </a:ext>
+          </a:extLst>
+        </p:cNvPr>
+        <p:cNvGrpSpPr/>
+        <p:nvPr/>
+      </p:nvGrpSpPr>
+      <p:grpSpPr>
+        <a:xfrm>
+          <a:off x="0" y="0"/>
+          <a:ext cx="0" cy="0"/>
+          <a:chOff x="0" y="0"/>
+          <a:chExt cx="0" cy="0"/>
+        </a:xfrm>
+      </p:grpSpPr>
+      <p:sp>
+        <p:nvSpPr>
+          <p:cNvPr id="2" name="Titel 1">
+            <a:extLst>
+              <a:ext uri="{FF2B5EF4-FFF2-40B4-BE49-F238E27FC236}">
+                <a16:creationId xmlns:a16="http://schemas.microsoft.com/office/drawing/2014/main" id="{14B2C9BD-F1B1-6E2B-34EC-66B9E863A0A9}"/>
+              </a:ext>
+            </a:extLst>
+          </p:cNvPr>
+          <p:cNvSpPr>
+            <a:spLocks noGrp="1"/>
+          </p:cNvSpPr>
+          <p:nvPr>
+            <p:ph type="title"/>
+          </p:nvPr>
+        </p:nvSpPr>
+        <p:spPr>
+          <a:xfrm>
+            <a:off x="1141412" y="618518"/>
+            <a:ext cx="10088061" cy="1478570"/>
+          </a:xfrm>
+        </p:spPr>
+        <p:txBody>
+          <a:bodyPr>
+            <a:normAutofit/>
+          </a:bodyPr>
+          <a:lstStyle/>
+          <a:p>
+            <a:r>
+              <a:rPr lang="de-DE" sz="4800" u="sng" dirty="0"/>
+              <a:t> Verteilte Systeme</a:t>
+            </a:r>
+          </a:p>
+        </p:txBody>
+      </p:sp>
+      <p:sp>
+        <p:nvSpPr>
+          <p:cNvPr id="4" name="Rectangle 1">
+            <a:extLst>
+              <a:ext uri="{FF2B5EF4-FFF2-40B4-BE49-F238E27FC236}">
+                <a16:creationId xmlns:a16="http://schemas.microsoft.com/office/drawing/2014/main" id="{75807FAC-7432-E517-D818-720B27234816}"/>
+              </a:ext>
+            </a:extLst>
+          </p:cNvPr>
+          <p:cNvSpPr>
+            <a:spLocks noGrp="1" noChangeArrowheads="1"/>
+          </p:cNvSpPr>
+          <p:nvPr>
+            <p:ph idx="1"/>
+          </p:nvPr>
+        </p:nvSpPr>
+        <p:spPr bwMode="auto">
+          <a:xfrm>
+            <a:off x="1443790" y="2274838"/>
+            <a:ext cx="10591701" cy="2308324"/>
+          </a:xfrm>
+          <a:prstGeom prst="rect">
+            <a:avLst/>
+          </a:prstGeom>
+          <a:noFill/>
+          <a:ln>
+            <a:noFill/>
+          </a:ln>
+        </p:spPr>
+        <p:style>
+          <a:lnRef idx="2">
+            <a:schemeClr val="accent6"/>
+          </a:lnRef>
+          <a:fillRef idx="1">
+            <a:schemeClr val="lt1"/>
+          </a:fillRef>
+          <a:effectRef idx="0">
+            <a:schemeClr val="accent6"/>
+          </a:effectRef>
+          <a:fontRef idx="minor">
+            <a:schemeClr val="dk1"/>
+          </a:fontRef>
+        </p:style>
+        <p:txBody>
+          <a:bodyPr vert="horz" wrap="square" lIns="91440" tIns="45720" rIns="91440" bIns="45720" numCol="1" anchor="ctr" anchorCtr="0" compatLnSpc="1">
+            <a:prstTxWarp prst="textNoShape">
+              <a:avLst/>
+            </a:prstTxWarp>
+            <a:spAutoFit/>
+          </a:bodyPr>
+          <a:lstStyle/>
+          <a:p>
+            <a:pPr marL="0" marR="0" lvl="0" indent="0" algn="l" defTabSz="914400" rtl="0" eaLnBrk="0" fontAlgn="base" latinLnBrk="0" hangingPunct="0">
+              <a:lnSpc>
+                <a:spcPct val="100000"/>
+              </a:lnSpc>
+              <a:spcBef>
+                <a:spcPct val="0"/>
+              </a:spcBef>
+              <a:spcAft>
+                <a:spcPct val="0"/>
+              </a:spcAft>
+              <a:buClrTx/>
+              <a:buSzTx/>
+              <a:buFontTx/>
+              <a:buChar char="•"/>
+              <a:tabLst/>
+            </a:pPr>
+            <a:r>
+              <a:rPr lang="de-DE" altLang="de-DE" dirty="0">
+                <a:solidFill>
+                  <a:schemeClr val="tx1"/>
+                </a:solidFill>
+                <a:latin typeface="Arial" panose="020B0604020202020204" pitchFamily="34" charset="0"/>
+              </a:rPr>
+              <a:t>Nachteile:</a:t>
+            </a:r>
+          </a:p>
+          <a:p>
+            <a:pPr marL="0" marR="0" lvl="0" indent="0" algn="l" defTabSz="914400" rtl="0" eaLnBrk="0" fontAlgn="base" latinLnBrk="0" hangingPunct="0">
+              <a:lnSpc>
+                <a:spcPct val="100000"/>
+              </a:lnSpc>
+              <a:spcBef>
+                <a:spcPct val="0"/>
+              </a:spcBef>
+              <a:spcAft>
+                <a:spcPct val="0"/>
+              </a:spcAft>
+              <a:buClrTx/>
+              <a:buSzTx/>
+              <a:buFontTx/>
+              <a:buChar char="•"/>
+              <a:tabLst/>
+            </a:pPr>
+            <a:r>
+              <a:rPr lang="de-DE" altLang="de-DE" dirty="0">
+                <a:solidFill>
+                  <a:schemeClr val="tx1"/>
+                </a:solidFill>
+                <a:latin typeface="Arial" panose="020B0604020202020204" pitchFamily="34" charset="0"/>
+              </a:rPr>
+              <a:t>Einarbeitung für neue Entwickler notwendig</a:t>
+            </a:r>
+          </a:p>
+          <a:p>
+            <a:pPr marL="0" marR="0" lvl="0" indent="0" algn="l" defTabSz="914400" rtl="0" eaLnBrk="0" fontAlgn="base" latinLnBrk="0" hangingPunct="0">
+              <a:lnSpc>
+                <a:spcPct val="100000"/>
+              </a:lnSpc>
+              <a:spcBef>
+                <a:spcPct val="0"/>
+              </a:spcBef>
+              <a:spcAft>
+                <a:spcPct val="0"/>
+              </a:spcAft>
+              <a:buClrTx/>
+              <a:buSzTx/>
+              <a:buFontTx/>
+              <a:buChar char="•"/>
+              <a:tabLst/>
+            </a:pPr>
+            <a:r>
+              <a:rPr lang="de-DE" altLang="de-DE" dirty="0">
+                <a:solidFill>
+                  <a:schemeClr val="tx1"/>
+                </a:solidFill>
+                <a:latin typeface="Arial" panose="020B0604020202020204" pitchFamily="34" charset="0"/>
+              </a:rPr>
+              <a:t>Speicherbedarf bei sehr großen Projekten</a:t>
+            </a:r>
+          </a:p>
+          <a:p>
+            <a:pPr marL="0" marR="0" lvl="0" indent="0" algn="l" defTabSz="914400" rtl="0" eaLnBrk="0" fontAlgn="base" latinLnBrk="0" hangingPunct="0">
+              <a:lnSpc>
+                <a:spcPct val="100000"/>
+              </a:lnSpc>
+              <a:spcBef>
+                <a:spcPct val="0"/>
+              </a:spcBef>
+              <a:spcAft>
+                <a:spcPct val="0"/>
+              </a:spcAft>
+              <a:buClrTx/>
+              <a:buSzTx/>
+              <a:buNone/>
+              <a:tabLst/>
+            </a:pPr>
+            <a:endParaRPr lang="de-DE" altLang="de-DE" dirty="0">
+              <a:solidFill>
+                <a:schemeClr val="tx1"/>
+              </a:solidFill>
+              <a:latin typeface="Arial" panose="020B0604020202020204" pitchFamily="34" charset="0"/>
+            </a:endParaRPr>
+          </a:p>
+          <a:p>
+            <a:pPr marL="0" marR="0" lvl="0" indent="0" algn="l" defTabSz="914400" rtl="0" eaLnBrk="0" fontAlgn="base" latinLnBrk="0" hangingPunct="0">
+              <a:lnSpc>
+                <a:spcPct val="100000"/>
+              </a:lnSpc>
+              <a:spcBef>
+                <a:spcPct val="0"/>
+              </a:spcBef>
+              <a:spcAft>
+                <a:spcPct val="0"/>
+              </a:spcAft>
+              <a:buClrTx/>
+              <a:buSzTx/>
+              <a:buFontTx/>
+              <a:buChar char="•"/>
+              <a:tabLst/>
+            </a:pPr>
+            <a:r>
+              <a:rPr lang="de-DE" altLang="de-DE" dirty="0">
+                <a:solidFill>
+                  <a:schemeClr val="tx1"/>
+                </a:solidFill>
+                <a:latin typeface="Arial" panose="020B0604020202020204" pitchFamily="34" charset="0"/>
+              </a:rPr>
+              <a:t>Arbeitsweise: Jeder Entwickler kann unabhängig Änderungen </a:t>
+            </a:r>
+            <a:r>
+              <a:rPr lang="de-DE" altLang="de-DE" dirty="0" err="1">
+                <a:solidFill>
+                  <a:schemeClr val="tx1"/>
+                </a:solidFill>
+                <a:latin typeface="Arial" panose="020B0604020202020204" pitchFamily="34" charset="0"/>
+              </a:rPr>
+              <a:t>commiten</a:t>
+            </a:r>
+            <a:r>
+              <a:rPr lang="de-DE" altLang="de-DE" dirty="0">
+                <a:solidFill>
+                  <a:schemeClr val="tx1"/>
+                </a:solidFill>
+                <a:latin typeface="Arial" panose="020B0604020202020204" pitchFamily="34" charset="0"/>
+              </a:rPr>
+              <a:t>, testen, </a:t>
+            </a:r>
+            <a:r>
+              <a:rPr lang="de-DE" altLang="de-DE" dirty="0" err="1">
+                <a:solidFill>
+                  <a:schemeClr val="tx1"/>
+                </a:solidFill>
+                <a:latin typeface="Arial" panose="020B0604020202020204" pitchFamily="34" charset="0"/>
+              </a:rPr>
+              <a:t>Branches</a:t>
+            </a:r>
+            <a:r>
+              <a:rPr lang="de-DE" altLang="de-DE" dirty="0">
+                <a:solidFill>
+                  <a:schemeClr val="tx1"/>
+                </a:solidFill>
+                <a:latin typeface="Arial" panose="020B0604020202020204" pitchFamily="34" charset="0"/>
+              </a:rPr>
+              <a:t> anlegen und später in ein zentrales Repository pushen</a:t>
+            </a:r>
+          </a:p>
+        </p:txBody>
+      </p:sp>
+      <p:sp>
+        <p:nvSpPr>
+          <p:cNvPr id="3" name="Foliennummernplatzhalter 2">
+            <a:extLst>
+              <a:ext uri="{FF2B5EF4-FFF2-40B4-BE49-F238E27FC236}">
+                <a16:creationId xmlns:a16="http://schemas.microsoft.com/office/drawing/2014/main" id="{134D4FF6-2B52-2340-74BA-E46DB8BB9EE0}"/>
+              </a:ext>
+            </a:extLst>
+          </p:cNvPr>
+          <p:cNvSpPr>
+            <a:spLocks noGrp="1"/>
+          </p:cNvSpPr>
+          <p:nvPr>
+            <p:ph type="sldNum" sz="quarter" idx="12"/>
+          </p:nvPr>
+        </p:nvSpPr>
+        <p:spPr/>
+        <p:txBody>
+          <a:bodyPr/>
+          <a:lstStyle/>
+          <a:p>
+            <a:pPr rtl="0"/>
+            <a:fld id="{6D22F896-40B5-4ADD-8801-0D06FADFA095}" type="slidenum">
+              <a:rPr lang="de-DE" noProof="0" smtClean="0"/>
+              <a:t>10</a:t>
+            </a:fld>
+            <a:endParaRPr lang="de-DE" noProof="0"/>
+          </a:p>
+        </p:txBody>
+      </p:sp>
+    </p:spTree>
+    <p:extLst>
+      <p:ext uri="{BB962C8B-B14F-4D97-AF65-F5344CB8AC3E}">
+        <p14:creationId xmlns:p14="http://schemas.microsoft.com/office/powerpoint/2010/main" val="1379865594"/>
+      </p:ext>
+    </p:extLst>
+  </p:cSld>
+  <p:clrMapOvr>
+    <a:masterClrMapping/>
+  </p:clrMapOvr>
+</p:sld>
+</file>
+
+<file path=ppt/slides/slide11.xml><?xml version="1.0" encoding="utf-8"?>
+<p:sld xmlns:a="http://schemas.openxmlformats.org/drawingml/2006/main" xmlns:r="http://schemas.openxmlformats.org/officeDocument/2006/relationships" xmlns:p="http://schemas.openxmlformats.org/presentationml/2006/main">
+  <p:cSld>
+    <p:spTree>
+      <p:nvGrpSpPr>
+        <p:cNvPr id="1" name="">
+          <a:extLst>
+            <a:ext uri="{FF2B5EF4-FFF2-40B4-BE49-F238E27FC236}">
+              <a16:creationId xmlns:a16="http://schemas.microsoft.com/office/drawing/2014/main" id="{6C54F807-3A1C-2C18-5473-CCB8109771C3}"/>
+            </a:ext>
+          </a:extLst>
+        </p:cNvPr>
+        <p:cNvGrpSpPr/>
+        <p:nvPr/>
+      </p:nvGrpSpPr>
+      <p:grpSpPr>
+        <a:xfrm>
+          <a:off x="0" y="0"/>
+          <a:ext cx="0" cy="0"/>
+          <a:chOff x="0" y="0"/>
+          <a:chExt cx="0" cy="0"/>
+        </a:xfrm>
+      </p:grpSpPr>
+      <p:sp>
+        <p:nvSpPr>
+          <p:cNvPr id="2" name="Titel 1">
+            <a:extLst>
+              <a:ext uri="{FF2B5EF4-FFF2-40B4-BE49-F238E27FC236}">
+                <a16:creationId xmlns:a16="http://schemas.microsoft.com/office/drawing/2014/main" id="{2E6B096A-6424-CABD-5F9E-486FE8FD0965}"/>
+              </a:ext>
+            </a:extLst>
+          </p:cNvPr>
+          <p:cNvSpPr>
+            <a:spLocks noGrp="1"/>
+          </p:cNvSpPr>
+          <p:nvPr>
+            <p:ph type="title"/>
+          </p:nvPr>
+        </p:nvSpPr>
+        <p:spPr>
+          <a:xfrm>
+            <a:off x="1141412" y="618518"/>
+            <a:ext cx="10088061" cy="1478570"/>
+          </a:xfrm>
+        </p:spPr>
+        <p:txBody>
+          <a:bodyPr>
+            <a:normAutofit/>
+          </a:bodyPr>
+          <a:lstStyle/>
+          <a:p>
+            <a:r>
+              <a:rPr lang="de-DE" sz="4800" u="sng" dirty="0"/>
+              <a:t> </a:t>
+            </a:r>
+          </a:p>
+        </p:txBody>
+      </p:sp>
+      <p:sp>
+        <p:nvSpPr>
+          <p:cNvPr id="3" name="Foliennummernplatzhalter 2">
+            <a:extLst>
+              <a:ext uri="{FF2B5EF4-FFF2-40B4-BE49-F238E27FC236}">
+                <a16:creationId xmlns:a16="http://schemas.microsoft.com/office/drawing/2014/main" id="{DB71396D-2E28-7460-3019-9FA350CE8AEA}"/>
+              </a:ext>
+            </a:extLst>
+          </p:cNvPr>
+          <p:cNvSpPr>
+            <a:spLocks noGrp="1"/>
+          </p:cNvSpPr>
+          <p:nvPr>
+            <p:ph type="sldNum" sz="quarter" idx="12"/>
+          </p:nvPr>
+        </p:nvSpPr>
+        <p:spPr/>
+        <p:txBody>
+          <a:bodyPr/>
+          <a:lstStyle/>
+          <a:p>
+            <a:pPr rtl="0"/>
+            <a:fld id="{6D22F896-40B5-4ADD-8801-0D06FADFA095}" type="slidenum">
+              <a:rPr lang="de-DE" noProof="0" smtClean="0"/>
+              <a:t>11</a:t>
+            </a:fld>
+            <a:endParaRPr lang="de-DE" noProof="0"/>
+          </a:p>
+        </p:txBody>
+      </p:sp>
+      <p:pic>
+        <p:nvPicPr>
+          <p:cNvPr id="6" name="Grafik 5">
+            <a:extLst>
+              <a:ext uri="{FF2B5EF4-FFF2-40B4-BE49-F238E27FC236}">
+                <a16:creationId xmlns:a16="http://schemas.microsoft.com/office/drawing/2014/main" id="{CCE596DC-677F-8C8E-58FB-54465FFF0BD5}"/>
+              </a:ext>
+            </a:extLst>
+          </p:cNvPr>
+          <p:cNvPicPr>
+            <a:picLocks noChangeAspect="1"/>
+          </p:cNvPicPr>
+          <p:nvPr/>
+        </p:nvPicPr>
+        <p:blipFill>
+          <a:blip r:embed="rId2"/>
+          <a:stretch>
+            <a:fillRect/>
+          </a:stretch>
+        </p:blipFill>
+        <p:spPr>
+          <a:xfrm>
+            <a:off x="1859763" y="411351"/>
+            <a:ext cx="7843530" cy="5882647"/>
+          </a:xfrm>
+          <a:prstGeom prst="rect">
+            <a:avLst/>
+          </a:prstGeom>
+        </p:spPr>
+      </p:pic>
+      <p:sp>
+        <p:nvSpPr>
+          <p:cNvPr id="10" name="Textfeld 9">
+            <a:extLst>
+              <a:ext uri="{FF2B5EF4-FFF2-40B4-BE49-F238E27FC236}">
+                <a16:creationId xmlns:a16="http://schemas.microsoft.com/office/drawing/2014/main" id="{9EF954B2-B425-2E6C-80DE-A9FB37A6F30E}"/>
+              </a:ext>
+            </a:extLst>
+          </p:cNvPr>
+          <p:cNvSpPr txBox="1"/>
+          <p:nvPr/>
+        </p:nvSpPr>
+        <p:spPr>
+          <a:xfrm>
+            <a:off x="8788677" y="6283786"/>
+            <a:ext cx="1873188" cy="261610"/>
+          </a:xfrm>
+          <a:prstGeom prst="rect">
+            <a:avLst/>
+          </a:prstGeom>
+          <a:noFill/>
+        </p:spPr>
+        <p:txBody>
+          <a:bodyPr wrap="square" rtlCol="0">
+            <a:spAutoFit/>
+          </a:bodyPr>
+          <a:lstStyle/>
+          <a:p>
+            <a:r>
+              <a:rPr lang="de-DE" sz="1100" dirty="0"/>
+              <a:t>Abbildung 3</a:t>
+            </a:r>
+          </a:p>
+        </p:txBody>
+      </p:sp>
+    </p:spTree>
+    <p:extLst>
+      <p:ext uri="{BB962C8B-B14F-4D97-AF65-F5344CB8AC3E}">
+        <p14:creationId xmlns:p14="http://schemas.microsoft.com/office/powerpoint/2010/main" val="3921767969"/>
+      </p:ext>
+    </p:extLst>
+  </p:cSld>
+  <p:clrMapOvr>
+    <a:masterClrMapping/>
+  </p:clrMapOvr>
+</p:sld>
+</file>
+
+<file path=ppt/slides/slide12.xml><?xml version="1.0" encoding="utf-8"?>
 <p:sld xmlns:a="http://schemas.openxmlformats.org/drawingml/2006/main" xmlns:r="http://schemas.openxmlformats.org/officeDocument/2006/relationships" xmlns:p="http://schemas.openxmlformats.org/presentationml/2006/main">
   <p:cSld>
     <p:spTree>
@@ -13271,16 +13944,16 @@
           <a:lstStyle/>
           <a:p>
             <a:r>
-              <a:rPr lang="de-DE"/>
+              <a:rPr lang="de-DE" u="sng" dirty="0"/>
               <a:t>Vergleich Zentralisiert (CVCS) vs. Verteiltes System (DVCS)</a:t>
             </a:r>
             <a:br>
-              <a:rPr lang="de-DE"/>
+              <a:rPr lang="de-DE" u="sng" dirty="0"/>
             </a:br>
             <a:br>
-              <a:rPr lang="de-DE"/>
+              <a:rPr lang="de-DE" dirty="0"/>
             </a:br>
-            <a:endParaRPr lang="de-DE"/>
+            <a:endParaRPr lang="de-DE" dirty="0"/>
           </a:p>
         </p:txBody>
       </p:sp>
@@ -13709,6 +14382,36 @@
           </a:graphicData>
         </a:graphic>
       </p:graphicFrame>
+      <p:sp>
+        <p:nvSpPr>
+          <p:cNvPr id="3" name="Foliennummernplatzhalter 2">
+            <a:extLst>
+              <a:ext uri="{FF2B5EF4-FFF2-40B4-BE49-F238E27FC236}">
+                <a16:creationId xmlns:a16="http://schemas.microsoft.com/office/drawing/2014/main" id="{940FD1BB-8B58-A97C-F032-DC6E93A95CD0}"/>
+              </a:ext>
+            </a:extLst>
+          </p:cNvPr>
+          <p:cNvSpPr>
+            <a:spLocks noGrp="1"/>
+          </p:cNvSpPr>
+          <p:nvPr>
+            <p:ph type="sldNum" sz="quarter" idx="12"/>
+          </p:nvPr>
+        </p:nvSpPr>
+        <p:spPr/>
+        <p:txBody>
+          <a:bodyPr/>
+          <a:lstStyle/>
+          <a:p>
+            <a:pPr rtl="0"/>
+            <a:fld id="{6D22F896-40B5-4ADD-8801-0D06FADFA095}" type="slidenum">
+              <a:rPr lang="de-DE" noProof="0" smtClean="0"/>
+              <a:t>12</a:t>
+            </a:fld>
+            <a:endParaRPr lang="de-DE" noProof="0"/>
+          </a:p>
+        </p:txBody>
+      </p:sp>
     </p:spTree>
     <p:extLst>
       <p:ext uri="{BB962C8B-B14F-4D97-AF65-F5344CB8AC3E}">
@@ -13722,7 +14425,7 @@
 </p:sld>
 </file>
 
-<file path=ppt/slides/slide11.xml><?xml version="1.0" encoding="utf-8"?>
+<file path=ppt/slides/slide13.xml><?xml version="1.0" encoding="utf-8"?>
 <p:sld xmlns:a="http://schemas.openxmlformats.org/drawingml/2006/main" xmlns:r="http://schemas.openxmlformats.org/officeDocument/2006/relationships" xmlns:p="http://schemas.openxmlformats.org/presentationml/2006/main">
   <p:cSld>
     <p:spTree>
@@ -13812,14 +14515,79 @@
         </p:blipFill>
         <p:spPr>
           <a:xfrm>
-            <a:off x="676723" y="1522581"/>
-            <a:ext cx="10838553" cy="5608135"/>
+            <a:off x="788486" y="1482571"/>
+            <a:ext cx="10607045" cy="5488347"/>
           </a:xfrm>
           <a:prstGeom prst="rect">
             <a:avLst/>
           </a:prstGeom>
         </p:spPr>
       </p:pic>
+      <p:sp>
+        <p:nvSpPr>
+          <p:cNvPr id="4" name="Foliennummernplatzhalter 3">
+            <a:extLst>
+              <a:ext uri="{FF2B5EF4-FFF2-40B4-BE49-F238E27FC236}">
+                <a16:creationId xmlns:a16="http://schemas.microsoft.com/office/drawing/2014/main" id="{5E61955F-D19C-2207-C02D-A31494F24CB6}"/>
+              </a:ext>
+            </a:extLst>
+          </p:cNvPr>
+          <p:cNvSpPr>
+            <a:spLocks noGrp="1"/>
+          </p:cNvSpPr>
+          <p:nvPr>
+            <p:ph type="sldNum" sz="quarter" idx="12"/>
+          </p:nvPr>
+        </p:nvSpPr>
+        <p:spPr/>
+        <p:txBody>
+          <a:bodyPr/>
+          <a:lstStyle/>
+          <a:p>
+            <a:pPr rtl="0"/>
+            <a:fld id="{6D22F896-40B5-4ADD-8801-0D06FADFA095}" type="slidenum">
+              <a:rPr lang="de-DE" noProof="0" smtClean="0"/>
+              <a:t>13</a:t>
+            </a:fld>
+            <a:endParaRPr lang="de-DE" noProof="0"/>
+          </a:p>
+        </p:txBody>
+      </p:sp>
+      <p:sp>
+        <p:nvSpPr>
+          <p:cNvPr id="5" name="Textfeld 4">
+            <a:extLst>
+              <a:ext uri="{FF2B5EF4-FFF2-40B4-BE49-F238E27FC236}">
+                <a16:creationId xmlns:a16="http://schemas.microsoft.com/office/drawing/2014/main" id="{3BA901B6-A6E0-8ABB-C754-3E9523AB3B18}"/>
+              </a:ext>
+            </a:extLst>
+          </p:cNvPr>
+          <p:cNvSpPr txBox="1"/>
+          <p:nvPr/>
+        </p:nvSpPr>
+        <p:spPr>
+          <a:xfrm>
+            <a:off x="10110816" y="6596390"/>
+            <a:ext cx="1873188" cy="261610"/>
+          </a:xfrm>
+          <a:prstGeom prst="rect">
+            <a:avLst/>
+          </a:prstGeom>
+          <a:noFill/>
+        </p:spPr>
+        <p:txBody>
+          <a:bodyPr wrap="square" rtlCol="0">
+            <a:spAutoFit/>
+          </a:bodyPr>
+          <a:lstStyle/>
+          <a:p>
+            <a:r>
+              <a:rPr lang="de-DE" sz="1100" dirty="0"/>
+              <a:t>Abbildung 4</a:t>
+            </a:r>
+          </a:p>
+        </p:txBody>
+      </p:sp>
     </p:spTree>
     <p:extLst>
       <p:ext uri="{BB962C8B-B14F-4D97-AF65-F5344CB8AC3E}">
@@ -13833,7 +14601,7 @@
 </p:sld>
 </file>
 
-<file path=ppt/slides/slide12.xml><?xml version="1.0" encoding="utf-8"?>
+<file path=ppt/slides/slide14.xml><?xml version="1.0" encoding="utf-8"?>
 <p:sld xmlns:a="http://schemas.openxmlformats.org/drawingml/2006/main" xmlns:r="http://schemas.openxmlformats.org/officeDocument/2006/relationships" xmlns:p="http://schemas.openxmlformats.org/presentationml/2006/main">
   <p:cSld>
     <p:spTree>
@@ -13885,10 +14653,9 @@
           <a:lstStyle/>
           <a:p>
             <a:r>
-              <a:rPr lang="de-DE" sz="4800"/>
+              <a:rPr lang="de-DE" sz="4800" u="sng" dirty="0"/>
               <a:t>Konsequenzen für Arbeitsprozesse</a:t>
             </a:r>
-            <a:endParaRPr lang="de-DE" sz="4800" u="sng"/>
           </a:p>
         </p:txBody>
       </p:sp>
@@ -14167,6 +14934,36 @@
           </a:p>
         </p:txBody>
       </p:sp>
+      <p:sp>
+        <p:nvSpPr>
+          <p:cNvPr id="3" name="Foliennummernplatzhalter 2">
+            <a:extLst>
+              <a:ext uri="{FF2B5EF4-FFF2-40B4-BE49-F238E27FC236}">
+                <a16:creationId xmlns:a16="http://schemas.microsoft.com/office/drawing/2014/main" id="{1E0FA38E-79E4-EEA7-3494-76DC8DBC91D6}"/>
+              </a:ext>
+            </a:extLst>
+          </p:cNvPr>
+          <p:cNvSpPr>
+            <a:spLocks noGrp="1"/>
+          </p:cNvSpPr>
+          <p:nvPr>
+            <p:ph type="sldNum" sz="quarter" idx="12"/>
+          </p:nvPr>
+        </p:nvSpPr>
+        <p:spPr/>
+        <p:txBody>
+          <a:bodyPr/>
+          <a:lstStyle/>
+          <a:p>
+            <a:pPr rtl="0"/>
+            <a:fld id="{6D22F896-40B5-4ADD-8801-0D06FADFA095}" type="slidenum">
+              <a:rPr lang="de-DE" noProof="0" smtClean="0"/>
+              <a:t>14</a:t>
+            </a:fld>
+            <a:endParaRPr lang="de-DE" noProof="0"/>
+          </a:p>
+        </p:txBody>
+      </p:sp>
     </p:spTree>
     <p:extLst>
       <p:ext uri="{BB962C8B-B14F-4D97-AF65-F5344CB8AC3E}">
@@ -14180,7 +14977,7 @@
 </p:sld>
 </file>
 
-<file path=ppt/slides/slide13.xml><?xml version="1.0" encoding="utf-8"?>
+<file path=ppt/slides/slide15.xml><?xml version="1.0" encoding="utf-8"?>
 <p:sld xmlns:a="http://schemas.openxmlformats.org/drawingml/2006/main" xmlns:r="http://schemas.openxmlformats.org/officeDocument/2006/relationships" xmlns:p="http://schemas.openxmlformats.org/presentationml/2006/main">
   <p:cSld>
     <p:spTree>
@@ -14232,10 +15029,9 @@
           <a:lstStyle/>
           <a:p>
             <a:r>
-              <a:rPr lang="de-DE" sz="4800"/>
+              <a:rPr lang="de-DE" sz="4800" u="sng" dirty="0"/>
               <a:t>Zusammenfassung Leitfrage 1</a:t>
             </a:r>
-            <a:endParaRPr lang="de-DE" sz="4800" u="sng"/>
           </a:p>
         </p:txBody>
       </p:sp>
@@ -14323,7 +15119,7 @@
               <a:tabLst/>
             </a:pPr>
             <a:r>
-              <a:rPr kumimoji="0" lang="de-DE" altLang="de-DE" b="0" i="0" u="none" strike="noStrike" cap="none" normalizeH="0" baseline="0">
+              <a:rPr kumimoji="0" lang="de-DE" altLang="de-DE" b="0" i="0" u="none" strike="noStrike" cap="none" normalizeH="0" baseline="0" dirty="0">
                 <a:ln>
                   <a:noFill/>
                 </a:ln>
@@ -14336,7 +15132,7 @@
               <a:t>DVCS: flexibel, offline, schnelle </a:t>
             </a:r>
             <a:r>
-              <a:rPr kumimoji="0" lang="de-DE" altLang="de-DE" b="0" i="0" u="none" strike="noStrike" cap="none" normalizeH="0" baseline="0" err="1">
+              <a:rPr kumimoji="0" lang="de-DE" altLang="de-DE" b="0" i="0" u="none" strike="noStrike" cap="none" normalizeH="0" baseline="0" dirty="0" err="1">
                 <a:ln>
                   <a:noFill/>
                 </a:ln>
@@ -14349,7 +15145,7 @@
               <a:t>Commits</a:t>
             </a:r>
             <a:r>
-              <a:rPr kumimoji="0" lang="de-DE" altLang="de-DE" b="0" i="0" u="none" strike="noStrike" cap="none" normalizeH="0" baseline="0">
+              <a:rPr kumimoji="0" lang="de-DE" altLang="de-DE" b="0" i="0" u="none" strike="noStrike" cap="none" normalizeH="0" baseline="0" dirty="0">
                 <a:ln>
                   <a:noFill/>
                 </a:ln>
@@ -14379,7 +15175,7 @@
               <a:buChar char="•"/>
               <a:tabLst/>
             </a:pPr>
-            <a:endParaRPr lang="de-DE" altLang="de-DE" sz="1800">
+            <a:endParaRPr lang="de-DE" altLang="de-DE" sz="1800" dirty="0">
               <a:latin typeface="Arial" panose="020B0604020202020204" pitchFamily="34" charset="0"/>
             </a:endParaRPr>
           </a:p>
@@ -14401,7 +15197,7 @@
               <a:tabLst/>
             </a:pPr>
             <a:r>
-              <a:rPr kumimoji="0" lang="de-DE" altLang="de-DE" sz="2400" b="0" i="0" u="none" strike="noStrike" cap="none" normalizeH="0" baseline="0">
+              <a:rPr kumimoji="0" lang="de-DE" altLang="de-DE" sz="2400" b="0" i="0" u="none" strike="noStrike" cap="none" normalizeH="0" baseline="0" dirty="0">
                 <a:ln>
                   <a:noFill/>
                 </a:ln>
@@ -14429,7 +15225,7 @@
               <a:buFontTx/>
               <a:buChar char="•"/>
             </a:pPr>
-            <a:endParaRPr kumimoji="0" lang="de-DE" altLang="de-DE" sz="2400" b="0" i="0" u="none" strike="noStrike" cap="none" normalizeH="0" baseline="0">
+            <a:endParaRPr kumimoji="0" lang="de-DE" altLang="de-DE" sz="2400" b="0" i="0" u="none" strike="noStrike" cap="none" normalizeH="0" baseline="0" dirty="0">
               <a:ln>
                 <a:noFill/>
               </a:ln>
@@ -14458,7 +15254,7 @@
               <a:tabLst/>
             </a:pPr>
             <a:r>
-              <a:rPr kumimoji="0" lang="de-DE" altLang="de-DE" b="0" i="0" u="none" strike="noStrike" cap="none" normalizeH="0" baseline="0">
+              <a:rPr kumimoji="0" lang="de-DE" altLang="de-DE" b="0" i="0" u="none" strike="noStrike" cap="none" normalizeH="0" baseline="0" dirty="0">
                 <a:ln>
                   <a:noFill/>
                 </a:ln>
@@ -14470,6 +15266,36 @@
               </a:rPr>
               <a:t>DVCS ist vorteilhaft für Teams, parallele Arbeit und komplexe Projekte</a:t>
             </a:r>
+          </a:p>
+        </p:txBody>
+      </p:sp>
+      <p:sp>
+        <p:nvSpPr>
+          <p:cNvPr id="4" name="Foliennummernplatzhalter 3">
+            <a:extLst>
+              <a:ext uri="{FF2B5EF4-FFF2-40B4-BE49-F238E27FC236}">
+                <a16:creationId xmlns:a16="http://schemas.microsoft.com/office/drawing/2014/main" id="{2D36D0F6-E790-FE5A-C2A1-07F8EA3BB7EA}"/>
+              </a:ext>
+            </a:extLst>
+          </p:cNvPr>
+          <p:cNvSpPr>
+            <a:spLocks noGrp="1"/>
+          </p:cNvSpPr>
+          <p:nvPr>
+            <p:ph type="sldNum" sz="quarter" idx="12"/>
+          </p:nvPr>
+        </p:nvSpPr>
+        <p:spPr/>
+        <p:txBody>
+          <a:bodyPr/>
+          <a:lstStyle/>
+          <a:p>
+            <a:pPr rtl="0"/>
+            <a:fld id="{6D22F896-40B5-4ADD-8801-0D06FADFA095}" type="slidenum">
+              <a:rPr lang="de-DE" noProof="0" smtClean="0"/>
+              <a:t>15</a:t>
+            </a:fld>
+            <a:endParaRPr lang="de-DE" noProof="0"/>
           </a:p>
         </p:txBody>
       </p:sp>
@@ -14486,7 +15312,7 @@
 </p:sld>
 </file>
 
-<file path=ppt/slides/slide14.xml><?xml version="1.0" encoding="utf-8"?>
+<file path=ppt/slides/slide16.xml><?xml version="1.0" encoding="utf-8"?>
 <p:sld xmlns:a="http://schemas.openxmlformats.org/drawingml/2006/main" xmlns:r="http://schemas.openxmlformats.org/officeDocument/2006/relationships" xmlns:p="http://schemas.openxmlformats.org/presentationml/2006/main">
   <p:cSld>
     <p:spTree>
@@ -14594,6 +15420,36 @@
           </a:p>
         </p:txBody>
       </p:sp>
+      <p:sp>
+        <p:nvSpPr>
+          <p:cNvPr id="4" name="Foliennummernplatzhalter 3">
+            <a:extLst>
+              <a:ext uri="{FF2B5EF4-FFF2-40B4-BE49-F238E27FC236}">
+                <a16:creationId xmlns:a16="http://schemas.microsoft.com/office/drawing/2014/main" id="{429C332B-3795-E12F-3777-61B428C8CBF4}"/>
+              </a:ext>
+            </a:extLst>
+          </p:cNvPr>
+          <p:cNvSpPr>
+            <a:spLocks noGrp="1"/>
+          </p:cNvSpPr>
+          <p:nvPr>
+            <p:ph type="sldNum" sz="quarter" idx="12"/>
+          </p:nvPr>
+        </p:nvSpPr>
+        <p:spPr/>
+        <p:txBody>
+          <a:bodyPr/>
+          <a:lstStyle/>
+          <a:p>
+            <a:pPr rtl="0"/>
+            <a:fld id="{6D22F896-40B5-4ADD-8801-0D06FADFA095}" type="slidenum">
+              <a:rPr lang="de-DE" noProof="0" smtClean="0"/>
+              <a:t>16</a:t>
+            </a:fld>
+            <a:endParaRPr lang="de-DE" noProof="0"/>
+          </a:p>
+        </p:txBody>
+      </p:sp>
     </p:spTree>
     <p:extLst>
       <p:ext uri="{BB962C8B-B14F-4D97-AF65-F5344CB8AC3E}">
@@ -14607,7 +15463,7 @@
 </p:sld>
 </file>
 
-<file path=ppt/slides/slide15.xml><?xml version="1.0" encoding="utf-8"?>
+<file path=ppt/slides/slide17.xml><?xml version="1.0" encoding="utf-8"?>
 <p:sld xmlns:a="http://schemas.openxmlformats.org/drawingml/2006/main" xmlns:r="http://schemas.openxmlformats.org/officeDocument/2006/relationships" xmlns:p="http://schemas.openxmlformats.org/presentationml/2006/main">
   <p:cSld>
     <p:spTree>
@@ -14647,20 +15503,13 @@
           <a:p>
             <a:pPr algn="ctr"/>
             <a:r>
-              <a:rPr lang="de-DE" sz="4800" err="1">
-                <a:latin typeface="Arial"/>
-                <a:cs typeface="Arial"/>
-              </a:rPr>
+              <a:rPr lang="de-DE" sz="4800" u="sng" dirty="0" err="1"/>
               <a:t>Branching</a:t>
             </a:r>
             <a:r>
-              <a:rPr lang="de-DE" sz="4800">
-                <a:latin typeface="Arial"/>
-                <a:cs typeface="Arial"/>
-              </a:rPr>
+              <a:rPr lang="de-DE" sz="4800" u="sng" dirty="0"/>
               <a:t>-Grundlagen</a:t>
             </a:r>
-            <a:endParaRPr lang="de-DE" sz="4800"/>
           </a:p>
         </p:txBody>
       </p:sp>
@@ -14693,11 +15542,11 @@
           <a:lstStyle/>
           <a:p>
             <a:r>
-              <a:rPr lang="de-DE" err="1"/>
+              <a:rPr lang="de-DE" dirty="0" err="1"/>
               <a:t>Branching</a:t>
             </a:r>
             <a:r>
-              <a:rPr lang="de-DE"/>
+              <a:rPr lang="de-DE" dirty="0"/>
               <a:t> Strategien? Was ist das überhaupt?</a:t>
             </a:r>
           </a:p>
@@ -14706,22 +15555,22 @@
               <a:buNone/>
             </a:pPr>
             <a:r>
-              <a:rPr lang="de-DE"/>
+              <a:rPr lang="de-DE" dirty="0"/>
               <a:t>Branch=</a:t>
             </a:r>
             <a:r>
-              <a:rPr lang="de-DE">
+              <a:rPr lang="de-DE" dirty="0">
                 <a:ea typeface="+mn-lt"/>
                 <a:cs typeface="+mn-lt"/>
               </a:rPr>
               <a:t>eigenständiger Entwicklungszweig </a:t>
             </a:r>
             <a:r>
-              <a:rPr lang="de-DE"/>
+              <a:rPr lang="de-DE" dirty="0"/>
               <a:t>VCS ohne Einfluss am </a:t>
             </a:r>
             <a:r>
-              <a:rPr lang="de-DE">
+              <a:rPr lang="de-DE" dirty="0">
                 <a:ea typeface="+mn-lt"/>
                 <a:cs typeface="+mn-lt"/>
               </a:rPr>
@@ -14733,25 +15582,25 @@
               <a:buNone/>
             </a:pPr>
             <a:r>
-              <a:rPr lang="de-DE" err="1"/>
+              <a:rPr lang="de-DE" dirty="0" err="1"/>
               <a:t>Branching</a:t>
             </a:r>
             <a:r>
-              <a:rPr lang="de-DE"/>
+              <a:rPr lang="de-DE" dirty="0"/>
               <a:t> Strategien definieren damit die Regeln, wie man parallel an einem Branch arbeiten kann</a:t>
             </a:r>
           </a:p>
           <a:p>
             <a:r>
-              <a:rPr lang="de-DE"/>
+              <a:rPr lang="de-DE" dirty="0"/>
               <a:t>Fehlerhäufigkeit, Code-Stabilität und </a:t>
             </a:r>
             <a:r>
-              <a:rPr lang="de-DE" err="1"/>
+              <a:rPr lang="de-DE" dirty="0" err="1"/>
               <a:t>Merge</a:t>
             </a:r>
             <a:r>
-              <a:rPr lang="de-DE"/>
+              <a:rPr lang="de-DE" dirty="0"/>
               <a:t>-Konflikte? Ich versteh nur Bahnhof!</a:t>
             </a:r>
           </a:p>
@@ -14760,11 +15609,11 @@
               <a:buNone/>
             </a:pPr>
             <a:r>
-              <a:rPr lang="de-DE"/>
+              <a:rPr lang="de-DE" dirty="0"/>
               <a:t>   -&gt;Fehlerhäufigkeit: </a:t>
             </a:r>
             <a:r>
-              <a:rPr lang="de-DE">
+              <a:rPr lang="de-DE" dirty="0">
                 <a:ea typeface="+mn-lt"/>
                 <a:cs typeface="+mn-lt"/>
               </a:rPr>
@@ -14776,11 +15625,11 @@
               <a:buNone/>
             </a:pPr>
             <a:r>
-              <a:rPr lang="de-DE"/>
+              <a:rPr lang="de-DE" dirty="0"/>
               <a:t>   -&gt;Code-Stabilität: </a:t>
             </a:r>
             <a:r>
-              <a:rPr lang="de-DE">
+              <a:rPr lang="de-DE" dirty="0">
                 <a:ea typeface="+mn-lt"/>
                 <a:cs typeface="+mn-lt"/>
               </a:rPr>
@@ -14792,41 +15641,71 @@
               <a:buNone/>
             </a:pPr>
             <a:r>
-              <a:rPr lang="de-DE"/>
+              <a:rPr lang="de-DE" dirty="0"/>
               <a:t>   -&gt;</a:t>
             </a:r>
             <a:r>
-              <a:rPr lang="de-DE" err="1"/>
+              <a:rPr lang="de-DE" dirty="0" err="1"/>
               <a:t>Merge</a:t>
             </a:r>
             <a:r>
-              <a:rPr lang="de-DE"/>
+              <a:rPr lang="de-DE" dirty="0"/>
               <a:t>-Konflikte: </a:t>
             </a:r>
             <a:r>
-              <a:rPr lang="de-DE">
+              <a:rPr lang="de-DE" dirty="0">
                 <a:ea typeface="+mn-lt"/>
                 <a:cs typeface="+mn-lt"/>
               </a:rPr>
               <a:t>Änderungen aus unterschiedlichen </a:t>
             </a:r>
             <a:r>
-              <a:rPr lang="de-DE" err="1">
+              <a:rPr lang="de-DE" dirty="0" err="1">
                 <a:ea typeface="+mn-lt"/>
                 <a:cs typeface="+mn-lt"/>
               </a:rPr>
               <a:t>Branches</a:t>
             </a:r>
             <a:r>
-              <a:rPr lang="de-DE">
+              <a:rPr lang="de-DE" dirty="0">
                 <a:ea typeface="+mn-lt"/>
                 <a:cs typeface="+mn-lt"/>
               </a:rPr>
-              <a:t> können nicht automatisch     zusammengeführt werden</a:t>
-            </a:r>
-          </a:p>
-          <a:p>
-            <a:endParaRPr lang="de-DE"/>
+              <a:t> können nicht automatisch     	zusammengeführt werden</a:t>
+            </a:r>
+          </a:p>
+          <a:p>
+            <a:endParaRPr lang="de-DE" dirty="0"/>
+          </a:p>
+        </p:txBody>
+      </p:sp>
+      <p:sp>
+        <p:nvSpPr>
+          <p:cNvPr id="4" name="Foliennummernplatzhalter 3">
+            <a:extLst>
+              <a:ext uri="{FF2B5EF4-FFF2-40B4-BE49-F238E27FC236}">
+                <a16:creationId xmlns:a16="http://schemas.microsoft.com/office/drawing/2014/main" id="{8C4FA579-7A0E-D79B-7806-F9FB814F1A3C}"/>
+              </a:ext>
+            </a:extLst>
+          </p:cNvPr>
+          <p:cNvSpPr>
+            <a:spLocks noGrp="1"/>
+          </p:cNvSpPr>
+          <p:nvPr>
+            <p:ph type="sldNum" sz="quarter" idx="12"/>
+          </p:nvPr>
+        </p:nvSpPr>
+        <p:spPr/>
+        <p:txBody>
+          <a:bodyPr/>
+          <a:lstStyle/>
+          <a:p>
+            <a:pPr rtl="0"/>
+            <a:fld id="{6D22F896-40B5-4ADD-8801-0D06FADFA095}" type="slidenum">
+              <a:rPr lang="de-DE" noProof="0" smtClean="0"/>
+              <a:t>17</a:t>
+            </a:fld>
+            <a:endParaRPr lang="de-DE" noProof="0"/>
           </a:p>
         </p:txBody>
       </p:sp>
@@ -14843,12 +15722,18 @@
 </p:sld>
 </file>
 
-<file path=ppt/slides/slide16.xml><?xml version="1.0" encoding="utf-8"?>
+<file path=ppt/slides/slide18.xml><?xml version="1.0" encoding="utf-8"?>
 <p:sld xmlns:a="http://schemas.openxmlformats.org/drawingml/2006/main" xmlns:r="http://schemas.openxmlformats.org/officeDocument/2006/relationships" xmlns:p="http://schemas.openxmlformats.org/presentationml/2006/main">
   <p:cSld>
     <p:spTree>
       <p:nvGrpSpPr>
-        <p:cNvPr id="1" name=""/>
+        <p:cNvPr id="1" name="">
+          <a:extLst>
+            <a:ext uri="{FF2B5EF4-FFF2-40B4-BE49-F238E27FC236}">
+              <a16:creationId xmlns:a16="http://schemas.microsoft.com/office/drawing/2014/main" id="{03160BE0-F214-0FB7-898E-6118503EFC08}"/>
+            </a:ext>
+          </a:extLst>
+        </p:cNvPr>
         <p:cNvGrpSpPr/>
         <p:nvPr/>
       </p:nvGrpSpPr>
@@ -14865,7 +15750,7 @@
           <p:cNvPr id="2" name="Titel 1">
             <a:extLst>
               <a:ext uri="{FF2B5EF4-FFF2-40B4-BE49-F238E27FC236}">
-                <a16:creationId xmlns:a16="http://schemas.microsoft.com/office/drawing/2014/main" id="{E43E2315-B5B9-F127-50DA-804AE4DE21EC}"/>
+                <a16:creationId xmlns:a16="http://schemas.microsoft.com/office/drawing/2014/main" id="{3D1AE583-72E4-8896-6EBB-481E1AD7A174}"/>
               </a:ext>
             </a:extLst>
           </p:cNvPr>
@@ -14893,7 +15778,7 @@
           <p:cNvPr id="4" name="Inhaltsplatzhalter 3" descr="Ein Bild, das Text, Diagramm, Reihe, Screenshot enthält.">
             <a:extLst>
               <a:ext uri="{FF2B5EF4-FFF2-40B4-BE49-F238E27FC236}">
-                <a16:creationId xmlns:a16="http://schemas.microsoft.com/office/drawing/2014/main" id="{C1C3E60C-5A3F-4987-2E1F-B57B8B8D3CD9}"/>
+                <a16:creationId xmlns:a16="http://schemas.microsoft.com/office/drawing/2014/main" id="{82344C8E-0735-1DDD-F15E-FAA990F089EF}"/>
               </a:ext>
             </a:extLst>
           </p:cNvPr>
@@ -14920,10 +15805,87 @@
           </a:prstGeom>
         </p:spPr>
       </p:pic>
+      <p:sp>
+        <p:nvSpPr>
+          <p:cNvPr id="3" name="Foliennummernplatzhalter 2">
+            <a:extLst>
+              <a:ext uri="{FF2B5EF4-FFF2-40B4-BE49-F238E27FC236}">
+                <a16:creationId xmlns:a16="http://schemas.microsoft.com/office/drawing/2014/main" id="{DFAF4652-5766-2723-0E6E-B97DFD55691A}"/>
+              </a:ext>
+            </a:extLst>
+          </p:cNvPr>
+          <p:cNvSpPr>
+            <a:spLocks noGrp="1"/>
+          </p:cNvSpPr>
+          <p:nvPr>
+            <p:ph type="sldNum" sz="quarter" idx="12"/>
+          </p:nvPr>
+        </p:nvSpPr>
+        <p:spPr/>
+        <p:txBody>
+          <a:bodyPr/>
+          <a:lstStyle/>
+          <a:p>
+            <a:pPr rtl="0"/>
+            <a:fld id="{6D22F896-40B5-4ADD-8801-0D06FADFA095}" type="slidenum">
+              <a:rPr lang="de-DE" noProof="0" smtClean="0">
+                <a:solidFill>
+                  <a:schemeClr val="bg1"/>
+                </a:solidFill>
+              </a:rPr>
+              <a:t>18</a:t>
+            </a:fld>
+            <a:endParaRPr lang="de-DE" noProof="0" dirty="0">
+              <a:solidFill>
+                <a:schemeClr val="bg1"/>
+              </a:solidFill>
+            </a:endParaRPr>
+          </a:p>
+        </p:txBody>
+      </p:sp>
+      <p:sp>
+        <p:nvSpPr>
+          <p:cNvPr id="5" name="Textfeld 4">
+            <a:extLst>
+              <a:ext uri="{FF2B5EF4-FFF2-40B4-BE49-F238E27FC236}">
+                <a16:creationId xmlns:a16="http://schemas.microsoft.com/office/drawing/2014/main" id="{56AE141D-4C4C-BA87-2741-3DB16B1EB710}"/>
+              </a:ext>
+            </a:extLst>
+          </p:cNvPr>
+          <p:cNvSpPr txBox="1"/>
+          <p:nvPr/>
+        </p:nvSpPr>
+        <p:spPr>
+          <a:xfrm>
+            <a:off x="9396248" y="6430621"/>
+            <a:ext cx="2159876" cy="307777"/>
+          </a:xfrm>
+          <a:prstGeom prst="rect">
+            <a:avLst/>
+          </a:prstGeom>
+          <a:noFill/>
+        </p:spPr>
+        <p:txBody>
+          <a:bodyPr wrap="square" rtlCol="0">
+            <a:spAutoFit/>
+          </a:bodyPr>
+          <a:lstStyle/>
+          <a:p>
+            <a:r>
+              <a:rPr lang="de-DE" sz="1400" dirty="0">
+                <a:solidFill>
+                  <a:schemeClr val="bg1"/>
+                </a:solidFill>
+              </a:rPr>
+              <a:t>Abbildung 5:</a:t>
+            </a:r>
+          </a:p>
+        </p:txBody>
+      </p:sp>
     </p:spTree>
     <p:extLst>
       <p:ext uri="{BB962C8B-B14F-4D97-AF65-F5344CB8AC3E}">
-        <p14:creationId xmlns:p14="http://schemas.microsoft.com/office/powerpoint/2010/main" val="1786724287"/>
+        <p14:creationId xmlns:p14="http://schemas.microsoft.com/office/powerpoint/2010/main" val="2320189052"/>
       </p:ext>
     </p:extLst>
   </p:cSld>
@@ -14933,12 +15895,18 @@
 </p:sld>
 </file>
 
-<file path=ppt/slides/slide17.xml><?xml version="1.0" encoding="utf-8"?>
+<file path=ppt/slides/slide19.xml><?xml version="1.0" encoding="utf-8"?>
 <p:sld xmlns:a="http://schemas.openxmlformats.org/drawingml/2006/main" xmlns:r="http://schemas.openxmlformats.org/officeDocument/2006/relationships" xmlns:p="http://schemas.openxmlformats.org/presentationml/2006/main">
   <p:cSld>
     <p:spTree>
       <p:nvGrpSpPr>
-        <p:cNvPr id="1" name=""/>
+        <p:cNvPr id="1" name="">
+          <a:extLst>
+            <a:ext uri="{FF2B5EF4-FFF2-40B4-BE49-F238E27FC236}">
+              <a16:creationId xmlns:a16="http://schemas.microsoft.com/office/drawing/2014/main" id="{831C7274-65FA-AC36-F2C3-F950925B6CB3}"/>
+            </a:ext>
+          </a:extLst>
+        </p:cNvPr>
         <p:cNvGrpSpPr/>
         <p:nvPr/>
       </p:nvGrpSpPr>
@@ -14955,7 +15923,7 @@
           <p:cNvPr id="4" name="Inhaltsplatzhalter 3" descr="Ein Bild, das Text, Reihe, Screenshot, Diagramm enthält.&#10;&#10;KI-generierte Inhalte können fehlerhaft sein.">
             <a:extLst>
               <a:ext uri="{FF2B5EF4-FFF2-40B4-BE49-F238E27FC236}">
-                <a16:creationId xmlns:a16="http://schemas.microsoft.com/office/drawing/2014/main" id="{DC5664FD-9000-69B5-C3BB-BE07DA62140D}"/>
+                <a16:creationId xmlns:a16="http://schemas.microsoft.com/office/drawing/2014/main" id="{0C28DC83-88DD-08E9-847C-0C8453C8DDCE}"/>
               </a:ext>
             </a:extLst>
           </p:cNvPr>
@@ -14974,7 +15942,7 @@
         </p:blipFill>
         <p:spPr>
           <a:xfrm>
-            <a:off x="1495" y="2069"/>
+            <a:off x="6169" y="0"/>
             <a:ext cx="12185831" cy="6840496"/>
           </a:xfrm>
           <a:prstGeom prst="rect">
@@ -14987,7 +15955,7 @@
           <p:cNvPr id="6" name="Titel 5">
             <a:extLst>
               <a:ext uri="{FF2B5EF4-FFF2-40B4-BE49-F238E27FC236}">
-                <a16:creationId xmlns:a16="http://schemas.microsoft.com/office/drawing/2014/main" id="{CD554DE3-6A40-3CBB-7D55-C6BB13BC4E13}"/>
+                <a16:creationId xmlns:a16="http://schemas.microsoft.com/office/drawing/2014/main" id="{A465199E-0712-E2A1-671D-99B16E49E7A5}"/>
               </a:ext>
             </a:extLst>
           </p:cNvPr>
@@ -15003,14 +15971,91 @@
           <a:bodyPr/>
           <a:lstStyle/>
           <a:p>
-            <a:endParaRPr lang="de-DE"/>
+            <a:endParaRPr lang="de-DE" dirty="0"/>
+          </a:p>
+        </p:txBody>
+      </p:sp>
+      <p:sp>
+        <p:nvSpPr>
+          <p:cNvPr id="2" name="Foliennummernplatzhalter 1">
+            <a:extLst>
+              <a:ext uri="{FF2B5EF4-FFF2-40B4-BE49-F238E27FC236}">
+                <a16:creationId xmlns:a16="http://schemas.microsoft.com/office/drawing/2014/main" id="{F34FF77E-37CB-A6A5-6D0D-7A4D4B9911B8}"/>
+              </a:ext>
+            </a:extLst>
+          </p:cNvPr>
+          <p:cNvSpPr>
+            <a:spLocks noGrp="1"/>
+          </p:cNvSpPr>
+          <p:nvPr>
+            <p:ph type="sldNum" sz="quarter" idx="12"/>
+          </p:nvPr>
+        </p:nvSpPr>
+        <p:spPr/>
+        <p:txBody>
+          <a:bodyPr/>
+          <a:lstStyle/>
+          <a:p>
+            <a:pPr rtl="0"/>
+            <a:fld id="{6D22F896-40B5-4ADD-8801-0D06FADFA095}" type="slidenum">
+              <a:rPr lang="de-DE" noProof="0" smtClean="0">
+                <a:solidFill>
+                  <a:schemeClr val="bg1"/>
+                </a:solidFill>
+              </a:rPr>
+              <a:t>19</a:t>
+            </a:fld>
+            <a:endParaRPr lang="de-DE" noProof="0" dirty="0">
+              <a:solidFill>
+                <a:schemeClr val="bg1"/>
+              </a:solidFill>
+            </a:endParaRPr>
+          </a:p>
+        </p:txBody>
+      </p:sp>
+      <p:sp>
+        <p:nvSpPr>
+          <p:cNvPr id="5" name="Textfeld 4">
+            <a:extLst>
+              <a:ext uri="{FF2B5EF4-FFF2-40B4-BE49-F238E27FC236}">
+                <a16:creationId xmlns:a16="http://schemas.microsoft.com/office/drawing/2014/main" id="{52251B94-6201-B54B-70FE-5EBACCAFD914}"/>
+              </a:ext>
+            </a:extLst>
+          </p:cNvPr>
+          <p:cNvSpPr txBox="1"/>
+          <p:nvPr/>
+        </p:nvSpPr>
+        <p:spPr>
+          <a:xfrm>
+            <a:off x="9396248" y="6430621"/>
+            <a:ext cx="2159876" cy="307777"/>
+          </a:xfrm>
+          <a:prstGeom prst="rect">
+            <a:avLst/>
+          </a:prstGeom>
+          <a:noFill/>
+        </p:spPr>
+        <p:txBody>
+          <a:bodyPr wrap="square" rtlCol="0">
+            <a:spAutoFit/>
+          </a:bodyPr>
+          <a:lstStyle/>
+          <a:p>
+            <a:r>
+              <a:rPr lang="de-DE" sz="1400" dirty="0">
+                <a:solidFill>
+                  <a:schemeClr val="bg1"/>
+                </a:solidFill>
+              </a:rPr>
+              <a:t>Abbildung 6:</a:t>
+            </a:r>
           </a:p>
         </p:txBody>
       </p:sp>
     </p:spTree>
     <p:extLst>
       <p:ext uri="{BB962C8B-B14F-4D97-AF65-F5344CB8AC3E}">
-        <p14:creationId xmlns:p14="http://schemas.microsoft.com/office/powerpoint/2010/main" val="3863341740"/>
+        <p14:creationId xmlns:p14="http://schemas.microsoft.com/office/powerpoint/2010/main" val="2446253680"/>
       </p:ext>
     </p:extLst>
   </p:cSld>
@@ -15020,7 +16065,109 @@
 </p:sld>
 </file>
 
-<file path=ppt/slides/slide18.xml><?xml version="1.0" encoding="utf-8"?>
+<file path=ppt/slides/slide2.xml><?xml version="1.0" encoding="utf-8"?>
+<p:sld xmlns:a="http://schemas.openxmlformats.org/drawingml/2006/main" xmlns:r="http://schemas.openxmlformats.org/officeDocument/2006/relationships" xmlns:p="http://schemas.openxmlformats.org/presentationml/2006/main">
+  <p:cSld>
+    <p:spTree>
+      <p:nvGrpSpPr>
+        <p:cNvPr id="1" name="">
+          <a:extLst>
+            <a:ext uri="{FF2B5EF4-FFF2-40B4-BE49-F238E27FC236}">
+              <a16:creationId xmlns:a16="http://schemas.microsoft.com/office/drawing/2014/main" id="{A49927D3-ED02-14EC-834F-DE62ED6974EE}"/>
+            </a:ext>
+          </a:extLst>
+        </p:cNvPr>
+        <p:cNvGrpSpPr/>
+        <p:nvPr/>
+      </p:nvGrpSpPr>
+      <p:grpSpPr>
+        <a:xfrm>
+          <a:off x="0" y="0"/>
+          <a:ext cx="0" cy="0"/>
+          <a:chOff x="0" y="0"/>
+          <a:chExt cx="0" cy="0"/>
+        </a:xfrm>
+      </p:grpSpPr>
+      <p:pic>
+        <p:nvPicPr>
+          <p:cNvPr id="5" name="Grafik 4">
+            <a:extLst>
+              <a:ext uri="{FF2B5EF4-FFF2-40B4-BE49-F238E27FC236}">
+                <a16:creationId xmlns:a16="http://schemas.microsoft.com/office/drawing/2014/main" id="{074B6D36-3577-0F03-39E8-01DCFE4302C3}"/>
+              </a:ext>
+            </a:extLst>
+          </p:cNvPr>
+          <p:cNvPicPr>
+            <a:picLocks noChangeAspect="1"/>
+          </p:cNvPicPr>
+          <p:nvPr/>
+        </p:nvPicPr>
+        <p:blipFill>
+          <a:blip r:embed="rId3"/>
+          <a:srcRect l="24534" t="3367" r="45768" b="63221"/>
+          <a:stretch>
+            <a:fillRect/>
+          </a:stretch>
+        </p:blipFill>
+        <p:spPr>
+          <a:xfrm>
+            <a:off x="2825836" y="1087502"/>
+            <a:ext cx="6078171" cy="3846643"/>
+          </a:xfrm>
+          <a:prstGeom prst="rect">
+            <a:avLst/>
+          </a:prstGeom>
+        </p:spPr>
+      </p:pic>
+      <p:sp>
+        <p:nvSpPr>
+          <p:cNvPr id="2" name="Textfeld 1">
+            <a:extLst>
+              <a:ext uri="{FF2B5EF4-FFF2-40B4-BE49-F238E27FC236}">
+                <a16:creationId xmlns:a16="http://schemas.microsoft.com/office/drawing/2014/main" id="{CD8C6FC1-609A-90BE-E8C2-6425ABECE5B6}"/>
+              </a:ext>
+            </a:extLst>
+          </p:cNvPr>
+          <p:cNvSpPr txBox="1"/>
+          <p:nvPr/>
+        </p:nvSpPr>
+        <p:spPr>
+          <a:xfrm>
+            <a:off x="7772400" y="4934145"/>
+            <a:ext cx="1371600" cy="338554"/>
+          </a:xfrm>
+          <a:prstGeom prst="rect">
+            <a:avLst/>
+          </a:prstGeom>
+          <a:noFill/>
+        </p:spPr>
+        <p:txBody>
+          <a:bodyPr wrap="square" rtlCol="0">
+            <a:spAutoFit/>
+          </a:bodyPr>
+          <a:lstStyle/>
+          <a:p>
+            <a:r>
+              <a:rPr lang="de-DE" sz="1600" dirty="0"/>
+              <a:t>Abbildung 1</a:t>
+            </a:r>
+          </a:p>
+        </p:txBody>
+      </p:sp>
+    </p:spTree>
+    <p:extLst>
+      <p:ext uri="{BB962C8B-B14F-4D97-AF65-F5344CB8AC3E}">
+        <p14:creationId xmlns:p14="http://schemas.microsoft.com/office/powerpoint/2010/main" val="2330339907"/>
+      </p:ext>
+    </p:extLst>
+  </p:cSld>
+  <p:clrMapOvr>
+    <a:masterClrMapping/>
+  </p:clrMapOvr>
+</p:sld>
+</file>
+
+<file path=ppt/slides/slide20.xml><?xml version="1.0" encoding="utf-8"?>
 <p:sld xmlns:a="http://schemas.openxmlformats.org/drawingml/2006/main" xmlns:r="http://schemas.openxmlformats.org/officeDocument/2006/relationships" xmlns:p="http://schemas.openxmlformats.org/presentationml/2006/main">
   <p:cSld>
     <p:bg>
@@ -15036,7 +16183,13 @@
     </p:bg>
     <p:spTree>
       <p:nvGrpSpPr>
-        <p:cNvPr id="1" name=""/>
+        <p:cNvPr id="1" name="">
+          <a:extLst>
+            <a:ext uri="{FF2B5EF4-FFF2-40B4-BE49-F238E27FC236}">
+              <a16:creationId xmlns:a16="http://schemas.microsoft.com/office/drawing/2014/main" id="{FE1E6D48-173F-87DA-3EAD-35D8AB10D33D}"/>
+            </a:ext>
+          </a:extLst>
+        </p:cNvPr>
         <p:cNvGrpSpPr/>
         <p:nvPr/>
       </p:nvGrpSpPr>
@@ -15053,7 +16206,7 @@
           <p:cNvPr id="2" name="Titel 1">
             <a:extLst>
               <a:ext uri="{FF2B5EF4-FFF2-40B4-BE49-F238E27FC236}">
-                <a16:creationId xmlns:a16="http://schemas.microsoft.com/office/drawing/2014/main" id="{B97E33E7-D767-7496-F532-58AE56AD4F4E}"/>
+                <a16:creationId xmlns:a16="http://schemas.microsoft.com/office/drawing/2014/main" id="{494B086F-15BC-5BA2-11B9-18312945A113}"/>
               </a:ext>
             </a:extLst>
           </p:cNvPr>
@@ -15104,7 +16257,7 @@
           <p:cNvPr id="9" name="Textfeld 8">
             <a:extLst>
               <a:ext uri="{FF2B5EF4-FFF2-40B4-BE49-F238E27FC236}">
-                <a16:creationId xmlns:a16="http://schemas.microsoft.com/office/drawing/2014/main" id="{1F367931-44FE-1FB5-04ED-AC69D464D97D}"/>
+                <a16:creationId xmlns:a16="http://schemas.microsoft.com/office/drawing/2014/main" id="{B8103D62-2CE8-478A-6027-2D4CD338B011}"/>
               </a:ext>
             </a:extLst>
           </p:cNvPr>
@@ -15143,10 +16296,92 @@
           </a:p>
         </p:txBody>
       </p:sp>
+      <p:sp>
+        <p:nvSpPr>
+          <p:cNvPr id="3" name="Foliennummernplatzhalter 2">
+            <a:extLst>
+              <a:ext uri="{FF2B5EF4-FFF2-40B4-BE49-F238E27FC236}">
+                <a16:creationId xmlns:a16="http://schemas.microsoft.com/office/drawing/2014/main" id="{2F7DDDBF-509D-00A4-A21A-34C645EA194E}"/>
+              </a:ext>
+            </a:extLst>
+          </p:cNvPr>
+          <p:cNvSpPr>
+            <a:spLocks noGrp="1"/>
+          </p:cNvSpPr>
+          <p:nvPr>
+            <p:ph type="sldNum" sz="quarter" idx="12"/>
+          </p:nvPr>
+        </p:nvSpPr>
+        <p:spPr>
+          <a:xfrm>
+            <a:off x="10229024" y="5883274"/>
+            <a:ext cx="771089" cy="365125"/>
+          </a:xfrm>
+        </p:spPr>
+        <p:txBody>
+          <a:bodyPr/>
+          <a:lstStyle/>
+          <a:p>
+            <a:pPr rtl="0"/>
+            <a:fld id="{6D22F896-40B5-4ADD-8801-0D06FADFA095}" type="slidenum">
+              <a:rPr lang="de-DE" noProof="0" smtClean="0">
+                <a:solidFill>
+                  <a:schemeClr val="bg1"/>
+                </a:solidFill>
+              </a:rPr>
+              <a:t>20</a:t>
+            </a:fld>
+            <a:endParaRPr lang="de-DE" noProof="0" dirty="0">
+              <a:solidFill>
+                <a:schemeClr val="bg1"/>
+              </a:solidFill>
+            </a:endParaRPr>
+          </a:p>
+        </p:txBody>
+      </p:sp>
+      <p:sp>
+        <p:nvSpPr>
+          <p:cNvPr id="4" name="Textfeld 3">
+            <a:extLst>
+              <a:ext uri="{FF2B5EF4-FFF2-40B4-BE49-F238E27FC236}">
+                <a16:creationId xmlns:a16="http://schemas.microsoft.com/office/drawing/2014/main" id="{3488F54E-8B29-CE51-E454-FE5720FC6DA3}"/>
+              </a:ext>
+            </a:extLst>
+          </p:cNvPr>
+          <p:cNvSpPr txBox="1"/>
+          <p:nvPr/>
+        </p:nvSpPr>
+        <p:spPr>
+          <a:xfrm>
+            <a:off x="9396248" y="6430621"/>
+            <a:ext cx="2159876" cy="307777"/>
+          </a:xfrm>
+          <a:prstGeom prst="rect">
+            <a:avLst/>
+          </a:prstGeom>
+          <a:noFill/>
+        </p:spPr>
+        <p:txBody>
+          <a:bodyPr wrap="square" rtlCol="0">
+            <a:spAutoFit/>
+          </a:bodyPr>
+          <a:lstStyle/>
+          <a:p>
+            <a:r>
+              <a:rPr lang="de-DE" sz="1400" dirty="0">
+                <a:solidFill>
+                  <a:schemeClr val="bg1"/>
+                </a:solidFill>
+              </a:rPr>
+              <a:t>Abbildung 7:</a:t>
+            </a:r>
+          </a:p>
+        </p:txBody>
+      </p:sp>
     </p:spTree>
     <p:extLst>
       <p:ext uri="{BB962C8B-B14F-4D97-AF65-F5344CB8AC3E}">
-        <p14:creationId xmlns:p14="http://schemas.microsoft.com/office/powerpoint/2010/main" val="947213682"/>
+        <p14:creationId xmlns:p14="http://schemas.microsoft.com/office/powerpoint/2010/main" val="942628727"/>
       </p:ext>
     </p:extLst>
   </p:cSld>
@@ -15156,7 +16391,774 @@
 </p:sld>
 </file>
 
-<file path=ppt/slides/slide19.xml><?xml version="1.0" encoding="utf-8"?>
+<file path=ppt/slides/slide21.xml><?xml version="1.0" encoding="utf-8"?>
+<p:sld xmlns:a="http://schemas.openxmlformats.org/drawingml/2006/main" xmlns:r="http://schemas.openxmlformats.org/officeDocument/2006/relationships" xmlns:p="http://schemas.openxmlformats.org/presentationml/2006/main">
+  <p:cSld>
+    <p:spTree>
+      <p:nvGrpSpPr>
+        <p:cNvPr id="1" name="">
+          <a:extLst>
+            <a:ext uri="{FF2B5EF4-FFF2-40B4-BE49-F238E27FC236}">
+              <a16:creationId xmlns:a16="http://schemas.microsoft.com/office/drawing/2014/main" id="{A1DDAB50-A438-DD07-4997-9446FE497DE5}"/>
+            </a:ext>
+          </a:extLst>
+        </p:cNvPr>
+        <p:cNvGrpSpPr/>
+        <p:nvPr/>
+      </p:nvGrpSpPr>
+      <p:grpSpPr>
+        <a:xfrm>
+          <a:off x="0" y="0"/>
+          <a:ext cx="0" cy="0"/>
+          <a:chOff x="0" y="0"/>
+          <a:chExt cx="0" cy="0"/>
+        </a:xfrm>
+      </p:grpSpPr>
+      <p:sp>
+        <p:nvSpPr>
+          <p:cNvPr id="2" name="Titel 1">
+            <a:extLst>
+              <a:ext uri="{FF2B5EF4-FFF2-40B4-BE49-F238E27FC236}">
+                <a16:creationId xmlns:a16="http://schemas.microsoft.com/office/drawing/2014/main" id="{3BBB4BEC-80E1-50F3-D13D-85B72B5067DF}"/>
+              </a:ext>
+            </a:extLst>
+          </p:cNvPr>
+          <p:cNvSpPr>
+            <a:spLocks noGrp="1"/>
+          </p:cNvSpPr>
+          <p:nvPr>
+            <p:ph type="title"/>
+          </p:nvPr>
+        </p:nvSpPr>
+        <p:spPr/>
+        <p:txBody>
+          <a:bodyPr>
+            <a:normAutofit/>
+          </a:bodyPr>
+          <a:lstStyle/>
+          <a:p>
+            <a:pPr algn="ctr"/>
+            <a:r>
+              <a:rPr lang="de-DE" sz="4300" u="sng" dirty="0">
+                <a:latin typeface="Arial"/>
+                <a:ea typeface="+mj-lt"/>
+                <a:cs typeface="Arial"/>
+              </a:rPr>
+              <a:t>Auswirkungen auf Softwarequalität</a:t>
+            </a:r>
+            <a:br>
+              <a:rPr lang="de-DE" sz="4300" dirty="0">
+                <a:latin typeface="Arial"/>
+                <a:ea typeface="+mj-lt"/>
+                <a:cs typeface="Arial"/>
+              </a:rPr>
+            </a:br>
+            <a:r>
+              <a:rPr lang="de-DE" sz="2400" dirty="0"/>
+              <a:t>(Fehlerhäufigkeit, Code-Stabilität und </a:t>
+            </a:r>
+            <a:r>
+              <a:rPr lang="de-DE" sz="2400" dirty="0" err="1"/>
+              <a:t>Merge</a:t>
+            </a:r>
+            <a:r>
+              <a:rPr lang="de-DE" sz="2400" dirty="0"/>
+              <a:t>-Konflikte)</a:t>
+            </a:r>
+            <a:endParaRPr lang="de-DE" dirty="0"/>
+          </a:p>
+        </p:txBody>
+      </p:sp>
+      <p:sp>
+        <p:nvSpPr>
+          <p:cNvPr id="3" name="Textplatzhalter 2">
+            <a:extLst>
+              <a:ext uri="{FF2B5EF4-FFF2-40B4-BE49-F238E27FC236}">
+                <a16:creationId xmlns:a16="http://schemas.microsoft.com/office/drawing/2014/main" id="{CF430660-1C16-A744-EBCA-AE097FF0BB9F}"/>
+              </a:ext>
+            </a:extLst>
+          </p:cNvPr>
+          <p:cNvSpPr>
+            <a:spLocks noGrp="1"/>
+          </p:cNvSpPr>
+          <p:nvPr>
+            <p:ph type="body" idx="1"/>
+          </p:nvPr>
+        </p:nvSpPr>
+        <p:spPr/>
+        <p:txBody>
+          <a:bodyPr/>
+          <a:lstStyle/>
+          <a:p>
+            <a:r>
+              <a:rPr lang="de-DE" sz="1900" dirty="0">
+                <a:latin typeface="Arial"/>
+                <a:cs typeface="Arial"/>
+              </a:rPr>
+              <a:t>Trunk-</a:t>
+            </a:r>
+            <a:r>
+              <a:rPr lang="de-DE" sz="1900" dirty="0" err="1">
+                <a:latin typeface="Arial"/>
+                <a:cs typeface="Arial"/>
+              </a:rPr>
+              <a:t>Based</a:t>
+            </a:r>
+            <a:r>
+              <a:rPr lang="de-DE" sz="1900" dirty="0">
+                <a:latin typeface="Arial"/>
+                <a:cs typeface="Arial"/>
+              </a:rPr>
+              <a:t> Development</a:t>
+            </a:r>
+            <a:endParaRPr lang="de-DE" dirty="0"/>
+          </a:p>
+        </p:txBody>
+      </p:sp>
+      <p:graphicFrame>
+        <p:nvGraphicFramePr>
+          <p:cNvPr id="9" name="Tabelle 8">
+            <a:extLst>
+              <a:ext uri="{FF2B5EF4-FFF2-40B4-BE49-F238E27FC236}">
+                <a16:creationId xmlns:a16="http://schemas.microsoft.com/office/drawing/2014/main" id="{3C45226F-0E9C-4B58-B409-1217BBF5EE5B}"/>
+              </a:ext>
+            </a:extLst>
+          </p:cNvPr>
+          <p:cNvGraphicFramePr>
+            <a:graphicFrameLocks noGrp="1"/>
+          </p:cNvGraphicFramePr>
+          <p:nvPr>
+            <p:extLst>
+              <p:ext uri="{D42A27DB-BD31-4B8C-83A1-F6EECF244321}">
+                <p14:modId xmlns:p14="http://schemas.microsoft.com/office/powerpoint/2010/main" val="1202657029"/>
+              </p:ext>
+            </p:extLst>
+          </p:nvPr>
+        </p:nvGraphicFramePr>
+        <p:xfrm>
+          <a:off x="1193883" y="2514600"/>
+          <a:ext cx="9542434" cy="4145855"/>
+        </p:xfrm>
+        <a:graphic>
+          <a:graphicData uri="http://schemas.openxmlformats.org/drawingml/2006/table">
+            <a:tbl>
+              <a:tblPr firstRow="1" bandRow="1">
+                <a:tableStyleId>{5C22544A-7EE6-4342-B048-85BDC9FD1C3A}</a:tableStyleId>
+              </a:tblPr>
+              <a:tblGrid>
+                <a:gridCol w="3267019">
+                  <a:extLst>
+                    <a:ext uri="{9D8B030D-6E8A-4147-A177-3AD203B41FA5}">
+                      <a16:colId xmlns:a16="http://schemas.microsoft.com/office/drawing/2014/main" val="347385257"/>
+                    </a:ext>
+                  </a:extLst>
+                </a:gridCol>
+                <a:gridCol w="3057691">
+                  <a:extLst>
+                    <a:ext uri="{9D8B030D-6E8A-4147-A177-3AD203B41FA5}">
+                      <a16:colId xmlns:a16="http://schemas.microsoft.com/office/drawing/2014/main" val="29006215"/>
+                    </a:ext>
+                  </a:extLst>
+                </a:gridCol>
+                <a:gridCol w="3217724">
+                  <a:extLst>
+                    <a:ext uri="{9D8B030D-6E8A-4147-A177-3AD203B41FA5}">
+                      <a16:colId xmlns:a16="http://schemas.microsoft.com/office/drawing/2014/main" val="659183182"/>
+                    </a:ext>
+                  </a:extLst>
+                </a:gridCol>
+              </a:tblGrid>
+              <a:tr h="833596">
+                <a:tc>
+                  <a:txBody>
+                    <a:bodyPr/>
+                    <a:lstStyle/>
+                    <a:p>
+                      <a:pPr marL="0" marR="0" lvl="0" indent="0" algn="l" defTabSz="914400" rtl="0" eaLnBrk="1" fontAlgn="auto" latinLnBrk="0" hangingPunct="1">
+                        <a:lnSpc>
+                          <a:spcPct val="100000"/>
+                        </a:lnSpc>
+                        <a:spcBef>
+                          <a:spcPts val="0"/>
+                        </a:spcBef>
+                        <a:spcAft>
+                          <a:spcPts val="0"/>
+                        </a:spcAft>
+                        <a:buClrTx/>
+                        <a:buSzTx/>
+                        <a:buFontTx/>
+                        <a:buNone/>
+                        <a:tabLst/>
+                        <a:defRPr/>
+                      </a:pPr>
+                      <a:r>
+                        <a:rPr lang="de-DE" sz="1800" dirty="0">
+                          <a:latin typeface="Arial"/>
+                          <a:cs typeface="Arial"/>
+                        </a:rPr>
+                        <a:t>Trunk-</a:t>
+                      </a:r>
+                      <a:r>
+                        <a:rPr lang="de-DE" sz="1800" dirty="0" err="1">
+                          <a:latin typeface="Arial"/>
+                          <a:cs typeface="Arial"/>
+                        </a:rPr>
+                        <a:t>Based</a:t>
+                      </a:r>
+                      <a:r>
+                        <a:rPr lang="de-DE" sz="1800" dirty="0">
+                          <a:latin typeface="Arial"/>
+                          <a:cs typeface="Arial"/>
+                        </a:rPr>
+                        <a:t> Development</a:t>
+                      </a:r>
+                      <a:endParaRPr lang="de-DE" dirty="0"/>
+                    </a:p>
+                    <a:p>
+                      <a:endParaRPr lang="de-DE" dirty="0"/>
+                    </a:p>
+                  </a:txBody>
+                  <a:tcPr/>
+                </a:tc>
+                <a:tc>
+                  <a:txBody>
+                    <a:bodyPr/>
+                    <a:lstStyle/>
+                    <a:p>
+                      <a:pPr marL="0" marR="0" lvl="0" indent="0" algn="l" defTabSz="914400" rtl="0" eaLnBrk="1" fontAlgn="auto" latinLnBrk="0" hangingPunct="1">
+                        <a:lnSpc>
+                          <a:spcPct val="100000"/>
+                        </a:lnSpc>
+                        <a:spcBef>
+                          <a:spcPts val="0"/>
+                        </a:spcBef>
+                        <a:spcAft>
+                          <a:spcPts val="0"/>
+                        </a:spcAft>
+                        <a:buClrTx/>
+                        <a:buSzTx/>
+                        <a:buFontTx/>
+                        <a:buNone/>
+                        <a:tabLst/>
+                        <a:defRPr/>
+                      </a:pPr>
+                      <a:r>
+                        <a:rPr lang="de-DE" sz="1800" b="1" kern="1200" dirty="0">
+                          <a:solidFill>
+                            <a:schemeClr val="lt1"/>
+                          </a:solidFill>
+                          <a:latin typeface="Arial"/>
+                          <a:ea typeface="+mn-ea"/>
+                          <a:cs typeface="Arial"/>
+                        </a:rPr>
+                        <a:t>Feature </a:t>
+                      </a:r>
+                      <a:r>
+                        <a:rPr lang="de-DE" sz="1800" b="1" kern="1200" dirty="0" err="1">
+                          <a:solidFill>
+                            <a:schemeClr val="lt1"/>
+                          </a:solidFill>
+                          <a:latin typeface="Arial"/>
+                          <a:ea typeface="+mn-ea"/>
+                          <a:cs typeface="Arial"/>
+                        </a:rPr>
+                        <a:t>Branching</a:t>
+                      </a:r>
+                      <a:r>
+                        <a:rPr lang="de-DE" sz="1800" b="1" kern="1200" dirty="0">
+                          <a:solidFill>
+                            <a:schemeClr val="lt1"/>
+                          </a:solidFill>
+                          <a:latin typeface="Arial"/>
+                          <a:ea typeface="+mn-ea"/>
+                          <a:cs typeface="Arial"/>
+                        </a:rPr>
+                        <a:t> Development</a:t>
+                      </a:r>
+                    </a:p>
+                    <a:p>
+                      <a:endParaRPr lang="de-DE" sz="1800" b="1" kern="1200" dirty="0">
+                        <a:solidFill>
+                          <a:schemeClr val="lt1"/>
+                        </a:solidFill>
+                        <a:latin typeface="Arial"/>
+                        <a:ea typeface="+mn-ea"/>
+                        <a:cs typeface="Arial"/>
+                      </a:endParaRPr>
+                    </a:p>
+                  </a:txBody>
+                  <a:tcPr/>
+                </a:tc>
+                <a:tc>
+                  <a:txBody>
+                    <a:bodyPr/>
+                    <a:lstStyle/>
+                    <a:p>
+                      <a:pPr marL="0" marR="0" lvl="0" indent="0" algn="l" defTabSz="914400" rtl="0" eaLnBrk="1" fontAlgn="auto" latinLnBrk="0" hangingPunct="1">
+                        <a:lnSpc>
+                          <a:spcPct val="100000"/>
+                        </a:lnSpc>
+                        <a:spcBef>
+                          <a:spcPts val="0"/>
+                        </a:spcBef>
+                        <a:spcAft>
+                          <a:spcPts val="0"/>
+                        </a:spcAft>
+                        <a:buClrTx/>
+                        <a:buSzTx/>
+                        <a:buFontTx/>
+                        <a:buNone/>
+                        <a:tabLst/>
+                        <a:defRPr/>
+                      </a:pPr>
+                      <a:r>
+                        <a:rPr lang="de-DE" sz="1800" b="1" kern="1200" dirty="0" err="1">
+                          <a:solidFill>
+                            <a:schemeClr val="lt1"/>
+                          </a:solidFill>
+                          <a:latin typeface="Arial"/>
+                          <a:ea typeface="+mn-ea"/>
+                          <a:cs typeface="Arial"/>
+                        </a:rPr>
+                        <a:t>Forking</a:t>
+                      </a:r>
+                      <a:r>
+                        <a:rPr lang="de-DE" sz="1800" dirty="0"/>
+                        <a:t> </a:t>
+                      </a:r>
+                      <a:r>
+                        <a:rPr lang="de-DE" sz="1800" b="1" kern="1200" dirty="0">
+                          <a:solidFill>
+                            <a:schemeClr val="lt1"/>
+                          </a:solidFill>
+                          <a:latin typeface="Arial"/>
+                          <a:ea typeface="+mn-ea"/>
+                          <a:cs typeface="Arial"/>
+                        </a:rPr>
+                        <a:t>Workflow Development</a:t>
+                      </a:r>
+                    </a:p>
+                    <a:p>
+                      <a:endParaRPr lang="de-DE" dirty="0"/>
+                    </a:p>
+                  </a:txBody>
+                  <a:tcPr/>
+                </a:tc>
+                <a:extLst>
+                  <a:ext uri="{0D108BD9-81ED-4DB2-BD59-A6C34878D82A}">
+                    <a16:rowId xmlns:a16="http://schemas.microsoft.com/office/drawing/2014/main" val="568219510"/>
+                  </a:ext>
+                </a:extLst>
+              </a:tr>
+              <a:tr h="753008">
+                <a:tc>
+                  <a:txBody>
+                    <a:bodyPr/>
+                    <a:lstStyle/>
+                    <a:p>
+                      <a:r>
+                        <a:rPr lang="de-DE" sz="2000" dirty="0"/>
+                        <a:t>Fehlerhäufigkeit: Hoch</a:t>
+                      </a:r>
+                    </a:p>
+                    <a:p>
+                      <a:pPr marL="285750" indent="-285750">
+                        <a:buFont typeface="Arial" panose="020B0604020202020204" pitchFamily="34" charset="0"/>
+                        <a:buChar char="•"/>
+                      </a:pPr>
+                      <a:r>
+                        <a:rPr lang="de-DE" sz="1400" dirty="0"/>
+                        <a:t>Fehler früh sichtbar</a:t>
+                      </a:r>
+                    </a:p>
+                    <a:p>
+                      <a:pPr marL="285750" indent="-285750">
+                        <a:buFont typeface="Arial" panose="020B0604020202020204" pitchFamily="34" charset="0"/>
+                        <a:buChar char="•"/>
+                      </a:pPr>
+                      <a:r>
+                        <a:rPr lang="de-DE" sz="1400" dirty="0"/>
+                        <a:t>Kleine Änderung werden schneller getestet</a:t>
+                      </a:r>
+                    </a:p>
+                  </a:txBody>
+                  <a:tcPr/>
+                </a:tc>
+                <a:tc>
+                  <a:txBody>
+                    <a:bodyPr/>
+                    <a:lstStyle/>
+                    <a:p>
+                      <a:r>
+                        <a:rPr lang="de-DE" sz="2000" dirty="0"/>
+                        <a:t>Fehlerhäufigkeit: Mittel</a:t>
+                      </a:r>
+                      <a:endParaRPr lang="en-US" sz="2000" dirty="0"/>
+                    </a:p>
+                    <a:p>
+                      <a:pPr marL="285750" indent="-285750">
+                        <a:buFont typeface="Arial" panose="020B0604020202020204" pitchFamily="34" charset="0"/>
+                        <a:buChar char="•"/>
+                      </a:pPr>
+                      <a:r>
+                        <a:rPr lang="de-DE" sz="1400" dirty="0">
+                          <a:ea typeface="+mn-lt"/>
+                          <a:cs typeface="+mn-lt"/>
+                        </a:rPr>
+                        <a:t>Fehler oft erst beim </a:t>
+                      </a:r>
+                      <a:r>
+                        <a:rPr lang="de-DE" sz="1400" dirty="0" err="1">
+                          <a:ea typeface="+mn-lt"/>
+                          <a:cs typeface="+mn-lt"/>
+                        </a:rPr>
+                        <a:t>Merge</a:t>
+                      </a:r>
+                      <a:r>
+                        <a:rPr lang="de-DE" sz="1400" dirty="0">
+                          <a:ea typeface="+mn-lt"/>
+                          <a:cs typeface="+mn-lt"/>
+                        </a:rPr>
+                        <a:t> oder nach längerer Entwicklungszeit</a:t>
+                      </a:r>
+                      <a:endParaRPr lang="de-DE" sz="1400" dirty="0"/>
+                    </a:p>
+                  </a:txBody>
+                  <a:tcPr/>
+                </a:tc>
+                <a:tc>
+                  <a:txBody>
+                    <a:bodyPr/>
+                    <a:lstStyle/>
+                    <a:p>
+                      <a:r>
+                        <a:rPr lang="de-DE" sz="2000" dirty="0"/>
+                        <a:t>Fehlerhäufigkeit: Hoch</a:t>
+                      </a:r>
+                      <a:endParaRPr lang="en-US" sz="2000" dirty="0"/>
+                    </a:p>
+                    <a:p>
+                      <a:pPr marL="285750" indent="-285750">
+                        <a:buFont typeface="Arial" panose="020B0604020202020204" pitchFamily="34" charset="0"/>
+                        <a:buChar char="•"/>
+                      </a:pPr>
+                      <a:r>
+                        <a:rPr lang="de-DE" sz="1400" dirty="0"/>
+                        <a:t>Integration erfolgt verzögert</a:t>
+                      </a:r>
+                    </a:p>
+                    <a:p>
+                      <a:endParaRPr lang="de-DE" dirty="0"/>
+                    </a:p>
+                  </a:txBody>
+                  <a:tcPr/>
+                </a:tc>
+                <a:extLst>
+                  <a:ext uri="{0D108BD9-81ED-4DB2-BD59-A6C34878D82A}">
+                    <a16:rowId xmlns:a16="http://schemas.microsoft.com/office/drawing/2014/main" val="979161234"/>
+                  </a:ext>
+                </a:extLst>
+              </a:tr>
+              <a:tr h="1000315">
+                <a:tc>
+                  <a:txBody>
+                    <a:bodyPr/>
+                    <a:lstStyle/>
+                    <a:p>
+                      <a:r>
+                        <a:rPr lang="de-DE" dirty="0"/>
+                        <a:t>Code-stabilität: Hoch</a:t>
+                      </a:r>
+                    </a:p>
+                    <a:p>
+                      <a:pPr marL="285750" indent="-285750">
+                        <a:buFont typeface="Arial" panose="020B0604020202020204" pitchFamily="34" charset="0"/>
+                        <a:buChar char="•"/>
+                      </a:pPr>
+                      <a:r>
+                        <a:rPr lang="de-DE" sz="1400" dirty="0"/>
+                        <a:t>Kurze Branch-Lebensdauer und </a:t>
+                      </a:r>
+                      <a:r>
+                        <a:rPr lang="de-DE" sz="1400" dirty="0" err="1"/>
+                        <a:t>Automated</a:t>
+                      </a:r>
+                      <a:r>
+                        <a:rPr lang="de-DE" sz="1400" dirty="0"/>
+                        <a:t> CI Pipeline</a:t>
+                      </a:r>
+                    </a:p>
+                  </a:txBody>
+                  <a:tcPr/>
+                </a:tc>
+                <a:tc>
+                  <a:txBody>
+                    <a:bodyPr/>
+                    <a:lstStyle/>
+                    <a:p>
+                      <a:r>
+                        <a:rPr lang="de-DE" sz="2000" dirty="0"/>
+                        <a:t>Code-stabilität: Mittel</a:t>
+                      </a:r>
+                      <a:endParaRPr lang="en-US" sz="2000" dirty="0"/>
+                    </a:p>
+                    <a:p>
+                      <a:pPr marL="285750" indent="-285750">
+                        <a:buFont typeface="Arial" panose="020B0604020202020204" pitchFamily="34" charset="0"/>
+                        <a:buChar char="•"/>
+                      </a:pPr>
+                      <a:r>
+                        <a:rPr lang="de-DE" sz="1400" dirty="0">
+                          <a:ea typeface="+mn-lt"/>
+                          <a:cs typeface="+mn-lt"/>
+                        </a:rPr>
+                        <a:t>abhängig von Branch-Dauer und Testtiefe vor dem </a:t>
+                      </a:r>
+                      <a:r>
+                        <a:rPr lang="de-DE" sz="1400" dirty="0" err="1">
+                          <a:ea typeface="+mn-lt"/>
+                          <a:cs typeface="+mn-lt"/>
+                        </a:rPr>
+                        <a:t>Merge</a:t>
+                      </a:r>
+                      <a:r>
+                        <a:rPr lang="de-DE" sz="1400" dirty="0">
+                          <a:ea typeface="+mn-lt"/>
+                          <a:cs typeface="+mn-lt"/>
+                        </a:rPr>
+                        <a:t> </a:t>
+                      </a:r>
+                      <a:endParaRPr lang="de-DE" sz="1400" dirty="0"/>
+                    </a:p>
+                  </a:txBody>
+                  <a:tcPr/>
+                </a:tc>
+                <a:tc>
+                  <a:txBody>
+                    <a:bodyPr/>
+                    <a:lstStyle/>
+                    <a:p>
+                      <a:r>
+                        <a:rPr lang="de-DE" sz="2000" dirty="0"/>
+                        <a:t>Code-stabilität: Niedrig</a:t>
+                      </a:r>
+                      <a:endParaRPr lang="en-US" sz="2000" dirty="0"/>
+                    </a:p>
+                    <a:p>
+                      <a:pPr marL="285750" indent="-285750">
+                        <a:buFont typeface="Arial" panose="020B0604020202020204" pitchFamily="34" charset="0"/>
+                        <a:buChar char="•"/>
+                      </a:pPr>
+                      <a:r>
+                        <a:rPr lang="de-DE" sz="1400" dirty="0">
+                          <a:ea typeface="+mn-lt"/>
+                          <a:cs typeface="+mn-lt"/>
+                        </a:rPr>
+                        <a:t>häufig veraltete Codebasen, umfangreiche Divergenzen</a:t>
+                      </a:r>
+                      <a:endParaRPr lang="de-DE" sz="1400" dirty="0"/>
+                    </a:p>
+                  </a:txBody>
+                  <a:tcPr/>
+                </a:tc>
+                <a:extLst>
+                  <a:ext uri="{0D108BD9-81ED-4DB2-BD59-A6C34878D82A}">
+                    <a16:rowId xmlns:a16="http://schemas.microsoft.com/office/drawing/2014/main" val="842557640"/>
+                  </a:ext>
+                </a:extLst>
+              </a:tr>
+              <a:tr h="1194820">
+                <a:tc>
+                  <a:txBody>
+                    <a:bodyPr/>
+                    <a:lstStyle/>
+                    <a:p>
+                      <a:r>
+                        <a:rPr lang="de-DE" sz="2000" dirty="0" err="1"/>
+                        <a:t>Merge</a:t>
+                      </a:r>
+                      <a:r>
+                        <a:rPr lang="de-DE" sz="2000" dirty="0"/>
+                        <a:t>-konflikte: Niedrig</a:t>
+                      </a:r>
+                    </a:p>
+                    <a:p>
+                      <a:pPr marL="285750" indent="-285750">
+                        <a:buFont typeface="Arial" panose="020B0604020202020204" pitchFamily="34" charset="0"/>
+                        <a:buChar char="•"/>
+                      </a:pPr>
+                      <a:r>
+                        <a:rPr lang="de-DE" sz="1400" dirty="0" err="1"/>
+                        <a:t>Branches</a:t>
+                      </a:r>
+                      <a:r>
+                        <a:rPr lang="de-DE" sz="1400" dirty="0"/>
+                        <a:t>, häufiges </a:t>
+                      </a:r>
+                      <a:r>
+                        <a:rPr lang="de-DE" sz="1400" dirty="0" err="1"/>
+                        <a:t>Rebased</a:t>
+                      </a:r>
+                      <a:r>
+                        <a:rPr lang="de-DE" sz="1400" dirty="0"/>
+                        <a:t> und sofortiges Auflösen</a:t>
+                      </a:r>
+                    </a:p>
+                  </a:txBody>
+                  <a:tcPr/>
+                </a:tc>
+                <a:tc>
+                  <a:txBody>
+                    <a:bodyPr/>
+                    <a:lstStyle/>
+                    <a:p>
+                      <a:r>
+                        <a:rPr lang="de-DE" sz="2000" dirty="0" err="1"/>
+                        <a:t>Merge</a:t>
+                      </a:r>
+                      <a:r>
+                        <a:rPr lang="de-DE" sz="2000" dirty="0"/>
+                        <a:t>-konflikte: Mittel</a:t>
+                      </a:r>
+                    </a:p>
+                    <a:p>
+                      <a:pPr marL="285750" indent="-285750">
+                        <a:buFont typeface="Arial" panose="020B0604020202020204" pitchFamily="34" charset="0"/>
+                        <a:buChar char="•"/>
+                      </a:pPr>
+                      <a:r>
+                        <a:rPr lang="de-DE" sz="1400" dirty="0">
+                          <a:ea typeface="+mn-lt"/>
+                          <a:cs typeface="+mn-lt"/>
+                        </a:rPr>
+                        <a:t>abhängig von Parallelentwicklung, Branch-Lebensdauer und Release Rhythmus </a:t>
+                      </a:r>
+                      <a:endParaRPr lang="de-DE" sz="1400" dirty="0"/>
+                    </a:p>
+                  </a:txBody>
+                  <a:tcPr/>
+                </a:tc>
+                <a:tc>
+                  <a:txBody>
+                    <a:bodyPr/>
+                    <a:lstStyle/>
+                    <a:p>
+                      <a:r>
+                        <a:rPr lang="de-DE" sz="2000" dirty="0" err="1"/>
+                        <a:t>Merge</a:t>
+                      </a:r>
+                      <a:r>
+                        <a:rPr lang="de-DE" sz="2000" dirty="0"/>
+                        <a:t>-konflikte: Hoch</a:t>
+                      </a:r>
+                    </a:p>
+                    <a:p>
+                      <a:pPr marL="285750" indent="-285750">
+                        <a:buFont typeface="Arial" panose="020B0604020202020204" pitchFamily="34" charset="0"/>
+                        <a:buChar char="•"/>
+                      </a:pPr>
+                      <a:r>
+                        <a:rPr lang="de-DE" sz="1400" dirty="0">
+                          <a:ea typeface="+mn-lt"/>
+                          <a:cs typeface="+mn-lt"/>
+                        </a:rPr>
+                        <a:t>seltene </a:t>
+                      </a:r>
+                      <a:r>
+                        <a:rPr lang="de-DE" sz="1400" dirty="0" err="1">
+                          <a:ea typeface="+mn-lt"/>
+                          <a:cs typeface="+mn-lt"/>
+                        </a:rPr>
+                        <a:t>Merges</a:t>
+                      </a:r>
+                      <a:r>
+                        <a:rPr lang="de-DE" sz="1400" dirty="0">
+                          <a:ea typeface="+mn-lt"/>
+                          <a:cs typeface="+mn-lt"/>
+                        </a:rPr>
+                        <a:t>, größere Code-Divergenz zwischen Teams oder </a:t>
+                      </a:r>
+                      <a:r>
+                        <a:rPr lang="de-DE" sz="1400" dirty="0" err="1">
+                          <a:ea typeface="+mn-lt"/>
+                          <a:cs typeface="+mn-lt"/>
+                        </a:rPr>
+                        <a:t>Repositories</a:t>
+                      </a:r>
+                      <a:r>
+                        <a:rPr lang="de-DE" sz="1400" dirty="0">
+                          <a:ea typeface="+mn-lt"/>
+                          <a:cs typeface="+mn-lt"/>
+                        </a:rPr>
+                        <a:t> </a:t>
+                      </a:r>
+                      <a:endParaRPr lang="de-DE" sz="1400" dirty="0"/>
+                    </a:p>
+                  </a:txBody>
+                  <a:tcPr/>
+                </a:tc>
+                <a:extLst>
+                  <a:ext uri="{0D108BD9-81ED-4DB2-BD59-A6C34878D82A}">
+                    <a16:rowId xmlns:a16="http://schemas.microsoft.com/office/drawing/2014/main" val="3054631154"/>
+                  </a:ext>
+                </a:extLst>
+              </a:tr>
+            </a:tbl>
+          </a:graphicData>
+        </a:graphic>
+      </p:graphicFrame>
+      <p:sp>
+        <p:nvSpPr>
+          <p:cNvPr id="4" name="Foliennummernplatzhalter 3">
+            <a:extLst>
+              <a:ext uri="{FF2B5EF4-FFF2-40B4-BE49-F238E27FC236}">
+                <a16:creationId xmlns:a16="http://schemas.microsoft.com/office/drawing/2014/main" id="{DEB9FF47-A9AE-30D4-4C5E-3AACDED171B3}"/>
+              </a:ext>
+            </a:extLst>
+          </p:cNvPr>
+          <p:cNvSpPr>
+            <a:spLocks noGrp="1"/>
+          </p:cNvSpPr>
+          <p:nvPr>
+            <p:ph type="sldNum" sz="quarter" idx="12"/>
+          </p:nvPr>
+        </p:nvSpPr>
+        <p:spPr/>
+        <p:txBody>
+          <a:bodyPr/>
+          <a:lstStyle/>
+          <a:p>
+            <a:pPr rtl="0"/>
+            <a:fld id="{6D22F896-40B5-4ADD-8801-0D06FADFA095}" type="slidenum">
+              <a:rPr lang="de-DE" noProof="0" smtClean="0">
+                <a:solidFill>
+                  <a:schemeClr val="tx1"/>
+                </a:solidFill>
+              </a:rPr>
+              <a:t>21</a:t>
+            </a:fld>
+            <a:endParaRPr lang="de-DE" noProof="0" dirty="0">
+              <a:solidFill>
+                <a:schemeClr val="tx1"/>
+              </a:solidFill>
+            </a:endParaRPr>
+          </a:p>
+        </p:txBody>
+      </p:sp>
+    </p:spTree>
+    <p:extLst>
+      <p:ext uri="{BB962C8B-B14F-4D97-AF65-F5344CB8AC3E}">
+        <p14:creationId xmlns:p14="http://schemas.microsoft.com/office/powerpoint/2010/main" val="2666323156"/>
+      </p:ext>
+    </p:extLst>
+  </p:cSld>
+  <p:clrMapOvr>
+    <a:masterClrMapping/>
+  </p:clrMapOvr>
+</p:sld>
+</file>
+
+<file path=ppt/slides/slide22.xml><?xml version="1.0" encoding="utf-8"?>
 <p:sld xmlns:a="http://schemas.openxmlformats.org/drawingml/2006/main" xmlns:r="http://schemas.openxmlformats.org/officeDocument/2006/relationships" xmlns:p="http://schemas.openxmlformats.org/presentationml/2006/main">
   <p:cSld>
     <p:spTree>
@@ -15178,7 +17180,7 @@
           <p:cNvPr id="2" name="Titel 1">
             <a:extLst>
               <a:ext uri="{FF2B5EF4-FFF2-40B4-BE49-F238E27FC236}">
-                <a16:creationId xmlns:a16="http://schemas.microsoft.com/office/drawing/2014/main" id="{9E9E441E-41B7-34C6-108D-C5C088DB1D1A}"/>
+                <a16:creationId xmlns:a16="http://schemas.microsoft.com/office/drawing/2014/main" id="{EC89FB56-D665-3C37-23B7-1E15A08FF1F1}"/>
               </a:ext>
             </a:extLst>
           </p:cNvPr>
@@ -15191,49 +17193,22 @@
         </p:nvSpPr>
         <p:spPr/>
         <p:txBody>
-          <a:bodyPr>
-            <a:normAutofit/>
-          </a:bodyPr>
+          <a:bodyPr/>
           <a:lstStyle/>
           <a:p>
-            <a:pPr algn="ctr"/>
-            <a:r>
-              <a:rPr lang="de-DE" sz="4300">
-                <a:latin typeface="Arial"/>
-                <a:ea typeface="+mj-lt"/>
-                <a:cs typeface="Arial"/>
-              </a:rPr>
-              <a:t>Auswirkungen auf Softwarequalität</a:t>
-            </a:r>
-            <a:br>
-              <a:rPr lang="de-DE" sz="4300">
-                <a:latin typeface="Arial"/>
-                <a:ea typeface="+mj-lt"/>
-                <a:cs typeface="Arial"/>
-              </a:rPr>
-            </a:br>
-            <a:r>
-              <a:rPr lang="de-DE" sz="2400"/>
-              <a:t>(Fehlerhäufigkeit, Code-Stabilität und </a:t>
-            </a:r>
-            <a:r>
-              <a:rPr lang="de-DE" sz="2400" err="1"/>
-              <a:t>Merge</a:t>
-            </a:r>
-            <a:r>
-              <a:rPr lang="de-DE" sz="2400"/>
-              <a:t>-Konflikte)</a:t>
-            </a:r>
-            <a:endParaRPr lang="de-DE"/>
+            <a:r>
+              <a:rPr lang="de-DE" u="sng" dirty="0"/>
+              <a:t>Zusammenfassung Leitfrage 2</a:t>
+            </a:r>
           </a:p>
         </p:txBody>
       </p:sp>
       <p:sp>
         <p:nvSpPr>
-          <p:cNvPr id="3" name="Textplatzhalter 2">
+          <p:cNvPr id="3" name="Inhaltsplatzhalter 2">
             <a:extLst>
               <a:ext uri="{FF2B5EF4-FFF2-40B4-BE49-F238E27FC236}">
-                <a16:creationId xmlns:a16="http://schemas.microsoft.com/office/drawing/2014/main" id="{06898414-D95A-C2F5-1C43-878B6DB70C5B}"/>
+                <a16:creationId xmlns:a16="http://schemas.microsoft.com/office/drawing/2014/main" id="{4D9AAFF6-0E74-0C44-5568-51EBD10350B4}"/>
               </a:ext>
             </a:extLst>
           </p:cNvPr>
@@ -15241,45 +17216,106 @@
             <a:spLocks noGrp="1"/>
           </p:cNvSpPr>
           <p:nvPr>
-            <p:ph type="body" idx="1"/>
+            <p:ph idx="1"/>
           </p:nvPr>
         </p:nvSpPr>
         <p:spPr/>
         <p:txBody>
-          <a:bodyPr/>
+          <a:bodyPr vert="horz" lIns="91440" tIns="45720" rIns="91440" bIns="45720" rtlCol="0" anchor="t">
+            <a:normAutofit/>
+          </a:bodyPr>
           <a:lstStyle/>
           <a:p>
             <a:r>
-              <a:rPr lang="de-DE" sz="1900">
-                <a:latin typeface="Arial"/>
-                <a:cs typeface="Arial"/>
+              <a:rPr lang="de-DE" dirty="0">
+                <a:ea typeface="+mn-lt"/>
+                <a:cs typeface="+mn-lt"/>
               </a:rPr>
               <a:t>Trunk-</a:t>
             </a:r>
             <a:r>
-              <a:rPr lang="de-DE" sz="1900" err="1">
-                <a:latin typeface="Arial"/>
-                <a:cs typeface="Arial"/>
+              <a:rPr lang="de-DE" dirty="0" err="1">
+                <a:ea typeface="+mn-lt"/>
+                <a:cs typeface="+mn-lt"/>
               </a:rPr>
               <a:t>Based</a:t>
             </a:r>
             <a:r>
-              <a:rPr lang="de-DE" sz="1900">
-                <a:latin typeface="Arial"/>
-                <a:cs typeface="Arial"/>
+              <a:rPr lang="de-DE" dirty="0">
+                <a:ea typeface="+mn-lt"/>
+                <a:cs typeface="+mn-lt"/>
               </a:rPr>
-              <a:t> Development</a:t>
-            </a:r>
-            <a:endParaRPr lang="de-DE"/>
+              <a:t> Development am geeignetsten für kleine bis mittelgroße Teams, die eng zusammenarbeiten.</a:t>
+            </a:r>
+          </a:p>
+          <a:p>
+            <a:r>
+              <a:rPr lang="de-DE" dirty="0"/>
+              <a:t>Feature </a:t>
+            </a:r>
+            <a:r>
+              <a:rPr lang="de-DE" dirty="0" err="1"/>
+              <a:t>Branching</a:t>
+            </a:r>
+            <a:r>
+              <a:rPr lang="de-DE" dirty="0"/>
+              <a:t> Development am geeignetsten mittelgroße Teams, die eng zusammenarbeiten.</a:t>
+            </a:r>
+          </a:p>
+          <a:p>
+            <a:r>
+              <a:rPr lang="de-DE" dirty="0" err="1">
+                <a:ea typeface="+mn-lt"/>
+                <a:cs typeface="+mn-lt"/>
+              </a:rPr>
+              <a:t>Forking</a:t>
+            </a:r>
+            <a:r>
+              <a:rPr lang="de-DE" dirty="0">
+                <a:ea typeface="+mn-lt"/>
+                <a:cs typeface="+mn-lt"/>
+              </a:rPr>
+              <a:t> Workflow am geeignetsten für Open-Source-Projekte oder sehr große verteilte Teams, bei denen viele externe Mitwirkende ohne Schreibrechte am </a:t>
+            </a:r>
+            <a:r>
+              <a:rPr lang="de-DE" dirty="0" err="1">
+                <a:ea typeface="+mn-lt"/>
+                <a:cs typeface="+mn-lt"/>
+              </a:rPr>
+              <a:t>Hauptrepository</a:t>
+            </a:r>
+            <a:r>
+              <a:rPr lang="de-DE" dirty="0">
+                <a:ea typeface="+mn-lt"/>
+                <a:cs typeface="+mn-lt"/>
+              </a:rPr>
+              <a:t> arbeiten.</a:t>
+            </a:r>
+          </a:p>
+          <a:p>
+            <a:pPr marL="0" indent="0">
+              <a:buNone/>
+            </a:pPr>
+            <a:endParaRPr lang="de-DE" dirty="0">
+              <a:ea typeface="+mn-lt"/>
+              <a:cs typeface="+mn-lt"/>
+            </a:endParaRPr>
+          </a:p>
+          <a:p>
+            <a:pPr marL="800100" lvl="1" indent="-342900"/>
+            <a:endParaRPr lang="de-DE" dirty="0">
+              <a:ea typeface="+mn-lt"/>
+              <a:cs typeface="+mn-lt"/>
+            </a:endParaRPr>
           </a:p>
         </p:txBody>
       </p:sp>
       <p:sp>
         <p:nvSpPr>
-          <p:cNvPr id="4" name="Textplatzhalter 3">
+          <p:cNvPr id="4" name="Foliennummernplatzhalter 3">
             <a:extLst>
               <a:ext uri="{FF2B5EF4-FFF2-40B4-BE49-F238E27FC236}">
-                <a16:creationId xmlns:a16="http://schemas.microsoft.com/office/drawing/2014/main" id="{45691B8C-E3FF-53DA-F0AB-F1045A4B75B1}"/>
+                <a16:creationId xmlns:a16="http://schemas.microsoft.com/office/drawing/2014/main" id="{CAC846F4-1D3D-9A65-9F5E-A0BBC484D980}"/>
               </a:ext>
             </a:extLst>
           </p:cNvPr>
@@ -15287,271 +17323,7 @@
             <a:spLocks noGrp="1"/>
           </p:cNvSpPr>
           <p:nvPr>
-            <p:ph type="body" sz="half" idx="15"/>
-          </p:nvPr>
-        </p:nvSpPr>
-        <p:spPr>
-          <a:xfrm>
-            <a:off x="1137563" y="3360263"/>
-            <a:ext cx="3199090" cy="3482302"/>
-          </a:xfrm>
-        </p:spPr>
-        <p:txBody>
-          <a:bodyPr>
-            <a:normAutofit lnSpcReduction="10000"/>
-          </a:bodyPr>
-          <a:lstStyle/>
-          <a:p>
-            <a:r>
-              <a:rPr lang="de-DE" sz="1600"/>
-              <a:t>Fehlerhäufigkeit: Hoch</a:t>
-            </a:r>
-          </a:p>
-          <a:p>
-            <a:r>
-              <a:rPr lang="de-DE"/>
-              <a:t>Fehler früh sichtbar</a:t>
-            </a:r>
-          </a:p>
-          <a:p>
-            <a:r>
-              <a:rPr lang="de-DE"/>
-              <a:t>Kleine Änderung werden schneller getestet</a:t>
-            </a:r>
-          </a:p>
-          <a:p>
-            <a:r>
-              <a:rPr lang="de-DE" sz="1600"/>
-              <a:t>Code-stabilität: Hoch</a:t>
-            </a:r>
-          </a:p>
-          <a:p>
-            <a:r>
-              <a:rPr lang="de-DE"/>
-              <a:t>Kurze </a:t>
-            </a:r>
-            <a:r>
-              <a:rPr lang="de-DE">
-                <a:ea typeface="+mn-lt"/>
-                <a:cs typeface="+mn-lt"/>
-              </a:rPr>
-              <a:t>Branch-Lebensdauer und </a:t>
-            </a:r>
-            <a:r>
-              <a:rPr lang="de-DE" err="1">
-                <a:ea typeface="+mn-lt"/>
-                <a:cs typeface="+mn-lt"/>
-              </a:rPr>
-              <a:t>Automated</a:t>
-            </a:r>
-            <a:r>
-              <a:rPr lang="de-DE">
-                <a:ea typeface="+mn-lt"/>
-                <a:cs typeface="+mn-lt"/>
-              </a:rPr>
-              <a:t> CI Pipeline</a:t>
-            </a:r>
-            <a:endParaRPr lang="de-DE"/>
-          </a:p>
-          <a:p>
-            <a:r>
-              <a:rPr lang="de-DE" sz="1600" err="1"/>
-              <a:t>Merge</a:t>
-            </a:r>
-            <a:r>
-              <a:rPr lang="de-DE" sz="1600"/>
-              <a:t>-konflikte: Niedrig</a:t>
-            </a:r>
-          </a:p>
-          <a:p>
-            <a:r>
-              <a:rPr lang="de-DE" err="1"/>
-              <a:t>Branches</a:t>
-            </a:r>
-            <a:r>
-              <a:rPr lang="de-DE"/>
-              <a:t>, häufiges </a:t>
-            </a:r>
-            <a:r>
-              <a:rPr lang="de-DE" err="1"/>
-              <a:t>Rebased</a:t>
-            </a:r>
-            <a:r>
-              <a:rPr lang="de-DE"/>
-              <a:t> und sofortiges Auflösen</a:t>
-            </a:r>
-          </a:p>
-          <a:p>
-            <a:endParaRPr lang="de-DE" sz="1600"/>
-          </a:p>
-        </p:txBody>
-      </p:sp>
-      <p:sp>
-        <p:nvSpPr>
-          <p:cNvPr id="5" name="Textplatzhalter 4">
-            <a:extLst>
-              <a:ext uri="{FF2B5EF4-FFF2-40B4-BE49-F238E27FC236}">
-                <a16:creationId xmlns:a16="http://schemas.microsoft.com/office/drawing/2014/main" id="{FB7CE364-AC73-2C87-4CA7-91F893F0F1C9}"/>
-              </a:ext>
-            </a:extLst>
-          </p:cNvPr>
-          <p:cNvSpPr>
-            <a:spLocks noGrp="1"/>
-          </p:cNvSpPr>
-          <p:nvPr>
-            <p:ph type="body" sz="quarter" idx="3"/>
-          </p:nvPr>
-        </p:nvSpPr>
-        <p:spPr>
-          <a:xfrm>
-            <a:off x="4505121" y="2677636"/>
-            <a:ext cx="3194030" cy="685800"/>
-          </a:xfrm>
-        </p:spPr>
-        <p:txBody>
-          <a:bodyPr/>
-          <a:lstStyle/>
-          <a:p>
-            <a:r>
-              <a:rPr lang="de-DE" sz="1900"/>
-              <a:t>Feature </a:t>
-            </a:r>
-            <a:r>
-              <a:rPr lang="de-DE" sz="1900" err="1"/>
-              <a:t>Branching</a:t>
-            </a:r>
-            <a:r>
-              <a:rPr lang="de-DE" sz="1900"/>
-              <a:t> Development</a:t>
-            </a:r>
-          </a:p>
-        </p:txBody>
-      </p:sp>
-      <p:sp>
-        <p:nvSpPr>
-          <p:cNvPr id="6" name="Textplatzhalter 5">
-            <a:extLst>
-              <a:ext uri="{FF2B5EF4-FFF2-40B4-BE49-F238E27FC236}">
-                <a16:creationId xmlns:a16="http://schemas.microsoft.com/office/drawing/2014/main" id="{4B54ED02-0ED6-3818-FB93-1D0A75D956E6}"/>
-              </a:ext>
-            </a:extLst>
-          </p:cNvPr>
-          <p:cNvSpPr>
-            <a:spLocks noGrp="1"/>
-          </p:cNvSpPr>
-          <p:nvPr>
-            <p:ph type="body" sz="half" idx="16"/>
-          </p:nvPr>
-        </p:nvSpPr>
-        <p:spPr>
-          <a:xfrm>
-            <a:off x="4504213" y="3363435"/>
-            <a:ext cx="3195830" cy="3482303"/>
-          </a:xfrm>
-        </p:spPr>
-        <p:txBody>
-          <a:bodyPr>
-            <a:normAutofit/>
-          </a:bodyPr>
-          <a:lstStyle/>
-          <a:p>
-            <a:r>
-              <a:rPr lang="de-DE" sz="1600"/>
-              <a:t>Fehlerhäufigkeit: Mittel</a:t>
-            </a:r>
-            <a:endParaRPr lang="en-US" sz="1600"/>
-          </a:p>
-          <a:p>
-            <a:r>
-              <a:rPr lang="de-DE">
-                <a:ea typeface="+mn-lt"/>
-                <a:cs typeface="+mn-lt"/>
-              </a:rPr>
-              <a:t>Fehler oft erst beim </a:t>
-            </a:r>
-            <a:r>
-              <a:rPr lang="de-DE" err="1">
-                <a:ea typeface="+mn-lt"/>
-                <a:cs typeface="+mn-lt"/>
-              </a:rPr>
-              <a:t>Merge</a:t>
-            </a:r>
-            <a:r>
-              <a:rPr lang="de-DE">
-                <a:ea typeface="+mn-lt"/>
-                <a:cs typeface="+mn-lt"/>
-              </a:rPr>
-              <a:t> oder nach längerer Entwicklungszeit</a:t>
-            </a:r>
-            <a:endParaRPr lang="de-DE"/>
-          </a:p>
-          <a:p>
-            <a:r>
-              <a:rPr lang="de-DE" sz="1600"/>
-              <a:t>Code-stabilität: Mittel</a:t>
-            </a:r>
-            <a:endParaRPr lang="en-US" sz="1600"/>
-          </a:p>
-          <a:p>
-            <a:r>
-              <a:rPr lang="de-DE">
-                <a:ea typeface="+mn-lt"/>
-                <a:cs typeface="+mn-lt"/>
-              </a:rPr>
-              <a:t>abhängig von Branch-Dauer und Testtiefe vor dem </a:t>
-            </a:r>
-            <a:r>
-              <a:rPr lang="de-DE" err="1">
-                <a:ea typeface="+mn-lt"/>
-                <a:cs typeface="+mn-lt"/>
-              </a:rPr>
-              <a:t>Merge</a:t>
-            </a:r>
-            <a:r>
-              <a:rPr lang="de-DE">
-                <a:ea typeface="+mn-lt"/>
-                <a:cs typeface="+mn-lt"/>
-              </a:rPr>
-              <a:t> </a:t>
-            </a:r>
-            <a:endParaRPr lang="de-DE"/>
-          </a:p>
-          <a:p>
-            <a:r>
-              <a:rPr lang="de-DE" sz="1600" err="1"/>
-              <a:t>Merge</a:t>
-            </a:r>
-            <a:r>
-              <a:rPr lang="de-DE" sz="1600"/>
-              <a:t>-konflikte: Mittel</a:t>
-            </a:r>
-          </a:p>
-          <a:p>
-            <a:r>
-              <a:rPr lang="de-DE">
-                <a:ea typeface="+mn-lt"/>
-                <a:cs typeface="+mn-lt"/>
-              </a:rPr>
-              <a:t>abhängig von Parallelentwicklung, Branch-Lebensdauer und Release Rhythmus </a:t>
-            </a:r>
-            <a:endParaRPr lang="de-DE"/>
-          </a:p>
-        </p:txBody>
-      </p:sp>
-      <p:sp>
-        <p:nvSpPr>
-          <p:cNvPr id="7" name="Textplatzhalter 6">
-            <a:extLst>
-              <a:ext uri="{FF2B5EF4-FFF2-40B4-BE49-F238E27FC236}">
-                <a16:creationId xmlns:a16="http://schemas.microsoft.com/office/drawing/2014/main" id="{BAABE5F7-54C1-DA8A-A6AB-462C9FC532EE}"/>
-              </a:ext>
-            </a:extLst>
-          </p:cNvPr>
-          <p:cNvSpPr>
-            <a:spLocks noGrp="1"/>
-          </p:cNvSpPr>
-          <p:nvPr>
-            <p:ph type="body" sz="quarter" idx="13"/>
+            <p:ph type="sldNum" sz="quarter" idx="12"/>
           </p:nvPr>
         </p:nvSpPr>
         <p:spPr/>
@@ -15559,129 +17331,19 @@
           <a:bodyPr/>
           <a:lstStyle/>
           <a:p>
-            <a:r>
-              <a:rPr lang="de-DE" sz="1900" err="1"/>
-              <a:t>Forking</a:t>
-            </a:r>
-            <a:r>
-              <a:rPr lang="de-DE" sz="1900"/>
-              <a:t> Workflow Development</a:t>
-            </a:r>
-            <a:endParaRPr lang="de-DE"/>
-          </a:p>
-        </p:txBody>
-      </p:sp>
-      <p:sp>
-        <p:nvSpPr>
-          <p:cNvPr id="8" name="Textplatzhalter 7">
-            <a:extLst>
-              <a:ext uri="{FF2B5EF4-FFF2-40B4-BE49-F238E27FC236}">
-                <a16:creationId xmlns:a16="http://schemas.microsoft.com/office/drawing/2014/main" id="{A6083BBB-7D64-01E3-0ABB-E1C3B1F1BD97}"/>
-              </a:ext>
-            </a:extLst>
-          </p:cNvPr>
-          <p:cNvSpPr>
-            <a:spLocks noGrp="1"/>
-          </p:cNvSpPr>
-          <p:nvPr>
-            <p:ph type="body" sz="half" idx="17"/>
-          </p:nvPr>
-        </p:nvSpPr>
-        <p:spPr>
-          <a:xfrm>
-            <a:off x="7852442" y="3360263"/>
-            <a:ext cx="3194968" cy="3086834"/>
-          </a:xfrm>
-        </p:spPr>
-        <p:txBody>
-          <a:bodyPr>
-            <a:normAutofit/>
-          </a:bodyPr>
-          <a:lstStyle/>
-          <a:p>
-            <a:r>
-              <a:rPr lang="de-DE" sz="1600"/>
-              <a:t>Fehlerhäufigkeit: Hoch</a:t>
-            </a:r>
-            <a:endParaRPr lang="en-US" sz="1600"/>
-          </a:p>
-          <a:p>
-            <a:r>
-              <a:rPr lang="de-DE"/>
-              <a:t>Integration erfolgt verzögert</a:t>
-            </a:r>
-          </a:p>
-          <a:p>
-            <a:r>
-              <a:rPr lang="de-DE" sz="1600"/>
-              <a:t>Code-stabilität: Niedrig</a:t>
-            </a:r>
-            <a:endParaRPr lang="en-US" sz="1600"/>
-          </a:p>
-          <a:p>
-            <a:r>
-              <a:rPr lang="de-DE">
-                <a:ea typeface="+mn-lt"/>
-                <a:cs typeface="+mn-lt"/>
-              </a:rPr>
-              <a:t>häufig veraltete Codebasen, umfangreiche Divergenzen</a:t>
-            </a:r>
-            <a:endParaRPr lang="de-DE"/>
-          </a:p>
-          <a:p>
-            <a:r>
-              <a:rPr lang="de-DE" sz="1600" err="1"/>
-              <a:t>Merge</a:t>
-            </a:r>
-            <a:r>
-              <a:rPr lang="de-DE" sz="1600"/>
-              <a:t>-konflikte: Hoch</a:t>
-            </a:r>
-          </a:p>
-          <a:p>
-            <a:r>
-              <a:rPr lang="de-DE">
-                <a:ea typeface="+mn-lt"/>
-                <a:cs typeface="+mn-lt"/>
-              </a:rPr>
-              <a:t>seltene </a:t>
-            </a:r>
-            <a:r>
-              <a:rPr lang="de-DE" err="1">
-                <a:ea typeface="+mn-lt"/>
-                <a:cs typeface="+mn-lt"/>
-              </a:rPr>
-              <a:t>Merges</a:t>
-            </a:r>
-            <a:r>
-              <a:rPr lang="de-DE">
-                <a:ea typeface="+mn-lt"/>
-                <a:cs typeface="+mn-lt"/>
-              </a:rPr>
-              <a:t>, größere Code-Divergenz zwischen Teams oder </a:t>
-            </a:r>
-            <a:r>
-              <a:rPr lang="de-DE" err="1">
-                <a:ea typeface="+mn-lt"/>
-                <a:cs typeface="+mn-lt"/>
-              </a:rPr>
-              <a:t>Repositories</a:t>
-            </a:r>
-            <a:r>
-              <a:rPr lang="de-DE">
-                <a:ea typeface="+mn-lt"/>
-                <a:cs typeface="+mn-lt"/>
-              </a:rPr>
-              <a:t> </a:t>
-            </a:r>
-            <a:endParaRPr lang="de-DE"/>
+            <a:pPr rtl="0"/>
+            <a:fld id="{6D22F896-40B5-4ADD-8801-0D06FADFA095}" type="slidenum">
+              <a:rPr lang="de-DE" noProof="0" smtClean="0"/>
+              <a:t>22</a:t>
+            </a:fld>
+            <a:endParaRPr lang="de-DE" noProof="0"/>
           </a:p>
         </p:txBody>
       </p:sp>
     </p:spTree>
     <p:extLst>
       <p:ext uri="{BB962C8B-B14F-4D97-AF65-F5344CB8AC3E}">
-        <p14:creationId xmlns:p14="http://schemas.microsoft.com/office/powerpoint/2010/main" val="1365776288"/>
+        <p14:creationId xmlns:p14="http://schemas.microsoft.com/office/powerpoint/2010/main" val="4096881541"/>
       </p:ext>
     </p:extLst>
   </p:cSld>
@@ -15691,12 +17353,18 @@
 </p:sld>
 </file>
 
-<file path=ppt/slides/slide2.xml><?xml version="1.0" encoding="utf-8"?>
+<file path=ppt/slides/slide23.xml><?xml version="1.0" encoding="utf-8"?>
 <p:sld xmlns:a="http://schemas.openxmlformats.org/drawingml/2006/main" xmlns:r="http://schemas.openxmlformats.org/officeDocument/2006/relationships" xmlns:p="http://schemas.openxmlformats.org/presentationml/2006/main">
   <p:cSld>
     <p:spTree>
       <p:nvGrpSpPr>
-        <p:cNvPr id="1" name=""/>
+        <p:cNvPr id="1" name="">
+          <a:extLst>
+            <a:ext uri="{FF2B5EF4-FFF2-40B4-BE49-F238E27FC236}">
+              <a16:creationId xmlns:a16="http://schemas.microsoft.com/office/drawing/2014/main" id="{A2252678-9F18-DF3A-8EAB-4D082FF20DA0}"/>
+            </a:ext>
+          </a:extLst>
+        </p:cNvPr>
         <p:cNvGrpSpPr/>
         <p:nvPr/>
       </p:nvGrpSpPr>
@@ -15713,7 +17381,7 @@
           <p:cNvPr id="2" name="Titel 1">
             <a:extLst>
               <a:ext uri="{FF2B5EF4-FFF2-40B4-BE49-F238E27FC236}">
-                <a16:creationId xmlns:a16="http://schemas.microsoft.com/office/drawing/2014/main" id="{1AB715B1-ACDE-4103-46FF-B494BE98120F}"/>
+                <a16:creationId xmlns:a16="http://schemas.microsoft.com/office/drawing/2014/main" id="{235E8E1D-8356-2F40-F7F2-055237348A81}"/>
               </a:ext>
             </a:extLst>
           </p:cNvPr>
@@ -15724,40 +17392,698 @@
             <p:ph type="title"/>
           </p:nvPr>
         </p:nvSpPr>
-        <p:spPr/>
+        <p:spPr>
+          <a:xfrm>
+            <a:off x="759674" y="678844"/>
+            <a:ext cx="11784474" cy="1478570"/>
+          </a:xfrm>
+        </p:spPr>
         <p:txBody>
           <a:bodyPr>
-            <a:normAutofit/>
+            <a:normAutofit fontScale="90000"/>
           </a:bodyPr>
           <a:lstStyle/>
           <a:p>
             <a:r>
-              <a:rPr lang="de-DE" sz="4800" u="sng"/>
-              <a:t>Inhaltsverzeichnis</a:t>
-            </a:r>
+              <a:rPr lang="de-DE" sz="5300" u="sng" dirty="0"/>
+              <a:t>Zukunftsaussichten von Versionskontrollsystemen</a:t>
+            </a:r>
+            <a:br>
+              <a:rPr lang="de-DE" b="1" dirty="0"/>
+            </a:br>
+            <a:endParaRPr lang="de-DE" dirty="0"/>
           </a:p>
         </p:txBody>
       </p:sp>
       <p:sp>
         <p:nvSpPr>
-          <p:cNvPr id="4" name="Rectangle 1">
+          <p:cNvPr id="3" name="Inhaltsplatzhalter 2">
             <a:extLst>
               <a:ext uri="{FF2B5EF4-FFF2-40B4-BE49-F238E27FC236}">
-                <a16:creationId xmlns:a16="http://schemas.microsoft.com/office/drawing/2014/main" id="{7F06BBB8-CBAE-155D-01B4-41D195DB1603}"/>
+                <a16:creationId xmlns:a16="http://schemas.microsoft.com/office/drawing/2014/main" id="{69D7DE90-6D0E-1F60-244E-B6B2F33B5990}"/>
               </a:ext>
             </a:extLst>
           </p:cNvPr>
           <p:cNvSpPr>
-            <a:spLocks noGrp="1" noChangeArrowheads="1"/>
+            <a:spLocks noGrp="1"/>
           </p:cNvSpPr>
           <p:nvPr>
             <p:ph idx="1"/>
           </p:nvPr>
         </p:nvSpPr>
+        <p:spPr/>
+        <p:txBody>
+          <a:bodyPr vert="horz" lIns="91440" tIns="45720" rIns="91440" bIns="45720" rtlCol="0" anchor="t">
+            <a:normAutofit/>
+          </a:bodyPr>
+          <a:lstStyle/>
+          <a:p>
+            <a:r>
+              <a:rPr lang="de-DE" dirty="0">
+                <a:latin typeface="Arial" panose="020B0604020202020204" pitchFamily="34" charset="0"/>
+              </a:rPr>
+              <a:t>Softwareentwicklung wird immer schneller und verteilter</a:t>
+            </a:r>
+          </a:p>
+          <a:p>
+            <a:pPr marL="0" indent="0">
+              <a:buNone/>
+            </a:pPr>
+            <a:endParaRPr lang="de-DE" dirty="0">
+              <a:latin typeface="Arial" panose="020B0604020202020204" pitchFamily="34" charset="0"/>
+            </a:endParaRPr>
+          </a:p>
+          <a:p>
+            <a:r>
+              <a:rPr lang="de-DE" dirty="0">
+                <a:latin typeface="Arial" panose="020B0604020202020204" pitchFamily="34" charset="0"/>
+              </a:rPr>
+              <a:t>Versionskontrolle bleibt das zentrale Werkzeug für Zusammenarbeit</a:t>
+            </a:r>
+          </a:p>
+          <a:p>
+            <a:pPr marL="0" indent="0">
+              <a:buNone/>
+            </a:pPr>
+            <a:endParaRPr lang="de-DE" dirty="0">
+              <a:latin typeface="Arial" panose="020B0604020202020204" pitchFamily="34" charset="0"/>
+            </a:endParaRPr>
+          </a:p>
+          <a:p>
+            <a:r>
+              <a:rPr lang="de-DE" dirty="0">
+                <a:latin typeface="Arial" panose="020B0604020202020204" pitchFamily="34" charset="0"/>
+              </a:rPr>
+              <a:t>Verteilte Systeme wie </a:t>
+            </a:r>
+            <a:r>
+              <a:rPr lang="de-DE" dirty="0" err="1">
+                <a:latin typeface="Arial" panose="020B0604020202020204" pitchFamily="34" charset="0"/>
+              </a:rPr>
+              <a:t>Git</a:t>
+            </a:r>
+            <a:r>
+              <a:rPr lang="de-DE" dirty="0">
+                <a:latin typeface="Arial" panose="020B0604020202020204" pitchFamily="34" charset="0"/>
+              </a:rPr>
+              <a:t> sind langfristig der Standard</a:t>
+            </a:r>
+            <a:br>
+              <a:rPr lang="de-DE" dirty="0">
+                <a:latin typeface="Arial" panose="020B0604020202020204" pitchFamily="34" charset="0"/>
+              </a:rPr>
+            </a:br>
+            <a:endParaRPr lang="de-DE" dirty="0">
+              <a:latin typeface="Arial" panose="020B0604020202020204" pitchFamily="34" charset="0"/>
+            </a:endParaRPr>
+          </a:p>
+          <a:p>
+            <a:pPr marL="0" indent="0">
+              <a:buNone/>
+            </a:pPr>
+            <a:endParaRPr lang="de-DE" dirty="0">
+              <a:ea typeface="+mn-lt"/>
+              <a:cs typeface="+mn-lt"/>
+            </a:endParaRPr>
+          </a:p>
+          <a:p>
+            <a:pPr marL="800100" lvl="1" indent="-342900"/>
+            <a:endParaRPr lang="de-DE" dirty="0">
+              <a:ea typeface="+mn-lt"/>
+              <a:cs typeface="+mn-lt"/>
+            </a:endParaRPr>
+          </a:p>
+        </p:txBody>
+      </p:sp>
+      <p:sp>
+        <p:nvSpPr>
+          <p:cNvPr id="4" name="Foliennummernplatzhalter 3">
+            <a:extLst>
+              <a:ext uri="{FF2B5EF4-FFF2-40B4-BE49-F238E27FC236}">
+                <a16:creationId xmlns:a16="http://schemas.microsoft.com/office/drawing/2014/main" id="{FBDF46CE-4958-81E0-0199-8CAC64DB2789}"/>
+              </a:ext>
+            </a:extLst>
+          </p:cNvPr>
+          <p:cNvSpPr>
+            <a:spLocks noGrp="1"/>
+          </p:cNvSpPr>
+          <p:nvPr>
+            <p:ph type="sldNum" sz="quarter" idx="12"/>
+          </p:nvPr>
+        </p:nvSpPr>
+        <p:spPr/>
+        <p:txBody>
+          <a:bodyPr/>
+          <a:lstStyle/>
+          <a:p>
+            <a:pPr rtl="0"/>
+            <a:fld id="{6D22F896-40B5-4ADD-8801-0D06FADFA095}" type="slidenum">
+              <a:rPr lang="de-DE" noProof="0" smtClean="0"/>
+              <a:t>23</a:t>
+            </a:fld>
+            <a:endParaRPr lang="de-DE" noProof="0"/>
+          </a:p>
+        </p:txBody>
+      </p:sp>
+    </p:spTree>
+    <p:extLst>
+      <p:ext uri="{BB962C8B-B14F-4D97-AF65-F5344CB8AC3E}">
+        <p14:creationId xmlns:p14="http://schemas.microsoft.com/office/powerpoint/2010/main" val="4078618941"/>
+      </p:ext>
+    </p:extLst>
+  </p:cSld>
+  <p:clrMapOvr>
+    <a:masterClrMapping/>
+  </p:clrMapOvr>
+</p:sld>
+</file>
+
+<file path=ppt/slides/slide24.xml><?xml version="1.0" encoding="utf-8"?>
+<p:sld xmlns:a="http://schemas.openxmlformats.org/drawingml/2006/main" xmlns:r="http://schemas.openxmlformats.org/officeDocument/2006/relationships" xmlns:p="http://schemas.openxmlformats.org/presentationml/2006/main">
+  <p:cSld>
+    <p:spTree>
+      <p:nvGrpSpPr>
+        <p:cNvPr id="1" name="">
+          <a:extLst>
+            <a:ext uri="{FF2B5EF4-FFF2-40B4-BE49-F238E27FC236}">
+              <a16:creationId xmlns:a16="http://schemas.microsoft.com/office/drawing/2014/main" id="{C3BA0DA7-C2B6-32BC-F1C8-EA94E28EF311}"/>
+            </a:ext>
+          </a:extLst>
+        </p:cNvPr>
+        <p:cNvGrpSpPr/>
+        <p:nvPr/>
+      </p:nvGrpSpPr>
+      <p:grpSpPr>
+        <a:xfrm>
+          <a:off x="0" y="0"/>
+          <a:ext cx="0" cy="0"/>
+          <a:chOff x="0" y="0"/>
+          <a:chExt cx="0" cy="0"/>
+        </a:xfrm>
+      </p:grpSpPr>
+      <p:sp>
+        <p:nvSpPr>
+          <p:cNvPr id="2" name="Titel 1">
+            <a:extLst>
+              <a:ext uri="{FF2B5EF4-FFF2-40B4-BE49-F238E27FC236}">
+                <a16:creationId xmlns:a16="http://schemas.microsoft.com/office/drawing/2014/main" id="{32D6A140-0693-2799-1401-85231FE95D36}"/>
+              </a:ext>
+            </a:extLst>
+          </p:cNvPr>
+          <p:cNvSpPr>
+            <a:spLocks noGrp="1"/>
+          </p:cNvSpPr>
+          <p:nvPr>
+            <p:ph type="title"/>
+          </p:nvPr>
+        </p:nvSpPr>
+        <p:spPr>
+          <a:xfrm>
+            <a:off x="1247946" y="980685"/>
+            <a:ext cx="11784474" cy="1478570"/>
+          </a:xfrm>
+        </p:spPr>
+        <p:txBody>
+          <a:bodyPr>
+            <a:normAutofit fontScale="90000"/>
+          </a:bodyPr>
+          <a:lstStyle/>
+          <a:p>
+            <a:r>
+              <a:rPr lang="de-DE" sz="5300" u="sng" dirty="0"/>
+              <a:t>Technische Trends</a:t>
+            </a:r>
+            <a:br>
+              <a:rPr lang="de-DE" b="1" dirty="0"/>
+            </a:br>
+            <a:br>
+              <a:rPr lang="de-DE" b="1" dirty="0"/>
+            </a:br>
+            <a:endParaRPr lang="de-DE" dirty="0"/>
+          </a:p>
+        </p:txBody>
+      </p:sp>
+      <p:sp>
+        <p:nvSpPr>
+          <p:cNvPr id="3" name="Inhaltsplatzhalter 2">
+            <a:extLst>
+              <a:ext uri="{FF2B5EF4-FFF2-40B4-BE49-F238E27FC236}">
+                <a16:creationId xmlns:a16="http://schemas.microsoft.com/office/drawing/2014/main" id="{48B4DD58-CA63-8951-8C10-57D32F2939D5}"/>
+              </a:ext>
+            </a:extLst>
+          </p:cNvPr>
+          <p:cNvSpPr>
+            <a:spLocks noGrp="1"/>
+          </p:cNvSpPr>
+          <p:nvPr>
+            <p:ph idx="1"/>
+          </p:nvPr>
+        </p:nvSpPr>
+        <p:spPr/>
+        <p:txBody>
+          <a:bodyPr vert="horz" lIns="91440" tIns="45720" rIns="91440" bIns="45720" rtlCol="0" anchor="t">
+            <a:normAutofit/>
+          </a:bodyPr>
+          <a:lstStyle/>
+          <a:p>
+            <a:r>
+              <a:rPr lang="de-DE" dirty="0">
+                <a:latin typeface="Arial" panose="020B0604020202020204" pitchFamily="34" charset="0"/>
+              </a:rPr>
+              <a:t>Stärkere Integration in CI/CD-Pipelines</a:t>
+            </a:r>
+          </a:p>
+          <a:p>
+            <a:pPr marL="0" indent="0">
+              <a:buNone/>
+            </a:pPr>
+            <a:endParaRPr lang="de-DE" dirty="0">
+              <a:latin typeface="Arial" panose="020B0604020202020204" pitchFamily="34" charset="0"/>
+            </a:endParaRPr>
+          </a:p>
+          <a:p>
+            <a:r>
+              <a:rPr lang="de-DE" dirty="0">
+                <a:latin typeface="Arial" panose="020B0604020202020204" pitchFamily="34" charset="0"/>
+              </a:rPr>
+              <a:t>Mehr Automatisierung (Tests, </a:t>
+            </a:r>
+            <a:r>
+              <a:rPr lang="de-DE" dirty="0" err="1">
+                <a:latin typeface="Arial" panose="020B0604020202020204" pitchFamily="34" charset="0"/>
+              </a:rPr>
+              <a:t>Builds</a:t>
+            </a:r>
+            <a:r>
+              <a:rPr lang="de-DE" dirty="0">
+                <a:latin typeface="Arial" panose="020B0604020202020204" pitchFamily="34" charset="0"/>
+              </a:rPr>
+              <a:t>, Code-Checks nach jedem Commit)</a:t>
+            </a:r>
+          </a:p>
+          <a:p>
+            <a:pPr marL="0" indent="0">
+              <a:buNone/>
+            </a:pPr>
+            <a:endParaRPr lang="de-DE" dirty="0">
+              <a:latin typeface="Arial" panose="020B0604020202020204" pitchFamily="34" charset="0"/>
+            </a:endParaRPr>
+          </a:p>
+          <a:p>
+            <a:r>
+              <a:rPr lang="de-DE" dirty="0">
+                <a:latin typeface="Arial" panose="020B0604020202020204" pitchFamily="34" charset="0"/>
+              </a:rPr>
+              <a:t>Erste KI-Unterstützung bei Code-Reviews und </a:t>
+            </a:r>
+            <a:r>
+              <a:rPr lang="de-DE" dirty="0" err="1">
+                <a:latin typeface="Arial" panose="020B0604020202020204" pitchFamily="34" charset="0"/>
+              </a:rPr>
+              <a:t>Merge</a:t>
+            </a:r>
+            <a:r>
+              <a:rPr lang="de-DE" dirty="0">
+                <a:latin typeface="Arial" panose="020B0604020202020204" pitchFamily="34" charset="0"/>
+              </a:rPr>
+              <a:t>-Konflikten</a:t>
+            </a:r>
+          </a:p>
+          <a:p>
+            <a:endParaRPr lang="de-DE" dirty="0">
+              <a:ea typeface="+mn-lt"/>
+              <a:cs typeface="+mn-lt"/>
+            </a:endParaRPr>
+          </a:p>
+          <a:p>
+            <a:pPr marL="800100" lvl="1" indent="-342900"/>
+            <a:endParaRPr lang="de-DE" dirty="0">
+              <a:ea typeface="+mn-lt"/>
+              <a:cs typeface="+mn-lt"/>
+            </a:endParaRPr>
+          </a:p>
+        </p:txBody>
+      </p:sp>
+      <p:sp>
+        <p:nvSpPr>
+          <p:cNvPr id="4" name="Foliennummernplatzhalter 3">
+            <a:extLst>
+              <a:ext uri="{FF2B5EF4-FFF2-40B4-BE49-F238E27FC236}">
+                <a16:creationId xmlns:a16="http://schemas.microsoft.com/office/drawing/2014/main" id="{7FE5D1AA-BBCA-2D83-ACCB-B2786526EBDC}"/>
+              </a:ext>
+            </a:extLst>
+          </p:cNvPr>
+          <p:cNvSpPr>
+            <a:spLocks noGrp="1"/>
+          </p:cNvSpPr>
+          <p:nvPr>
+            <p:ph type="sldNum" sz="quarter" idx="12"/>
+          </p:nvPr>
+        </p:nvSpPr>
+        <p:spPr/>
+        <p:txBody>
+          <a:bodyPr/>
+          <a:lstStyle/>
+          <a:p>
+            <a:pPr rtl="0"/>
+            <a:fld id="{6D22F896-40B5-4ADD-8801-0D06FADFA095}" type="slidenum">
+              <a:rPr lang="de-DE" noProof="0" smtClean="0"/>
+              <a:t>24</a:t>
+            </a:fld>
+            <a:endParaRPr lang="de-DE" noProof="0"/>
+          </a:p>
+        </p:txBody>
+      </p:sp>
+    </p:spTree>
+    <p:extLst>
+      <p:ext uri="{BB962C8B-B14F-4D97-AF65-F5344CB8AC3E}">
+        <p14:creationId xmlns:p14="http://schemas.microsoft.com/office/powerpoint/2010/main" val="2016015879"/>
+      </p:ext>
+    </p:extLst>
+  </p:cSld>
+  <p:clrMapOvr>
+    <a:masterClrMapping/>
+  </p:clrMapOvr>
+</p:sld>
+</file>
+
+<file path=ppt/slides/slide25.xml><?xml version="1.0" encoding="utf-8"?>
+<p:sld xmlns:a="http://schemas.openxmlformats.org/drawingml/2006/main" xmlns:r="http://schemas.openxmlformats.org/officeDocument/2006/relationships" xmlns:p="http://schemas.openxmlformats.org/presentationml/2006/main">
+  <p:cSld>
+    <p:spTree>
+      <p:nvGrpSpPr>
+        <p:cNvPr id="1" name="">
+          <a:extLst>
+            <a:ext uri="{FF2B5EF4-FFF2-40B4-BE49-F238E27FC236}">
+              <a16:creationId xmlns:a16="http://schemas.microsoft.com/office/drawing/2014/main" id="{07B58218-8775-B573-A7C1-27EC7AF1F709}"/>
+            </a:ext>
+          </a:extLst>
+        </p:cNvPr>
+        <p:cNvGrpSpPr/>
+        <p:nvPr/>
+      </p:nvGrpSpPr>
+      <p:grpSpPr>
+        <a:xfrm>
+          <a:off x="0" y="0"/>
+          <a:ext cx="0" cy="0"/>
+          <a:chOff x="0" y="0"/>
+          <a:chExt cx="0" cy="0"/>
+        </a:xfrm>
+      </p:grpSpPr>
+      <p:sp>
+        <p:nvSpPr>
+          <p:cNvPr id="2" name="Titel 1">
+            <a:extLst>
+              <a:ext uri="{FF2B5EF4-FFF2-40B4-BE49-F238E27FC236}">
+                <a16:creationId xmlns:a16="http://schemas.microsoft.com/office/drawing/2014/main" id="{D1ED85D0-94CB-C7B1-CB70-F25CBEE07B30}"/>
+              </a:ext>
+            </a:extLst>
+          </p:cNvPr>
+          <p:cNvSpPr>
+            <a:spLocks noGrp="1"/>
+          </p:cNvSpPr>
+          <p:nvPr>
+            <p:ph type="title"/>
+          </p:nvPr>
+        </p:nvSpPr>
+        <p:spPr>
+          <a:xfrm>
+            <a:off x="830695" y="838642"/>
+            <a:ext cx="11784474" cy="1478570"/>
+          </a:xfrm>
+        </p:spPr>
+        <p:txBody>
+          <a:bodyPr>
+            <a:normAutofit fontScale="90000"/>
+          </a:bodyPr>
+          <a:lstStyle/>
+          <a:p>
+            <a:r>
+              <a:rPr lang="de-DE" sz="5300" u="sng" dirty="0"/>
+              <a:t>Bedeutung für Entwickler &amp; Teams</a:t>
+            </a:r>
+            <a:br>
+              <a:rPr lang="de-DE" b="1" dirty="0"/>
+            </a:br>
+            <a:br>
+              <a:rPr lang="de-DE" b="1" dirty="0"/>
+            </a:br>
+            <a:endParaRPr lang="de-DE" dirty="0"/>
+          </a:p>
+        </p:txBody>
+      </p:sp>
+      <p:sp>
+        <p:nvSpPr>
+          <p:cNvPr id="3" name="Inhaltsplatzhalter 2">
+            <a:extLst>
+              <a:ext uri="{FF2B5EF4-FFF2-40B4-BE49-F238E27FC236}">
+                <a16:creationId xmlns:a16="http://schemas.microsoft.com/office/drawing/2014/main" id="{303CDBB1-4A27-9600-5E60-0B9CBF966C81}"/>
+              </a:ext>
+            </a:extLst>
+          </p:cNvPr>
+          <p:cNvSpPr>
+            <a:spLocks noGrp="1"/>
+          </p:cNvSpPr>
+          <p:nvPr>
+            <p:ph idx="1"/>
+          </p:nvPr>
+        </p:nvSpPr>
+        <p:spPr/>
+        <p:txBody>
+          <a:bodyPr vert="horz" lIns="91440" tIns="45720" rIns="91440" bIns="45720" rtlCol="0" anchor="t">
+            <a:normAutofit/>
+          </a:bodyPr>
+          <a:lstStyle/>
+          <a:p>
+            <a:r>
+              <a:rPr lang="de-DE" dirty="0">
+                <a:latin typeface="Arial" panose="020B0604020202020204" pitchFamily="34" charset="0"/>
+              </a:rPr>
+              <a:t>Fokus auf kurze Feedbackzyklen und stabile Codebasen</a:t>
+            </a:r>
+          </a:p>
+          <a:p>
+            <a:pPr marL="0" indent="0">
+              <a:buNone/>
+            </a:pPr>
+            <a:endParaRPr lang="de-DE" dirty="0">
+              <a:latin typeface="Arial" panose="020B0604020202020204" pitchFamily="34" charset="0"/>
+            </a:endParaRPr>
+          </a:p>
+          <a:p>
+            <a:r>
+              <a:rPr lang="de-DE" dirty="0">
+                <a:latin typeface="Arial" panose="020B0604020202020204" pitchFamily="34" charset="0"/>
+              </a:rPr>
+              <a:t>Gute </a:t>
+            </a:r>
+            <a:r>
+              <a:rPr lang="de-DE" dirty="0" err="1">
+                <a:latin typeface="Arial" panose="020B0604020202020204" pitchFamily="34" charset="0"/>
+              </a:rPr>
+              <a:t>Branching</a:t>
+            </a:r>
+            <a:r>
+              <a:rPr lang="de-DE" dirty="0">
+                <a:latin typeface="Arial" panose="020B0604020202020204" pitchFamily="34" charset="0"/>
+              </a:rPr>
+              <a:t>-Strategien werden immer wichtiger</a:t>
+            </a:r>
+          </a:p>
+          <a:p>
+            <a:pPr marL="0" indent="0">
+              <a:buNone/>
+            </a:pPr>
+            <a:endParaRPr lang="de-DE" dirty="0">
+              <a:latin typeface="Arial" panose="020B0604020202020204" pitchFamily="34" charset="0"/>
+            </a:endParaRPr>
+          </a:p>
+          <a:p>
+            <a:r>
+              <a:rPr lang="de-DE" dirty="0">
+                <a:latin typeface="Arial" panose="020B0604020202020204" pitchFamily="34" charset="0"/>
+              </a:rPr>
+              <a:t>Versionskontrollsysteme steuern nicht nur Code, sondern den gesamten Entwicklungsprozess</a:t>
+            </a:r>
+          </a:p>
+          <a:p>
+            <a:pPr marL="0" indent="0">
+              <a:buNone/>
+            </a:pPr>
+            <a:endParaRPr lang="de-DE" dirty="0">
+              <a:ea typeface="+mn-lt"/>
+              <a:cs typeface="+mn-lt"/>
+            </a:endParaRPr>
+          </a:p>
+          <a:p>
+            <a:pPr marL="800100" lvl="1" indent="-342900"/>
+            <a:endParaRPr lang="de-DE" dirty="0">
+              <a:ea typeface="+mn-lt"/>
+              <a:cs typeface="+mn-lt"/>
+            </a:endParaRPr>
+          </a:p>
+        </p:txBody>
+      </p:sp>
+      <p:sp>
+        <p:nvSpPr>
+          <p:cNvPr id="4" name="Foliennummernplatzhalter 3">
+            <a:extLst>
+              <a:ext uri="{FF2B5EF4-FFF2-40B4-BE49-F238E27FC236}">
+                <a16:creationId xmlns:a16="http://schemas.microsoft.com/office/drawing/2014/main" id="{DE419395-8167-BD68-4F4A-C620CF64DBFA}"/>
+              </a:ext>
+            </a:extLst>
+          </p:cNvPr>
+          <p:cNvSpPr>
+            <a:spLocks noGrp="1"/>
+          </p:cNvSpPr>
+          <p:nvPr>
+            <p:ph type="sldNum" sz="quarter" idx="12"/>
+          </p:nvPr>
+        </p:nvSpPr>
+        <p:spPr/>
+        <p:txBody>
+          <a:bodyPr/>
+          <a:lstStyle/>
+          <a:p>
+            <a:pPr rtl="0"/>
+            <a:fld id="{6D22F896-40B5-4ADD-8801-0D06FADFA095}" type="slidenum">
+              <a:rPr lang="de-DE" noProof="0" smtClean="0"/>
+              <a:t>25</a:t>
+            </a:fld>
+            <a:endParaRPr lang="de-DE" noProof="0"/>
+          </a:p>
+        </p:txBody>
+      </p:sp>
+    </p:spTree>
+    <p:extLst>
+      <p:ext uri="{BB962C8B-B14F-4D97-AF65-F5344CB8AC3E}">
+        <p14:creationId xmlns:p14="http://schemas.microsoft.com/office/powerpoint/2010/main" val="1782492351"/>
+      </p:ext>
+    </p:extLst>
+  </p:cSld>
+  <p:clrMapOvr>
+    <a:masterClrMapping/>
+  </p:clrMapOvr>
+</p:sld>
+</file>
+
+<file path=ppt/slides/slide26.xml><?xml version="1.0" encoding="utf-8"?>
+<p:sld xmlns:a="http://schemas.openxmlformats.org/drawingml/2006/main" xmlns:r="http://schemas.openxmlformats.org/officeDocument/2006/relationships" xmlns:p="http://schemas.openxmlformats.org/presentationml/2006/main">
+  <p:cSld>
+    <p:spTree>
+      <p:nvGrpSpPr>
+        <p:cNvPr id="1" name="">
+          <a:extLst>
+            <a:ext uri="{FF2B5EF4-FFF2-40B4-BE49-F238E27FC236}">
+              <a16:creationId xmlns:a16="http://schemas.microsoft.com/office/drawing/2014/main" id="{A939D046-9589-4482-7B2C-FAD9CDBCDCE2}"/>
+            </a:ext>
+          </a:extLst>
+        </p:cNvPr>
+        <p:cNvGrpSpPr/>
+        <p:nvPr/>
+      </p:nvGrpSpPr>
+      <p:grpSpPr>
+        <a:xfrm>
+          <a:off x="0" y="0"/>
+          <a:ext cx="0" cy="0"/>
+          <a:chOff x="0" y="0"/>
+          <a:chExt cx="0" cy="0"/>
+        </a:xfrm>
+      </p:grpSpPr>
+      <p:sp>
+        <p:nvSpPr>
+          <p:cNvPr id="2" name="Titel 1">
+            <a:extLst>
+              <a:ext uri="{FF2B5EF4-FFF2-40B4-BE49-F238E27FC236}">
+                <a16:creationId xmlns:a16="http://schemas.microsoft.com/office/drawing/2014/main" id="{9D26116D-A1CF-43C2-048F-DF1054029E14}"/>
+              </a:ext>
+            </a:extLst>
+          </p:cNvPr>
+          <p:cNvSpPr>
+            <a:spLocks noGrp="1"/>
+          </p:cNvSpPr>
+          <p:nvPr>
+            <p:ph type="title"/>
+          </p:nvPr>
+        </p:nvSpPr>
+        <p:spPr>
+          <a:xfrm>
+            <a:off x="830695" y="838642"/>
+            <a:ext cx="11784474" cy="1478570"/>
+          </a:xfrm>
+        </p:spPr>
+        <p:txBody>
+          <a:bodyPr>
+            <a:normAutofit fontScale="90000"/>
+          </a:bodyPr>
+          <a:lstStyle/>
+          <a:p>
+            <a:r>
+              <a:rPr lang="de-DE" sz="5300" u="sng" dirty="0"/>
+              <a:t>Fazit</a:t>
+            </a:r>
+            <a:r>
+              <a:rPr lang="de-DE" b="1" dirty="0"/>
+              <a:t> </a:t>
+            </a:r>
+            <a:br>
+              <a:rPr lang="de-DE" b="1" dirty="0"/>
+            </a:br>
+            <a:br>
+              <a:rPr lang="de-DE" b="1" dirty="0"/>
+            </a:br>
+            <a:endParaRPr lang="de-DE" dirty="0"/>
+          </a:p>
+        </p:txBody>
+      </p:sp>
+      <p:sp>
+        <p:nvSpPr>
+          <p:cNvPr id="4" name="Foliennummernplatzhalter 3">
+            <a:extLst>
+              <a:ext uri="{FF2B5EF4-FFF2-40B4-BE49-F238E27FC236}">
+                <a16:creationId xmlns:a16="http://schemas.microsoft.com/office/drawing/2014/main" id="{B3F1D6C7-B947-9C0B-D81F-EE9A72273037}"/>
+              </a:ext>
+            </a:extLst>
+          </p:cNvPr>
+          <p:cNvSpPr>
+            <a:spLocks noGrp="1"/>
+          </p:cNvSpPr>
+          <p:nvPr>
+            <p:ph type="sldNum" sz="quarter" idx="12"/>
+          </p:nvPr>
+        </p:nvSpPr>
+        <p:spPr/>
+        <p:txBody>
+          <a:bodyPr/>
+          <a:lstStyle/>
+          <a:p>
+            <a:pPr rtl="0"/>
+            <a:fld id="{6D22F896-40B5-4ADD-8801-0D06FADFA095}" type="slidenum">
+              <a:rPr lang="de-DE" noProof="0" smtClean="0"/>
+              <a:t>26</a:t>
+            </a:fld>
+            <a:endParaRPr lang="de-DE" noProof="0"/>
+          </a:p>
+        </p:txBody>
+      </p:sp>
+      <p:sp>
+        <p:nvSpPr>
+          <p:cNvPr id="6" name="Rectangle 2">
+            <a:extLst>
+              <a:ext uri="{FF2B5EF4-FFF2-40B4-BE49-F238E27FC236}">
+                <a16:creationId xmlns:a16="http://schemas.microsoft.com/office/drawing/2014/main" id="{653E0AB6-7BCF-5A05-664B-DD13787DB379}"/>
+              </a:ext>
+            </a:extLst>
+          </p:cNvPr>
+          <p:cNvSpPr>
+            <a:spLocks noChangeArrowheads="1"/>
+          </p:cNvSpPr>
+          <p:nvPr/>
+        </p:nvSpPr>
         <p:spPr bwMode="auto">
           <a:xfrm>
-            <a:off x="1141412" y="1819520"/>
-            <a:ext cx="10055977" cy="3785652"/>
+            <a:off x="830695" y="2082582"/>
+            <a:ext cx="10128739" cy="3046988"/>
           </a:xfrm>
           <a:prstGeom prst="rect">
             <a:avLst/>
@@ -15805,359 +18131,138 @@
           </a:bodyPr>
           <a:lstStyle/>
           <a:p>
-            <a:pPr marL="0" marR="0" lvl="0" indent="0" algn="l" defTabSz="914400" rtl="0" eaLnBrk="0" fontAlgn="base" latinLnBrk="0" hangingPunct="0">
-              <a:lnSpc>
-                <a:spcPct val="100000"/>
-              </a:lnSpc>
+            <a:pPr lvl="0" defTabSz="914400" eaLnBrk="0" fontAlgn="base" hangingPunct="0">
               <a:spcBef>
                 <a:spcPct val="0"/>
               </a:spcBef>
               <a:spcAft>
                 <a:spcPct val="0"/>
               </a:spcAft>
-              <a:buClrTx/>
-              <a:buSzTx/>
               <a:buFontTx/>
               <a:buChar char="•"/>
-              <a:tabLst/>
             </a:pPr>
             <a:r>
-              <a:rPr kumimoji="0" lang="de-DE" altLang="de-DE" b="1" i="0" u="sng" strike="noStrike" cap="none" normalizeH="0" baseline="0">
-                <a:ln>
-                  <a:noFill/>
-                </a:ln>
-                <a:solidFill>
-                  <a:schemeClr val="tx1"/>
-                </a:solidFill>
-                <a:effectLst/>
+              <a:rPr lang="de-DE" altLang="de-DE" sz="2400" dirty="0">
                 <a:latin typeface="Arial" panose="020B0604020202020204" pitchFamily="34" charset="0"/>
               </a:rPr>
-              <a:t>Einleitung</a:t>
-            </a:r>
-            <a:endParaRPr kumimoji="0" lang="de-DE" altLang="de-DE" b="0" i="0" u="sng" strike="noStrike" cap="none" normalizeH="0" baseline="0">
-              <a:ln>
-                <a:noFill/>
-              </a:ln>
-              <a:solidFill>
-                <a:schemeClr val="tx1"/>
-              </a:solidFill>
-              <a:effectLst/>
-              <a:latin typeface="Arial" panose="020B0604020202020204" pitchFamily="34" charset="0"/>
-            </a:endParaRPr>
-          </a:p>
-          <a:p>
-            <a:pPr marL="0" marR="0" lvl="0" indent="0" algn="l" defTabSz="914400" rtl="0" eaLnBrk="0" fontAlgn="base" latinLnBrk="0" hangingPunct="0">
-              <a:lnSpc>
-                <a:spcPct val="100000"/>
-              </a:lnSpc>
+              <a:t>Versionskontrolle ist die Basis moderner Softwareentwicklung</a:t>
+            </a:r>
+          </a:p>
+          <a:p>
+            <a:pPr lvl="0" defTabSz="914400" eaLnBrk="0" fontAlgn="base" hangingPunct="0">
               <a:spcBef>
                 <a:spcPct val="0"/>
               </a:spcBef>
               <a:spcAft>
                 <a:spcPct val="0"/>
               </a:spcAft>
-              <a:buClrTx/>
-              <a:buSzTx/>
-              <a:buFontTx/>
-              <a:buChar char="•"/>
-              <a:tabLst/>
             </a:pPr>
-            <a:r>
-              <a:rPr kumimoji="0" lang="de-DE" altLang="de-DE" b="0" i="0" u="none" strike="noStrike" cap="none" normalizeH="0" baseline="0">
-                <a:ln>
-                  <a:noFill/>
-                </a:ln>
-                <a:solidFill>
-                  <a:schemeClr val="tx1"/>
-                </a:solidFill>
-                <a:effectLst/>
-                <a:latin typeface="Arial" panose="020B0604020202020204" pitchFamily="34" charset="0"/>
-              </a:rPr>
-              <a:t>Vorstellung &amp; Ziel der Präsentation</a:t>
-            </a:r>
-          </a:p>
-          <a:p>
-            <a:pPr marL="0" marR="0" lvl="0" indent="0" algn="l" defTabSz="914400" rtl="0" eaLnBrk="0" fontAlgn="base" latinLnBrk="0" hangingPunct="0">
-              <a:lnSpc>
-                <a:spcPct val="100000"/>
-              </a:lnSpc>
+            <a:endParaRPr lang="de-DE" altLang="de-DE" sz="2400" dirty="0">
+              <a:latin typeface="Arial" panose="020B0604020202020204" pitchFamily="34" charset="0"/>
+            </a:endParaRPr>
+          </a:p>
+          <a:p>
+            <a:pPr lvl="0" defTabSz="914400" eaLnBrk="0" fontAlgn="base" hangingPunct="0">
               <a:spcBef>
                 <a:spcPct val="0"/>
               </a:spcBef>
               <a:spcAft>
                 <a:spcPct val="0"/>
               </a:spcAft>
-              <a:buClrTx/>
-              <a:buSzTx/>
               <a:buFontTx/>
               <a:buChar char="•"/>
-              <a:tabLst/>
             </a:pPr>
             <a:r>
-              <a:rPr kumimoji="0" lang="de-DE" altLang="de-DE" b="0" i="0" u="none" strike="noStrike" cap="none" normalizeH="0" baseline="0">
-                <a:ln>
-                  <a:noFill/>
-                </a:ln>
-                <a:solidFill>
-                  <a:schemeClr val="tx1"/>
-                </a:solidFill>
-                <a:effectLst/>
+              <a:rPr lang="de-DE" altLang="de-DE" sz="2400" dirty="0">
                 <a:latin typeface="Arial" panose="020B0604020202020204" pitchFamily="34" charset="0"/>
               </a:rPr>
-              <a:t>Leitfragen vorstellen</a:t>
-            </a:r>
-          </a:p>
-          <a:p>
-            <a:pPr marL="0" marR="0" lvl="0" indent="0" algn="l" defTabSz="914400" rtl="0" eaLnBrk="0" fontAlgn="base" latinLnBrk="0" hangingPunct="0">
-              <a:lnSpc>
-                <a:spcPct val="100000"/>
-              </a:lnSpc>
+              <a:t>Verteilte Systeme wie </a:t>
+            </a:r>
+            <a:r>
+              <a:rPr lang="de-DE" altLang="de-DE" sz="2400" dirty="0" err="1">
+                <a:latin typeface="Arial" panose="020B0604020202020204" pitchFamily="34" charset="0"/>
+              </a:rPr>
+              <a:t>Git</a:t>
+            </a:r>
+            <a:r>
+              <a:rPr lang="de-DE" altLang="de-DE" sz="2400" dirty="0">
+                <a:latin typeface="Arial" panose="020B0604020202020204" pitchFamily="34" charset="0"/>
+              </a:rPr>
+              <a:t> setzen sich dauerhaft durch</a:t>
+            </a:r>
+          </a:p>
+          <a:p>
+            <a:pPr lvl="0" defTabSz="914400" eaLnBrk="0" fontAlgn="base" hangingPunct="0">
               <a:spcBef>
                 <a:spcPct val="0"/>
               </a:spcBef>
               <a:spcAft>
                 <a:spcPct val="0"/>
               </a:spcAft>
-              <a:buClrTx/>
-              <a:buSzTx/>
-              <a:buFontTx/>
-              <a:buChar char="•"/>
-              <a:tabLst/>
             </a:pPr>
-            <a:r>
-              <a:rPr kumimoji="0" lang="de-DE" altLang="de-DE" b="1" i="0" u="sng" strike="noStrike" cap="none" normalizeH="0" baseline="0">
-                <a:ln>
-                  <a:noFill/>
-                </a:ln>
-                <a:solidFill>
-                  <a:schemeClr val="tx1"/>
-                </a:solidFill>
-                <a:effectLst/>
-                <a:latin typeface="Arial" panose="020B0604020202020204" pitchFamily="34" charset="0"/>
-              </a:rPr>
-              <a:t>Leitfrage 1: Vorteile verteilter vs. zentralisierter VCS</a:t>
-            </a:r>
-            <a:endParaRPr kumimoji="0" lang="de-DE" altLang="de-DE" b="0" i="0" u="sng" strike="noStrike" cap="none" normalizeH="0" baseline="0">
-              <a:ln>
-                <a:noFill/>
-              </a:ln>
-              <a:solidFill>
-                <a:schemeClr val="tx1"/>
-              </a:solidFill>
-              <a:effectLst/>
+            <a:endParaRPr lang="de-DE" altLang="de-DE" sz="2400" dirty="0">
               <a:latin typeface="Arial" panose="020B0604020202020204" pitchFamily="34" charset="0"/>
             </a:endParaRPr>
           </a:p>
           <a:p>
-            <a:pPr marL="0" marR="0" lvl="0" indent="0" algn="l" defTabSz="914400" rtl="0" eaLnBrk="0" fontAlgn="base" latinLnBrk="0" hangingPunct="0">
-              <a:lnSpc>
-                <a:spcPct val="100000"/>
-              </a:lnSpc>
+            <a:pPr lvl="0" defTabSz="914400" eaLnBrk="0" fontAlgn="base" hangingPunct="0">
               <a:spcBef>
                 <a:spcPct val="0"/>
               </a:spcBef>
               <a:spcAft>
                 <a:spcPct val="0"/>
               </a:spcAft>
-              <a:buClrTx/>
-              <a:buSzTx/>
               <a:buFontTx/>
               <a:buChar char="•"/>
-              <a:tabLst/>
             </a:pPr>
             <a:r>
-              <a:rPr kumimoji="0" lang="de-DE" altLang="de-DE" b="0" i="0" u="none" strike="noStrike" cap="none" normalizeH="0" baseline="0">
-                <a:ln>
-                  <a:noFill/>
-                </a:ln>
-                <a:solidFill>
-                  <a:schemeClr val="tx1"/>
-                </a:solidFill>
-                <a:effectLst/>
+              <a:rPr lang="de-DE" altLang="de-DE" sz="2400" dirty="0">
                 <a:latin typeface="Arial" panose="020B0604020202020204" pitchFamily="34" charset="0"/>
               </a:rPr>
-              <a:t>Zielsetzung von Versionskontrollsystemen</a:t>
-            </a:r>
-          </a:p>
-          <a:p>
-            <a:pPr marL="0" marR="0" lvl="0" indent="0" algn="l" defTabSz="914400" rtl="0" eaLnBrk="0" fontAlgn="base" latinLnBrk="0" hangingPunct="0">
-              <a:lnSpc>
-                <a:spcPct val="100000"/>
-              </a:lnSpc>
+              <a:t>Arbeitsweise und </a:t>
+            </a:r>
+            <a:r>
+              <a:rPr lang="de-DE" altLang="de-DE" sz="2400" dirty="0" err="1">
+                <a:latin typeface="Arial" panose="020B0604020202020204" pitchFamily="34" charset="0"/>
+              </a:rPr>
+              <a:t>Branching</a:t>
+            </a:r>
+            <a:r>
+              <a:rPr lang="de-DE" altLang="de-DE" sz="2400" dirty="0">
+                <a:latin typeface="Arial" panose="020B0604020202020204" pitchFamily="34" charset="0"/>
+              </a:rPr>
+              <a:t>-Strategien entscheiden über Qualität</a:t>
+            </a:r>
+          </a:p>
+          <a:p>
+            <a:pPr lvl="0" defTabSz="914400" eaLnBrk="0" fontAlgn="base" hangingPunct="0">
               <a:spcBef>
                 <a:spcPct val="0"/>
               </a:spcBef>
               <a:spcAft>
                 <a:spcPct val="0"/>
               </a:spcAft>
-              <a:buClrTx/>
-              <a:buSzTx/>
-              <a:buFontTx/>
-              <a:buChar char="•"/>
-              <a:tabLst/>
             </a:pPr>
-            <a:r>
-              <a:rPr kumimoji="0" lang="de-DE" altLang="de-DE" b="0" i="0" u="none" strike="noStrike" cap="none" normalizeH="0" baseline="0">
-                <a:ln>
-                  <a:noFill/>
-                </a:ln>
-                <a:solidFill>
-                  <a:schemeClr val="tx1"/>
-                </a:solidFill>
-                <a:effectLst/>
-                <a:latin typeface="Arial" panose="020B0604020202020204" pitchFamily="34" charset="0"/>
-              </a:rPr>
-              <a:t>Zentralisierte Systeme (CVCS)</a:t>
-            </a:r>
-          </a:p>
-          <a:p>
-            <a:pPr marL="0" marR="0" lvl="0" indent="0" algn="l" defTabSz="914400" rtl="0" eaLnBrk="0" fontAlgn="base" latinLnBrk="0" hangingPunct="0">
-              <a:lnSpc>
-                <a:spcPct val="100000"/>
-              </a:lnSpc>
+            <a:endParaRPr lang="de-DE" altLang="de-DE" sz="2400" dirty="0">
+              <a:latin typeface="Arial" panose="020B0604020202020204" pitchFamily="34" charset="0"/>
+            </a:endParaRPr>
+          </a:p>
+          <a:p>
+            <a:pPr lvl="0" defTabSz="914400" eaLnBrk="0" fontAlgn="base" hangingPunct="0">
               <a:spcBef>
                 <a:spcPct val="0"/>
               </a:spcBef>
               <a:spcAft>
                 <a:spcPct val="0"/>
               </a:spcAft>
-              <a:buClrTx/>
-              <a:buSzTx/>
               <a:buFontTx/>
               <a:buChar char="•"/>
-              <a:tabLst/>
             </a:pPr>
             <a:r>
-              <a:rPr kumimoji="0" lang="de-DE" altLang="de-DE" b="0" i="0" u="none" strike="noStrike" cap="none" normalizeH="0" baseline="0">
-                <a:ln>
-                  <a:noFill/>
-                </a:ln>
-                <a:solidFill>
-                  <a:schemeClr val="tx1"/>
-                </a:solidFill>
-                <a:effectLst/>
+              <a:rPr lang="de-DE" altLang="de-DE" sz="2400" dirty="0">
                 <a:latin typeface="Arial" panose="020B0604020202020204" pitchFamily="34" charset="0"/>
               </a:rPr>
-              <a:t>Verteilte Systeme (DVCS)</a:t>
-            </a:r>
-          </a:p>
-          <a:p>
-            <a:pPr marL="0" marR="0" lvl="0" indent="0" algn="l" defTabSz="914400" rtl="0" eaLnBrk="0" fontAlgn="base" latinLnBrk="0" hangingPunct="0">
-              <a:lnSpc>
-                <a:spcPct val="100000"/>
-              </a:lnSpc>
-              <a:spcBef>
-                <a:spcPct val="0"/>
-              </a:spcBef>
-              <a:spcAft>
-                <a:spcPct val="0"/>
-              </a:spcAft>
-              <a:buClrTx/>
-              <a:buSzTx/>
-              <a:buFontTx/>
-              <a:buChar char="•"/>
-              <a:tabLst/>
-            </a:pPr>
-            <a:r>
-              <a:rPr kumimoji="0" lang="de-DE" altLang="de-DE" b="0" i="0" u="none" strike="noStrike" cap="none" normalizeH="0" baseline="0">
-                <a:ln>
-                  <a:noFill/>
-                </a:ln>
-                <a:solidFill>
-                  <a:schemeClr val="tx1"/>
-                </a:solidFill>
-                <a:effectLst/>
-                <a:latin typeface="Arial" panose="020B0604020202020204" pitchFamily="34" charset="0"/>
-              </a:rPr>
-              <a:t>Vergleich CVCS vs. DVCS</a:t>
-            </a:r>
-          </a:p>
-          <a:p>
-            <a:pPr marL="0" marR="0" lvl="0" indent="0" algn="l" defTabSz="914400" rtl="0" eaLnBrk="0" fontAlgn="base" latinLnBrk="0" hangingPunct="0">
-              <a:lnSpc>
-                <a:spcPct val="100000"/>
-              </a:lnSpc>
-              <a:spcBef>
-                <a:spcPct val="0"/>
-              </a:spcBef>
-              <a:spcAft>
-                <a:spcPct val="0"/>
-              </a:spcAft>
-              <a:buClrTx/>
-              <a:buSzTx/>
-              <a:buFontTx/>
-              <a:buChar char="•"/>
-              <a:tabLst/>
-            </a:pPr>
-            <a:r>
-              <a:rPr kumimoji="0" lang="de-DE" altLang="de-DE" b="0" i="0" u="none" strike="noStrike" cap="none" normalizeH="0" baseline="0">
-                <a:ln>
-                  <a:noFill/>
-                </a:ln>
-                <a:solidFill>
-                  <a:schemeClr val="tx1"/>
-                </a:solidFill>
-                <a:effectLst/>
-                <a:latin typeface="Arial" panose="020B0604020202020204" pitchFamily="34" charset="0"/>
-              </a:rPr>
-              <a:t>Technische Darstellung (</a:t>
-            </a:r>
-            <a:r>
-              <a:rPr kumimoji="0" lang="de-DE" altLang="de-DE" b="0" i="0" u="none" strike="noStrike" cap="none" normalizeH="0" baseline="0" err="1">
-                <a:ln>
-                  <a:noFill/>
-                </a:ln>
-                <a:solidFill>
-                  <a:schemeClr val="tx1"/>
-                </a:solidFill>
-                <a:effectLst/>
-                <a:latin typeface="Arial" panose="020B0604020202020204" pitchFamily="34" charset="0"/>
-              </a:rPr>
-              <a:t>Git</a:t>
-            </a:r>
-            <a:r>
-              <a:rPr kumimoji="0" lang="de-DE" altLang="de-DE" b="0" i="0" u="none" strike="noStrike" cap="none" normalizeH="0" baseline="0">
-                <a:ln>
-                  <a:noFill/>
-                </a:ln>
-                <a:solidFill>
-                  <a:schemeClr val="tx1"/>
-                </a:solidFill>
-                <a:effectLst/>
-                <a:latin typeface="Arial" panose="020B0604020202020204" pitchFamily="34" charset="0"/>
-              </a:rPr>
-              <a:t> Graph)</a:t>
-            </a:r>
-          </a:p>
-          <a:p>
-            <a:pPr marL="0" marR="0" lvl="0" indent="0" algn="l" defTabSz="914400" rtl="0" eaLnBrk="0" fontAlgn="base" latinLnBrk="0" hangingPunct="0">
-              <a:lnSpc>
-                <a:spcPct val="100000"/>
-              </a:lnSpc>
-              <a:spcBef>
-                <a:spcPct val="0"/>
-              </a:spcBef>
-              <a:spcAft>
-                <a:spcPct val="0"/>
-              </a:spcAft>
-              <a:buClrTx/>
-              <a:buSzTx/>
-              <a:buFontTx/>
-              <a:buChar char="•"/>
-              <a:tabLst/>
-            </a:pPr>
-            <a:r>
-              <a:rPr kumimoji="0" lang="de-DE" altLang="de-DE" b="0" i="0" u="none" strike="noStrike" cap="none" normalizeH="0" baseline="0">
-                <a:ln>
-                  <a:noFill/>
-                </a:ln>
-                <a:solidFill>
-                  <a:schemeClr val="tx1"/>
-                </a:solidFill>
-                <a:effectLst/>
-                <a:latin typeface="Arial" panose="020B0604020202020204" pitchFamily="34" charset="0"/>
-              </a:rPr>
-              <a:t>Zusammenfassung Leitfrage 1</a:t>
+              <a:t>Versionskontrollsysteme steuern zunehmend den gesamten Entwicklungsprozess</a:t>
             </a:r>
           </a:p>
         </p:txBody>
@@ -16165,7 +18270,7 @@
     </p:spTree>
     <p:extLst>
       <p:ext uri="{BB962C8B-B14F-4D97-AF65-F5344CB8AC3E}">
-        <p14:creationId xmlns:p14="http://schemas.microsoft.com/office/powerpoint/2010/main" val="2931648078"/>
+        <p14:creationId xmlns:p14="http://schemas.microsoft.com/office/powerpoint/2010/main" val="2058955738"/>
       </p:ext>
     </p:extLst>
   </p:cSld>
@@ -16175,7 +18280,238 @@
 </p:sld>
 </file>
 
-<file path=ppt/slides/slide20.xml><?xml version="1.0" encoding="utf-8"?>
+<file path=ppt/slides/slide27.xml><?xml version="1.0" encoding="utf-8"?>
+<p:sld xmlns:a="http://schemas.openxmlformats.org/drawingml/2006/main" xmlns:r="http://schemas.openxmlformats.org/officeDocument/2006/relationships" xmlns:p="http://schemas.openxmlformats.org/presentationml/2006/main" show="0">
+  <p:cSld>
+    <p:spTree>
+      <p:nvGrpSpPr>
+        <p:cNvPr id="1" name=""/>
+        <p:cNvGrpSpPr/>
+        <p:nvPr/>
+      </p:nvGrpSpPr>
+      <p:grpSpPr>
+        <a:xfrm>
+          <a:off x="0" y="0"/>
+          <a:ext cx="0" cy="0"/>
+          <a:chOff x="0" y="0"/>
+          <a:chExt cx="0" cy="0"/>
+        </a:xfrm>
+      </p:grpSpPr>
+      <p:sp>
+        <p:nvSpPr>
+          <p:cNvPr id="2" name="Titel 1">
+            <a:extLst>
+              <a:ext uri="{FF2B5EF4-FFF2-40B4-BE49-F238E27FC236}">
+                <a16:creationId xmlns:a16="http://schemas.microsoft.com/office/drawing/2014/main" id="{DB74068A-1D5D-8AAD-23B8-3026C17C14A2}"/>
+              </a:ext>
+            </a:extLst>
+          </p:cNvPr>
+          <p:cNvSpPr>
+            <a:spLocks noGrp="1"/>
+          </p:cNvSpPr>
+          <p:nvPr>
+            <p:ph type="title"/>
+          </p:nvPr>
+        </p:nvSpPr>
+        <p:spPr/>
+        <p:txBody>
+          <a:bodyPr/>
+          <a:lstStyle/>
+          <a:p>
+            <a:r>
+              <a:rPr lang="de-DE" sz="4800" u="sng" dirty="0"/>
+              <a:t>Quellen</a:t>
+            </a:r>
+          </a:p>
+        </p:txBody>
+      </p:sp>
+      <p:sp>
+        <p:nvSpPr>
+          <p:cNvPr id="3" name="Inhaltsplatzhalter 2">
+            <a:extLst>
+              <a:ext uri="{FF2B5EF4-FFF2-40B4-BE49-F238E27FC236}">
+                <a16:creationId xmlns:a16="http://schemas.microsoft.com/office/drawing/2014/main" id="{5134EC0A-AD8A-8C9E-AE51-C9781685C20D}"/>
+              </a:ext>
+            </a:extLst>
+          </p:cNvPr>
+          <p:cNvSpPr>
+            <a:spLocks noGrp="1"/>
+          </p:cNvSpPr>
+          <p:nvPr>
+            <p:ph idx="1"/>
+          </p:nvPr>
+        </p:nvSpPr>
+        <p:spPr/>
+        <p:txBody>
+          <a:bodyPr>
+            <a:normAutofit fontScale="70000" lnSpcReduction="20000"/>
+          </a:bodyPr>
+          <a:lstStyle/>
+          <a:p>
+            <a:r>
+              <a:rPr lang="de-DE" b="1" dirty="0"/>
+              <a:t>Literaturquellenangabe</a:t>
+            </a:r>
+          </a:p>
+          <a:p>
+            <a:pPr marL="0" indent="0">
+              <a:buNone/>
+            </a:pPr>
+            <a:r>
+              <a:rPr lang="de-DE" dirty="0"/>
+              <a:t>1: </a:t>
+            </a:r>
+            <a:r>
+              <a:rPr lang="de-DE" dirty="0" err="1"/>
+              <a:t>Chacon</a:t>
+            </a:r>
+            <a:r>
+              <a:rPr lang="de-DE" dirty="0"/>
+              <a:t>, S., &amp; Straub, B. (2014). </a:t>
+            </a:r>
+            <a:r>
+              <a:rPr lang="de-DE" i="1" dirty="0"/>
+              <a:t>Pro </a:t>
+            </a:r>
+            <a:r>
+              <a:rPr lang="de-DE" i="1" dirty="0" err="1"/>
+              <a:t>Git</a:t>
+            </a:r>
+            <a:r>
+              <a:rPr lang="de-DE" dirty="0"/>
+              <a:t> (2. Aufl.) Kapitel 1.1. </a:t>
+            </a:r>
+            <a:r>
+              <a:rPr lang="de-DE" dirty="0" err="1"/>
+              <a:t>Git</a:t>
+            </a:r>
+            <a:r>
+              <a:rPr lang="de-DE" dirty="0"/>
+              <a:t>‑SCM. </a:t>
+            </a:r>
+            <a:r>
+              <a:rPr lang="de-DE" u="sng" dirty="0">
+                <a:hlinkClick r:id="rId2"/>
+              </a:rPr>
+              <a:t>https://git-scm.com/</a:t>
+            </a:r>
+            <a:r>
+              <a:rPr lang="de-DE" u="sng" dirty="0" err="1">
+                <a:hlinkClick r:id="rId2"/>
+              </a:rPr>
+              <a:t>book</a:t>
+            </a:r>
+            <a:r>
+              <a:rPr lang="de-DE" u="sng" dirty="0">
+                <a:hlinkClick r:id="rId2"/>
+              </a:rPr>
+              <a:t>/de/v2/Erste-Schritte‑Was‑ist‑Versionsverwaltung%3F</a:t>
+            </a:r>
+            <a:endParaRPr lang="de-DE" u="sng" dirty="0"/>
+          </a:p>
+          <a:p>
+            <a:r>
+              <a:rPr lang="de-DE" b="1" dirty="0"/>
+              <a:t>Bildquellen</a:t>
+            </a:r>
+          </a:p>
+          <a:p>
+            <a:pPr marL="0" indent="0">
+              <a:buNone/>
+            </a:pPr>
+            <a:r>
+              <a:rPr lang="de-DE" dirty="0"/>
+              <a:t>Abbildung 1: Selbst erstellte Darstellung</a:t>
+            </a:r>
+          </a:p>
+          <a:p>
+            <a:pPr marL="0" indent="0">
+              <a:buNone/>
+            </a:pPr>
+            <a:r>
+              <a:rPr lang="de-DE" dirty="0"/>
+              <a:t>Abbildung 2: Eigene Darstellung nach </a:t>
+            </a:r>
+          </a:p>
+          <a:p>
+            <a:pPr marL="0" indent="0">
+              <a:buNone/>
+            </a:pPr>
+            <a:r>
+              <a:rPr lang="de-DE" dirty="0"/>
+              <a:t>Abbildung 3:Eigene Darstellung nach </a:t>
+            </a:r>
+          </a:p>
+          <a:p>
+            <a:pPr marL="0" indent="0">
+              <a:buNone/>
+            </a:pPr>
+            <a:r>
+              <a:rPr lang="de-DE" dirty="0"/>
+              <a:t>Abbildung 4:</a:t>
+            </a:r>
+          </a:p>
+          <a:p>
+            <a:pPr marL="0" indent="0">
+              <a:buNone/>
+            </a:pPr>
+            <a:r>
+              <a:rPr lang="de-DE" dirty="0"/>
+              <a:t>Abbildung 5:</a:t>
+            </a:r>
+          </a:p>
+          <a:p>
+            <a:pPr marL="0" indent="0">
+              <a:buNone/>
+            </a:pPr>
+            <a:endParaRPr lang="de-DE" dirty="0"/>
+          </a:p>
+        </p:txBody>
+      </p:sp>
+      <p:sp>
+        <p:nvSpPr>
+          <p:cNvPr id="4" name="Foliennummernplatzhalter 3">
+            <a:extLst>
+              <a:ext uri="{FF2B5EF4-FFF2-40B4-BE49-F238E27FC236}">
+                <a16:creationId xmlns:a16="http://schemas.microsoft.com/office/drawing/2014/main" id="{22D4B769-FBC4-EA26-38BC-1222ABB7233C}"/>
+              </a:ext>
+            </a:extLst>
+          </p:cNvPr>
+          <p:cNvSpPr>
+            <a:spLocks noGrp="1"/>
+          </p:cNvSpPr>
+          <p:nvPr>
+            <p:ph type="sldNum" sz="quarter" idx="12"/>
+          </p:nvPr>
+        </p:nvSpPr>
+        <p:spPr/>
+        <p:txBody>
+          <a:bodyPr/>
+          <a:lstStyle/>
+          <a:p>
+            <a:pPr rtl="0"/>
+            <a:fld id="{6D22F896-40B5-4ADD-8801-0D06FADFA095}" type="slidenum">
+              <a:rPr lang="de-DE" noProof="0" smtClean="0"/>
+              <a:t>27</a:t>
+            </a:fld>
+            <a:endParaRPr lang="de-DE" noProof="0"/>
+          </a:p>
+        </p:txBody>
+      </p:sp>
+    </p:spTree>
+    <p:extLst>
+      <p:ext uri="{BB962C8B-B14F-4D97-AF65-F5344CB8AC3E}">
+        <p14:creationId xmlns:p14="http://schemas.microsoft.com/office/powerpoint/2010/main" val="2733283535"/>
+      </p:ext>
+    </p:extLst>
+  </p:cSld>
+  <p:clrMapOvr>
+    <a:masterClrMapping/>
+  </p:clrMapOvr>
+</p:sld>
+</file>
+
+<file path=ppt/slides/slide3.xml><?xml version="1.0" encoding="utf-8"?>
 <p:sld xmlns:a="http://schemas.openxmlformats.org/drawingml/2006/main" xmlns:r="http://schemas.openxmlformats.org/officeDocument/2006/relationships" xmlns:p="http://schemas.openxmlformats.org/presentationml/2006/main">
   <p:cSld>
     <p:spTree>
@@ -16197,7 +18533,7 @@
           <p:cNvPr id="2" name="Titel 1">
             <a:extLst>
               <a:ext uri="{FF2B5EF4-FFF2-40B4-BE49-F238E27FC236}">
-                <a16:creationId xmlns:a16="http://schemas.microsoft.com/office/drawing/2014/main" id="{EC89FB56-D665-3C37-23B7-1E15A08FF1F1}"/>
+                <a16:creationId xmlns:a16="http://schemas.microsoft.com/office/drawing/2014/main" id="{1AB715B1-ACDE-4103-46FF-B494BE98120F}"/>
               </a:ext>
             </a:extLst>
           </p:cNvPr>
@@ -16210,22 +18546,432 @@
         </p:nvSpPr>
         <p:spPr/>
         <p:txBody>
-          <a:bodyPr/>
+          <a:bodyPr>
+            <a:normAutofit/>
+          </a:bodyPr>
           <a:lstStyle/>
           <a:p>
             <a:r>
-              <a:rPr lang="de-DE"/>
-              <a:t>Zusammenfassung Leitfrage 2</a:t>
+              <a:rPr lang="de-DE" sz="4800" u="sng"/>
+              <a:t>Inhaltsverzeichnis</a:t>
             </a:r>
           </a:p>
         </p:txBody>
       </p:sp>
       <p:sp>
         <p:nvSpPr>
-          <p:cNvPr id="3" name="Inhaltsplatzhalter 2">
+          <p:cNvPr id="4" name="Rectangle 1">
             <a:extLst>
               <a:ext uri="{FF2B5EF4-FFF2-40B4-BE49-F238E27FC236}">
-                <a16:creationId xmlns:a16="http://schemas.microsoft.com/office/drawing/2014/main" id="{4D9AAFF6-0E74-0C44-5568-51EBD10350B4}"/>
+                <a16:creationId xmlns:a16="http://schemas.microsoft.com/office/drawing/2014/main" id="{7F06BBB8-CBAE-155D-01B4-41D195DB1603}"/>
+              </a:ext>
+            </a:extLst>
+          </p:cNvPr>
+          <p:cNvSpPr>
+            <a:spLocks noGrp="1" noChangeArrowheads="1"/>
+          </p:cNvSpPr>
+          <p:nvPr>
+            <p:ph idx="1"/>
+          </p:nvPr>
+        </p:nvSpPr>
+        <p:spPr bwMode="auto">
+          <a:xfrm>
+            <a:off x="1141412" y="2004186"/>
+            <a:ext cx="10055977" cy="3416320"/>
+          </a:xfrm>
+          <a:prstGeom prst="rect">
+            <a:avLst/>
+          </a:prstGeom>
+          <a:noFill/>
+          <a:ln>
+            <a:noFill/>
+          </a:ln>
+          <a:effectLst/>
+          <a:extLst>
+            <a:ext uri="{909E8E84-426E-40DD-AFC4-6F175D3DCCD1}">
+              <a14:hiddenFill xmlns:a14="http://schemas.microsoft.com/office/drawing/2010/main">
+                <a:solidFill>
+                  <a:schemeClr val="accent1"/>
+                </a:solidFill>
+              </a14:hiddenFill>
+            </a:ext>
+            <a:ext uri="{91240B29-F687-4F45-9708-019B960494DF}">
+              <a14:hiddenLine xmlns:a14="http://schemas.microsoft.com/office/drawing/2010/main" w="9525">
+                <a:solidFill>
+                  <a:schemeClr val="tx1"/>
+                </a:solidFill>
+                <a:miter lim="800000"/>
+                <a:headEnd/>
+                <a:tailEnd/>
+              </a14:hiddenLine>
+            </a:ext>
+            <a:ext uri="{AF507438-7753-43E0-B8FC-AC1667EBCBE1}">
+              <a14:hiddenEffects xmlns:a14="http://schemas.microsoft.com/office/drawing/2010/main">
+                <a:effectLst>
+                  <a:outerShdw dist="35921" dir="2700000" algn="ctr" rotWithShape="0">
+                    <a:schemeClr val="bg2"/>
+                  </a:outerShdw>
+                </a:effectLst>
+              </a14:hiddenEffects>
+            </a:ext>
+          </a:extLst>
+        </p:spPr>
+        <p:txBody>
+          <a:bodyPr vert="horz" wrap="square" lIns="91440" tIns="45720" rIns="91440" bIns="45720" numCol="1" anchor="ctr" anchorCtr="0" compatLnSpc="1">
+            <a:prstTxWarp prst="textNoShape">
+              <a:avLst/>
+            </a:prstTxWarp>
+            <a:spAutoFit/>
+          </a:bodyPr>
+          <a:lstStyle/>
+          <a:p>
+            <a:pPr marL="0" marR="0" lvl="0" indent="0" algn="l" defTabSz="914400" rtl="0" eaLnBrk="0" fontAlgn="base" latinLnBrk="0" hangingPunct="0">
+              <a:lnSpc>
+                <a:spcPct val="100000"/>
+              </a:lnSpc>
+              <a:spcBef>
+                <a:spcPct val="0"/>
+              </a:spcBef>
+              <a:spcAft>
+                <a:spcPct val="0"/>
+              </a:spcAft>
+              <a:buClrTx/>
+              <a:buSzTx/>
+              <a:buFontTx/>
+              <a:buChar char="•"/>
+              <a:tabLst/>
+            </a:pPr>
+            <a:r>
+              <a:rPr kumimoji="0" lang="de-DE" altLang="de-DE" b="1" i="0" u="sng" strike="noStrike" cap="none" normalizeH="0" baseline="0" dirty="0">
+                <a:ln>
+                  <a:noFill/>
+                </a:ln>
+                <a:solidFill>
+                  <a:schemeClr val="tx1"/>
+                </a:solidFill>
+                <a:effectLst/>
+                <a:latin typeface="Arial" panose="020B0604020202020204" pitchFamily="34" charset="0"/>
+              </a:rPr>
+              <a:t>Einleitung</a:t>
+            </a:r>
+            <a:endParaRPr kumimoji="0" lang="de-DE" altLang="de-DE" b="0" i="0" u="sng" strike="noStrike" cap="none" normalizeH="0" baseline="0" dirty="0">
+              <a:ln>
+                <a:noFill/>
+              </a:ln>
+              <a:solidFill>
+                <a:schemeClr val="tx1"/>
+              </a:solidFill>
+              <a:effectLst/>
+              <a:latin typeface="Arial" panose="020B0604020202020204" pitchFamily="34" charset="0"/>
+            </a:endParaRPr>
+          </a:p>
+          <a:p>
+            <a:pPr marL="457200" lvl="1" indent="0" eaLnBrk="0" fontAlgn="base" hangingPunct="0">
+              <a:lnSpc>
+                <a:spcPct val="100000"/>
+              </a:lnSpc>
+              <a:spcBef>
+                <a:spcPct val="0"/>
+              </a:spcBef>
+              <a:spcAft>
+                <a:spcPct val="0"/>
+              </a:spcAft>
+              <a:buSzTx/>
+              <a:buFontTx/>
+              <a:buChar char="•"/>
+            </a:pPr>
+            <a:r>
+              <a:rPr kumimoji="0" lang="de-DE" altLang="de-DE" b="0" i="0" u="none" strike="noStrike" cap="none" normalizeH="0" baseline="0" dirty="0">
+                <a:ln>
+                  <a:noFill/>
+                </a:ln>
+                <a:solidFill>
+                  <a:schemeClr val="tx1"/>
+                </a:solidFill>
+                <a:effectLst/>
+                <a:latin typeface="Arial" panose="020B0604020202020204" pitchFamily="34" charset="0"/>
+              </a:rPr>
+              <a:t>Vorstellung &amp; Ziel der Präsentation</a:t>
+            </a:r>
+          </a:p>
+          <a:p>
+            <a:pPr marL="457200" lvl="1" indent="0" eaLnBrk="0" fontAlgn="base" hangingPunct="0">
+              <a:lnSpc>
+                <a:spcPct val="100000"/>
+              </a:lnSpc>
+              <a:spcBef>
+                <a:spcPct val="0"/>
+              </a:spcBef>
+              <a:spcAft>
+                <a:spcPct val="0"/>
+              </a:spcAft>
+              <a:buSzTx/>
+              <a:buFontTx/>
+              <a:buChar char="•"/>
+            </a:pPr>
+            <a:r>
+              <a:rPr kumimoji="0" lang="de-DE" altLang="de-DE" b="0" i="0" u="none" strike="noStrike" cap="none" normalizeH="0" baseline="0" dirty="0">
+                <a:ln>
+                  <a:noFill/>
+                </a:ln>
+                <a:solidFill>
+                  <a:schemeClr val="tx1"/>
+                </a:solidFill>
+                <a:effectLst/>
+                <a:latin typeface="Arial" panose="020B0604020202020204" pitchFamily="34" charset="0"/>
+              </a:rPr>
+              <a:t>Leitfragen vorstellen</a:t>
+            </a:r>
+          </a:p>
+          <a:p>
+            <a:pPr marL="0" marR="0" lvl="0" indent="0" algn="l" defTabSz="914400" rtl="0" eaLnBrk="0" fontAlgn="base" latinLnBrk="0" hangingPunct="0">
+              <a:lnSpc>
+                <a:spcPct val="100000"/>
+              </a:lnSpc>
+              <a:spcBef>
+                <a:spcPct val="0"/>
+              </a:spcBef>
+              <a:spcAft>
+                <a:spcPct val="0"/>
+              </a:spcAft>
+              <a:buClrTx/>
+              <a:buSzTx/>
+              <a:buFontTx/>
+              <a:buChar char="•"/>
+              <a:tabLst/>
+            </a:pPr>
+            <a:r>
+              <a:rPr kumimoji="0" lang="de-DE" altLang="de-DE" b="1" i="0" u="sng" strike="noStrike" cap="none" normalizeH="0" baseline="0" dirty="0">
+                <a:ln>
+                  <a:noFill/>
+                </a:ln>
+                <a:solidFill>
+                  <a:schemeClr val="tx1"/>
+                </a:solidFill>
+                <a:effectLst/>
+                <a:latin typeface="Arial" panose="020B0604020202020204" pitchFamily="34" charset="0"/>
+              </a:rPr>
+              <a:t>Leitfrage 1: Vorteile verteilter vs. zentralisierter VCS</a:t>
+            </a:r>
+            <a:endParaRPr kumimoji="0" lang="de-DE" altLang="de-DE" b="0" i="0" u="sng" strike="noStrike" cap="none" normalizeH="0" baseline="0" dirty="0">
+              <a:ln>
+                <a:noFill/>
+              </a:ln>
+              <a:solidFill>
+                <a:schemeClr val="tx1"/>
+              </a:solidFill>
+              <a:effectLst/>
+              <a:latin typeface="Arial" panose="020B0604020202020204" pitchFamily="34" charset="0"/>
+            </a:endParaRPr>
+          </a:p>
+          <a:p>
+            <a:pPr marL="457200" lvl="1" indent="0" eaLnBrk="0" fontAlgn="base" hangingPunct="0">
+              <a:lnSpc>
+                <a:spcPct val="100000"/>
+              </a:lnSpc>
+              <a:spcBef>
+                <a:spcPct val="0"/>
+              </a:spcBef>
+              <a:spcAft>
+                <a:spcPct val="0"/>
+              </a:spcAft>
+              <a:buSzTx/>
+              <a:buFontTx/>
+              <a:buChar char="•"/>
+            </a:pPr>
+            <a:r>
+              <a:rPr kumimoji="0" lang="de-DE" altLang="de-DE" b="0" i="0" u="none" strike="noStrike" cap="none" normalizeH="0" baseline="0" dirty="0">
+                <a:ln>
+                  <a:noFill/>
+                </a:ln>
+                <a:solidFill>
+                  <a:schemeClr val="tx1"/>
+                </a:solidFill>
+                <a:effectLst/>
+                <a:latin typeface="Arial" panose="020B0604020202020204" pitchFamily="34" charset="0"/>
+              </a:rPr>
+              <a:t>Zielsetzung von Versionskontrollsystemen</a:t>
+            </a:r>
+          </a:p>
+          <a:p>
+            <a:pPr marL="457200" lvl="1" indent="0" eaLnBrk="0" fontAlgn="base" hangingPunct="0">
+              <a:lnSpc>
+                <a:spcPct val="100000"/>
+              </a:lnSpc>
+              <a:spcBef>
+                <a:spcPct val="0"/>
+              </a:spcBef>
+              <a:spcAft>
+                <a:spcPct val="0"/>
+              </a:spcAft>
+              <a:buSzTx/>
+              <a:buFontTx/>
+              <a:buChar char="•"/>
+            </a:pPr>
+            <a:r>
+              <a:rPr kumimoji="0" lang="de-DE" altLang="de-DE" b="0" i="0" u="none" strike="noStrike" cap="none" normalizeH="0" baseline="0" dirty="0">
+                <a:ln>
+                  <a:noFill/>
+                </a:ln>
+                <a:solidFill>
+                  <a:schemeClr val="tx1"/>
+                </a:solidFill>
+                <a:effectLst/>
+                <a:latin typeface="Arial" panose="020B0604020202020204" pitchFamily="34" charset="0"/>
+              </a:rPr>
+              <a:t>Zentralisierte Systeme (CVCS)</a:t>
+            </a:r>
+          </a:p>
+          <a:p>
+            <a:pPr marL="457200" lvl="1" indent="0" eaLnBrk="0" fontAlgn="base" hangingPunct="0">
+              <a:lnSpc>
+                <a:spcPct val="100000"/>
+              </a:lnSpc>
+              <a:spcBef>
+                <a:spcPct val="0"/>
+              </a:spcBef>
+              <a:spcAft>
+                <a:spcPct val="0"/>
+              </a:spcAft>
+              <a:buSzTx/>
+              <a:buFontTx/>
+              <a:buChar char="•"/>
+            </a:pPr>
+            <a:r>
+              <a:rPr kumimoji="0" lang="de-DE" altLang="de-DE" b="0" i="0" u="none" strike="noStrike" cap="none" normalizeH="0" baseline="0" dirty="0">
+                <a:ln>
+                  <a:noFill/>
+                </a:ln>
+                <a:solidFill>
+                  <a:schemeClr val="tx1"/>
+                </a:solidFill>
+                <a:effectLst/>
+                <a:latin typeface="Arial" panose="020B0604020202020204" pitchFamily="34" charset="0"/>
+              </a:rPr>
+              <a:t>Verteilte Systeme (DVCS)</a:t>
+            </a:r>
+          </a:p>
+          <a:p>
+            <a:pPr marL="457200" lvl="1" indent="0" eaLnBrk="0" fontAlgn="base" hangingPunct="0">
+              <a:lnSpc>
+                <a:spcPct val="100000"/>
+              </a:lnSpc>
+              <a:spcBef>
+                <a:spcPct val="0"/>
+              </a:spcBef>
+              <a:spcAft>
+                <a:spcPct val="0"/>
+              </a:spcAft>
+              <a:buSzTx/>
+              <a:buFontTx/>
+              <a:buChar char="•"/>
+            </a:pPr>
+            <a:r>
+              <a:rPr kumimoji="0" lang="de-DE" altLang="de-DE" b="0" i="0" u="none" strike="noStrike" cap="none" normalizeH="0" baseline="0" dirty="0">
+                <a:ln>
+                  <a:noFill/>
+                </a:ln>
+                <a:solidFill>
+                  <a:schemeClr val="tx1"/>
+                </a:solidFill>
+                <a:effectLst/>
+                <a:latin typeface="Arial" panose="020B0604020202020204" pitchFamily="34" charset="0"/>
+              </a:rPr>
+              <a:t>Vergleich CVCS vs. DVCS</a:t>
+            </a:r>
+          </a:p>
+          <a:p>
+            <a:pPr marL="457200" lvl="1" indent="0" eaLnBrk="0" fontAlgn="base" hangingPunct="0">
+              <a:lnSpc>
+                <a:spcPct val="100000"/>
+              </a:lnSpc>
+              <a:spcBef>
+                <a:spcPct val="0"/>
+              </a:spcBef>
+              <a:spcAft>
+                <a:spcPct val="0"/>
+              </a:spcAft>
+              <a:buSzTx/>
+              <a:buFontTx/>
+              <a:buChar char="•"/>
+            </a:pPr>
+            <a:r>
+              <a:rPr kumimoji="0" lang="de-DE" altLang="de-DE" b="0" i="0" u="none" strike="noStrike" cap="none" normalizeH="0" baseline="0" dirty="0">
+                <a:ln>
+                  <a:noFill/>
+                </a:ln>
+                <a:solidFill>
+                  <a:schemeClr val="tx1"/>
+                </a:solidFill>
+                <a:effectLst/>
+                <a:latin typeface="Arial" panose="020B0604020202020204" pitchFamily="34" charset="0"/>
+              </a:rPr>
+              <a:t>Technische Darstellung (</a:t>
+            </a:r>
+            <a:r>
+              <a:rPr kumimoji="0" lang="de-DE" altLang="de-DE" b="0" i="0" u="none" strike="noStrike" cap="none" normalizeH="0" baseline="0" dirty="0" err="1">
+                <a:ln>
+                  <a:noFill/>
+                </a:ln>
+                <a:solidFill>
+                  <a:schemeClr val="tx1"/>
+                </a:solidFill>
+                <a:effectLst/>
+                <a:latin typeface="Arial" panose="020B0604020202020204" pitchFamily="34" charset="0"/>
+              </a:rPr>
+              <a:t>Git</a:t>
+            </a:r>
+            <a:r>
+              <a:rPr kumimoji="0" lang="de-DE" altLang="de-DE" b="0" i="0" u="none" strike="noStrike" cap="none" normalizeH="0" baseline="0" dirty="0">
+                <a:ln>
+                  <a:noFill/>
+                </a:ln>
+                <a:solidFill>
+                  <a:schemeClr val="tx1"/>
+                </a:solidFill>
+                <a:effectLst/>
+                <a:latin typeface="Arial" panose="020B0604020202020204" pitchFamily="34" charset="0"/>
+              </a:rPr>
+              <a:t> Graph)</a:t>
+            </a:r>
+          </a:p>
+          <a:p>
+            <a:pPr marL="457200" lvl="1" indent="0" eaLnBrk="0" fontAlgn="base" hangingPunct="0">
+              <a:lnSpc>
+                <a:spcPct val="100000"/>
+              </a:lnSpc>
+              <a:spcBef>
+                <a:spcPct val="0"/>
+              </a:spcBef>
+              <a:spcAft>
+                <a:spcPct val="0"/>
+              </a:spcAft>
+              <a:buSzTx/>
+              <a:buFontTx/>
+              <a:buChar char="•"/>
+            </a:pPr>
+            <a:r>
+              <a:rPr kumimoji="0" lang="de-DE" altLang="de-DE" b="0" i="0" u="none" strike="noStrike" cap="none" normalizeH="0" baseline="0" dirty="0">
+                <a:ln>
+                  <a:noFill/>
+                </a:ln>
+                <a:solidFill>
+                  <a:schemeClr val="tx1"/>
+                </a:solidFill>
+                <a:effectLst/>
+                <a:latin typeface="Arial" panose="020B0604020202020204" pitchFamily="34" charset="0"/>
+              </a:rPr>
+              <a:t>Zusammenfassung Leitfrage 1</a:t>
+            </a:r>
+          </a:p>
+        </p:txBody>
+      </p:sp>
+      <p:sp>
+        <p:nvSpPr>
+          <p:cNvPr id="3" name="Foliennummernplatzhalter 2">
+            <a:extLst>
+              <a:ext uri="{FF2B5EF4-FFF2-40B4-BE49-F238E27FC236}">
+                <a16:creationId xmlns:a16="http://schemas.microsoft.com/office/drawing/2014/main" id="{30814F32-5487-51B6-C4E1-0AB304D8FEF6}"/>
               </a:ext>
             </a:extLst>
           </p:cNvPr>
@@ -16233,113 +18979,27 @@
             <a:spLocks noGrp="1"/>
           </p:cNvSpPr>
           <p:nvPr>
-            <p:ph idx="1"/>
+            <p:ph type="sldNum" sz="quarter" idx="12"/>
           </p:nvPr>
         </p:nvSpPr>
         <p:spPr/>
         <p:txBody>
-          <a:bodyPr vert="horz" lIns="91440" tIns="45720" rIns="91440" bIns="45720" rtlCol="0" anchor="t">
-            <a:normAutofit/>
-          </a:bodyPr>
+          <a:bodyPr/>
           <a:lstStyle/>
           <a:p>
-            <a:pPr marL="0" indent="0">
-              <a:buNone/>
-            </a:pPr>
-            <a:r>
-              <a:rPr lang="de-DE">
-                <a:ea typeface="+mn-lt"/>
-                <a:cs typeface="+mn-lt"/>
-              </a:rPr>
-              <a:t>Trunk-</a:t>
-            </a:r>
-            <a:r>
-              <a:rPr lang="de-DE" err="1">
-                <a:ea typeface="+mn-lt"/>
-                <a:cs typeface="+mn-lt"/>
-              </a:rPr>
-              <a:t>Based</a:t>
-            </a:r>
-            <a:r>
-              <a:rPr lang="de-DE">
-                <a:ea typeface="+mn-lt"/>
-                <a:cs typeface="+mn-lt"/>
-              </a:rPr>
-              <a:t> Development am geeignetsten für kleine bis mittelgroße Teams, die eng zusammenarbeiten.</a:t>
-            </a:r>
-          </a:p>
-          <a:p>
-            <a:pPr marL="0" indent="0">
-              <a:buNone/>
-            </a:pPr>
-            <a:r>
-              <a:rPr lang="de-DE"/>
-              <a:t>Feature </a:t>
-            </a:r>
-            <a:r>
-              <a:rPr lang="de-DE" err="1"/>
-              <a:t>Branching</a:t>
-            </a:r>
-            <a:r>
-              <a:rPr lang="de-DE"/>
-              <a:t> Development am geeignetsten mittelgroße Teams, die eng zusammenarbeiten.</a:t>
-            </a:r>
-          </a:p>
-          <a:p>
-            <a:pPr marL="0" indent="0">
-              <a:buNone/>
-            </a:pPr>
-            <a:r>
-              <a:rPr lang="de-DE" err="1">
-                <a:ea typeface="+mn-lt"/>
-                <a:cs typeface="+mn-lt"/>
-              </a:rPr>
-              <a:t>Forking</a:t>
-            </a:r>
-            <a:r>
-              <a:rPr lang="de-DE">
-                <a:ea typeface="+mn-lt"/>
-                <a:cs typeface="+mn-lt"/>
-              </a:rPr>
-              <a:t> Workflow am geeignetsten für Open-Source-Projekte oder sehr große verteilte Teams, bei denen viele externe Mitwirkende ohne Schreibrechte am </a:t>
-            </a:r>
-            <a:r>
-              <a:rPr lang="de-DE" err="1">
-                <a:ea typeface="+mn-lt"/>
-                <a:cs typeface="+mn-lt"/>
-              </a:rPr>
-              <a:t>Hauptrepository</a:t>
-            </a:r>
-            <a:r>
-              <a:rPr lang="de-DE">
-                <a:ea typeface="+mn-lt"/>
-                <a:cs typeface="+mn-lt"/>
-              </a:rPr>
-              <a:t> arbeiten.</a:t>
-            </a:r>
-          </a:p>
-          <a:p>
-            <a:pPr marL="0" indent="0">
-              <a:buNone/>
-            </a:pPr>
-            <a:endParaRPr lang="de-DE">
-              <a:ea typeface="+mn-lt"/>
-              <a:cs typeface="+mn-lt"/>
-            </a:endParaRPr>
-          </a:p>
-          <a:p>
-            <a:pPr marL="800100" lvl="1" indent="-342900"/>
-            <a:endParaRPr lang="de-DE">
-              <a:ea typeface="+mn-lt"/>
-              <a:cs typeface="+mn-lt"/>
-            </a:endParaRPr>
+            <a:pPr rtl="0"/>
+            <a:fld id="{6D22F896-40B5-4ADD-8801-0D06FADFA095}" type="slidenum">
+              <a:rPr lang="de-DE" noProof="0" smtClean="0"/>
+              <a:t>3</a:t>
+            </a:fld>
+            <a:endParaRPr lang="de-DE" noProof="0"/>
           </a:p>
         </p:txBody>
       </p:sp>
     </p:spTree>
     <p:extLst>
       <p:ext uri="{BB962C8B-B14F-4D97-AF65-F5344CB8AC3E}">
-        <p14:creationId xmlns:p14="http://schemas.microsoft.com/office/powerpoint/2010/main" val="4096881541"/>
+        <p14:creationId xmlns:p14="http://schemas.microsoft.com/office/powerpoint/2010/main" val="2931648078"/>
       </p:ext>
     </p:extLst>
   </p:cSld>
@@ -16349,7 +19009,7 @@
 </p:sld>
 </file>
 
-<file path=ppt/slides/slide3.xml><?xml version="1.0" encoding="utf-8"?>
+<file path=ppt/slides/slide4.xml><?xml version="1.0" encoding="utf-8"?>
 <p:sld xmlns:a="http://schemas.openxmlformats.org/drawingml/2006/main" xmlns:r="http://schemas.openxmlformats.org/officeDocument/2006/relationships" xmlns:p="http://schemas.openxmlformats.org/presentationml/2006/main">
   <p:cSld>
     <p:spTree>
@@ -16420,8 +19080,8 @@
         </p:nvSpPr>
         <p:spPr bwMode="auto">
           <a:xfrm>
-            <a:off x="1141413" y="2004209"/>
-            <a:ext cx="7951216" cy="3416320"/>
+            <a:off x="1141413" y="1727210"/>
+            <a:ext cx="8527976" cy="3970318"/>
           </a:xfrm>
           <a:prstGeom prst="rect">
             <a:avLst/>
@@ -16486,22 +19146,278 @@
               <a:tabLst/>
             </a:pPr>
             <a:r>
-              <a:rPr lang="de-DE" altLang="de-DE" b="1" u="sng">
+              <a:rPr lang="de-DE" altLang="de-DE" b="1" u="sng" dirty="0">
                 <a:latin typeface="Arial" panose="020B0604020202020204" pitchFamily="34" charset="0"/>
               </a:rPr>
               <a:t>Leitfrage 2: </a:t>
             </a:r>
             <a:r>
-              <a:rPr lang="de-DE" altLang="de-DE" b="1" u="sng" err="1">
+              <a:rPr lang="de-DE" altLang="de-DE" b="1" u="sng" dirty="0" err="1">
                 <a:latin typeface="Arial" panose="020B0604020202020204" pitchFamily="34" charset="0"/>
               </a:rPr>
               <a:t>Branching</a:t>
             </a:r>
             <a:r>
-              <a:rPr lang="de-DE" altLang="de-DE" b="1" u="sng">
+              <a:rPr lang="de-DE" altLang="de-DE" b="1" u="sng" dirty="0">
                 <a:latin typeface="Arial" panose="020B0604020202020204" pitchFamily="34" charset="0"/>
               </a:rPr>
               <a:t>-Strategien &amp; Softwarequalität</a:t>
+            </a:r>
+          </a:p>
+          <a:p>
+            <a:pPr marL="457200" lvl="1" indent="0" eaLnBrk="0" fontAlgn="base" hangingPunct="0">
+              <a:lnSpc>
+                <a:spcPct val="100000"/>
+              </a:lnSpc>
+              <a:spcBef>
+                <a:spcPct val="0"/>
+              </a:spcBef>
+              <a:spcAft>
+                <a:spcPct val="0"/>
+              </a:spcAft>
+              <a:buSzTx/>
+              <a:buFontTx/>
+              <a:buChar char="•"/>
+            </a:pPr>
+            <a:r>
+              <a:rPr lang="de-DE" altLang="de-DE" dirty="0" err="1">
+                <a:latin typeface="Arial" panose="020B0604020202020204" pitchFamily="34" charset="0"/>
+              </a:rPr>
+              <a:t>Branching</a:t>
+            </a:r>
+            <a:r>
+              <a:rPr lang="de-DE" altLang="de-DE" dirty="0">
+                <a:latin typeface="Arial" panose="020B0604020202020204" pitchFamily="34" charset="0"/>
+              </a:rPr>
+              <a:t>-Grundlagen</a:t>
+            </a:r>
+          </a:p>
+          <a:p>
+            <a:pPr marL="457200" lvl="1" indent="0" eaLnBrk="0" fontAlgn="base" hangingPunct="0">
+              <a:lnSpc>
+                <a:spcPct val="100000"/>
+              </a:lnSpc>
+              <a:spcBef>
+                <a:spcPct val="0"/>
+              </a:spcBef>
+              <a:spcAft>
+                <a:spcPct val="0"/>
+              </a:spcAft>
+              <a:buSzTx/>
+              <a:buFontTx/>
+              <a:buChar char="•"/>
+            </a:pPr>
+            <a:r>
+              <a:rPr lang="de-DE" altLang="de-DE" dirty="0">
+                <a:latin typeface="Arial" panose="020B0604020202020204" pitchFamily="34" charset="0"/>
+              </a:rPr>
+              <a:t>Trunk-</a:t>
+            </a:r>
+            <a:r>
+              <a:rPr lang="de-DE" altLang="de-DE" dirty="0" err="1">
+                <a:latin typeface="Arial" panose="020B0604020202020204" pitchFamily="34" charset="0"/>
+              </a:rPr>
+              <a:t>Based</a:t>
+            </a:r>
+            <a:r>
+              <a:rPr lang="de-DE" altLang="de-DE" dirty="0">
+                <a:latin typeface="Arial" panose="020B0604020202020204" pitchFamily="34" charset="0"/>
+              </a:rPr>
+              <a:t> Development</a:t>
+            </a:r>
+          </a:p>
+          <a:p>
+            <a:pPr marL="457200" lvl="1" indent="0" eaLnBrk="0" fontAlgn="base" hangingPunct="0">
+              <a:lnSpc>
+                <a:spcPct val="100000"/>
+              </a:lnSpc>
+              <a:spcBef>
+                <a:spcPct val="0"/>
+              </a:spcBef>
+              <a:spcAft>
+                <a:spcPct val="0"/>
+              </a:spcAft>
+              <a:buSzTx/>
+              <a:buFontTx/>
+              <a:buChar char="•"/>
+            </a:pPr>
+            <a:r>
+              <a:rPr lang="de-DE" altLang="de-DE" dirty="0">
+                <a:latin typeface="Arial"/>
+                <a:cs typeface="Arial"/>
+              </a:rPr>
+              <a:t>Feature </a:t>
+            </a:r>
+            <a:r>
+              <a:rPr lang="de-DE" altLang="de-DE" dirty="0" err="1">
+                <a:latin typeface="Arial"/>
+                <a:cs typeface="Arial"/>
+              </a:rPr>
+              <a:t>Branching</a:t>
+            </a:r>
+            <a:endParaRPr lang="de-DE" altLang="de-DE" dirty="0">
+              <a:latin typeface="Arial" panose="020B0604020202020204" pitchFamily="34" charset="0"/>
+              <a:cs typeface="Arial"/>
+            </a:endParaRPr>
+          </a:p>
+          <a:p>
+            <a:pPr marL="457200" lvl="1" indent="0" eaLnBrk="0" fontAlgn="base" hangingPunct="0">
+              <a:lnSpc>
+                <a:spcPct val="100000"/>
+              </a:lnSpc>
+              <a:spcBef>
+                <a:spcPct val="0"/>
+              </a:spcBef>
+              <a:spcAft>
+                <a:spcPct val="0"/>
+              </a:spcAft>
+              <a:buSzTx/>
+              <a:buFontTx/>
+              <a:buChar char="•"/>
+            </a:pPr>
+            <a:r>
+              <a:rPr lang="de-DE" altLang="de-DE" dirty="0" err="1">
+                <a:latin typeface="Arial" panose="020B0604020202020204" pitchFamily="34" charset="0"/>
+              </a:rPr>
+              <a:t>Forking</a:t>
+            </a:r>
+            <a:r>
+              <a:rPr lang="de-DE" altLang="de-DE" dirty="0">
+                <a:latin typeface="Arial" panose="020B0604020202020204" pitchFamily="34" charset="0"/>
+              </a:rPr>
+              <a:t> Workflow</a:t>
+            </a:r>
+          </a:p>
+          <a:p>
+            <a:pPr marL="457200" lvl="1" indent="0" eaLnBrk="0" fontAlgn="base" hangingPunct="0">
+              <a:lnSpc>
+                <a:spcPct val="100000"/>
+              </a:lnSpc>
+              <a:spcBef>
+                <a:spcPct val="0"/>
+              </a:spcBef>
+              <a:spcAft>
+                <a:spcPct val="0"/>
+              </a:spcAft>
+              <a:buSzTx/>
+              <a:buFontTx/>
+              <a:buChar char="•"/>
+            </a:pPr>
+            <a:r>
+              <a:rPr lang="de-DE" altLang="de-DE" dirty="0">
+                <a:latin typeface="Arial" panose="020B0604020202020204" pitchFamily="34" charset="0"/>
+              </a:rPr>
+              <a:t>Auswirkungen auf Softwarequalität</a:t>
+            </a:r>
+          </a:p>
+          <a:p>
+            <a:pPr marL="457200" lvl="1" indent="0" eaLnBrk="0" fontAlgn="base" hangingPunct="0">
+              <a:lnSpc>
+                <a:spcPct val="100000"/>
+              </a:lnSpc>
+              <a:spcBef>
+                <a:spcPct val="0"/>
+              </a:spcBef>
+              <a:spcAft>
+                <a:spcPct val="0"/>
+              </a:spcAft>
+              <a:buSzTx/>
+              <a:buFontTx/>
+              <a:buChar char="•"/>
+            </a:pPr>
+            <a:r>
+              <a:rPr lang="de-DE" altLang="de-DE" dirty="0">
+                <a:latin typeface="Arial" panose="020B0604020202020204" pitchFamily="34" charset="0"/>
+              </a:rPr>
+              <a:t>Zusammenfassung Leitfrage 2</a:t>
+            </a:r>
+          </a:p>
+          <a:p>
+            <a:pPr marL="0" lvl="0" indent="0" eaLnBrk="0" fontAlgn="base" hangingPunct="0">
+              <a:lnSpc>
+                <a:spcPct val="100000"/>
+              </a:lnSpc>
+              <a:spcBef>
+                <a:spcPct val="0"/>
+              </a:spcBef>
+              <a:spcAft>
+                <a:spcPct val="0"/>
+              </a:spcAft>
+              <a:buSzTx/>
+              <a:buFontTx/>
+              <a:buChar char="•"/>
+            </a:pPr>
+            <a:r>
+              <a:rPr lang="de-DE" b="1" u="sng" dirty="0">
+                <a:latin typeface="Arial" panose="020B0604020202020204" pitchFamily="34" charset="0"/>
+              </a:rPr>
+              <a:t>Zukunftsaussichten und Trends in der Versionskontrolle</a:t>
+            </a:r>
+          </a:p>
+          <a:p>
+            <a:pPr marL="457200" lvl="1" indent="0" eaLnBrk="0" fontAlgn="base" hangingPunct="0">
+              <a:lnSpc>
+                <a:spcPct val="100000"/>
+              </a:lnSpc>
+              <a:spcBef>
+                <a:spcPct val="0"/>
+              </a:spcBef>
+              <a:spcAft>
+                <a:spcPct val="0"/>
+              </a:spcAft>
+              <a:buSzTx/>
+              <a:buFontTx/>
+              <a:buChar char="•"/>
+            </a:pPr>
+            <a:r>
+              <a:rPr lang="de-DE" altLang="de-DE" dirty="0">
+                <a:latin typeface="Arial" panose="020B0604020202020204" pitchFamily="34" charset="0"/>
+              </a:rPr>
+              <a:t>Zukunftsaussichten von Versionskontrollsystemen</a:t>
+            </a:r>
+          </a:p>
+          <a:p>
+            <a:pPr marL="457200" lvl="1" indent="0" eaLnBrk="0" fontAlgn="base" hangingPunct="0">
+              <a:lnSpc>
+                <a:spcPct val="100000"/>
+              </a:lnSpc>
+              <a:spcBef>
+                <a:spcPct val="0"/>
+              </a:spcBef>
+              <a:spcAft>
+                <a:spcPct val="0"/>
+              </a:spcAft>
+              <a:buSzTx/>
+              <a:buFontTx/>
+              <a:buChar char="•"/>
+            </a:pPr>
+            <a:r>
+              <a:rPr lang="de-DE" dirty="0">
+                <a:latin typeface="Arial" panose="020B0604020202020204" pitchFamily="34" charset="0"/>
+              </a:rPr>
+              <a:t>Technische Trends</a:t>
+            </a:r>
+          </a:p>
+          <a:p>
+            <a:pPr marL="457200" lvl="1" indent="0" eaLnBrk="0" fontAlgn="base" hangingPunct="0">
+              <a:lnSpc>
+                <a:spcPct val="100000"/>
+              </a:lnSpc>
+              <a:spcBef>
+                <a:spcPct val="0"/>
+              </a:spcBef>
+              <a:spcAft>
+                <a:spcPct val="0"/>
+              </a:spcAft>
+              <a:buSzTx/>
+              <a:buFontTx/>
+              <a:buChar char="•"/>
+            </a:pPr>
+            <a:r>
+              <a:rPr lang="de-DE" dirty="0">
+                <a:latin typeface="Arial" panose="020B0604020202020204" pitchFamily="34" charset="0"/>
+              </a:rPr>
+              <a:t>Bedeutung für Entwickler &amp; Teams</a:t>
             </a:r>
           </a:p>
           <a:p>
@@ -16522,227 +19438,41 @@
               <a:tabLst/>
             </a:pPr>
             <a:r>
-              <a:rPr lang="de-DE" altLang="de-DE" err="1">
-                <a:latin typeface="Arial" panose="020B0604020202020204" pitchFamily="34" charset="0"/>
-              </a:rPr>
-              <a:t>Branching</a:t>
-            </a:r>
-            <a:r>
-              <a:rPr lang="de-DE" altLang="de-DE">
-                <a:latin typeface="Arial" panose="020B0604020202020204" pitchFamily="34" charset="0"/>
-              </a:rPr>
-              <a:t>-Grundlagen</a:t>
-            </a:r>
-          </a:p>
-          <a:p>
-            <a:pPr marL="0" marR="0" lvl="0" indent="0" algn="l" defTabSz="914400" rtl="0" eaLnBrk="0" fontAlgn="base" latinLnBrk="0" hangingPunct="0">
-              <a:lnSpc>
-                <a:spcPct val="100000"/>
-              </a:lnSpc>
-              <a:spcBef>
-                <a:spcPct val="0"/>
-              </a:spcBef>
-              <a:spcAft>
-                <a:spcPct val="0"/>
-              </a:spcAft>
-              <a:buClrTx/>
-              <a:buSzTx/>
-              <a:buFontTx/>
-              <a:buChar char="•"/>
-              <a:tabLst/>
-            </a:pPr>
-            <a:r>
-              <a:rPr lang="de-DE" altLang="de-DE">
-                <a:latin typeface="Arial" panose="020B0604020202020204" pitchFamily="34" charset="0"/>
-              </a:rPr>
-              <a:t>Trunk-</a:t>
-            </a:r>
-            <a:r>
-              <a:rPr lang="de-DE" altLang="de-DE" err="1">
-                <a:latin typeface="Arial" panose="020B0604020202020204" pitchFamily="34" charset="0"/>
-              </a:rPr>
-              <a:t>Based</a:t>
-            </a:r>
-            <a:r>
-              <a:rPr lang="de-DE" altLang="de-DE">
-                <a:latin typeface="Arial" panose="020B0604020202020204" pitchFamily="34" charset="0"/>
-              </a:rPr>
-              <a:t> Development</a:t>
-            </a:r>
-          </a:p>
-          <a:p>
-            <a:pPr marL="0" marR="0" lvl="0" indent="0" algn="l" defTabSz="914400" rtl="0" eaLnBrk="0" fontAlgn="base" latinLnBrk="0" hangingPunct="0">
-              <a:lnSpc>
-                <a:spcPct val="100000"/>
-              </a:lnSpc>
-              <a:spcBef>
-                <a:spcPct val="0"/>
-              </a:spcBef>
-              <a:spcAft>
-                <a:spcPct val="0"/>
-              </a:spcAft>
-              <a:buClrTx/>
-              <a:buSzTx/>
-              <a:buFontTx/>
-              <a:buChar char="•"/>
-              <a:tabLst/>
-            </a:pPr>
-            <a:r>
-              <a:rPr lang="de-DE" altLang="de-DE">
-                <a:latin typeface="Arial"/>
-                <a:cs typeface="Arial"/>
-              </a:rPr>
-              <a:t>Feature </a:t>
-            </a:r>
-            <a:r>
-              <a:rPr lang="de-DE" altLang="de-DE" err="1">
-                <a:latin typeface="Arial"/>
-                <a:cs typeface="Arial"/>
-              </a:rPr>
-              <a:t>Branching</a:t>
-            </a:r>
-            <a:endParaRPr lang="de-DE" altLang="de-DE" err="1">
-              <a:latin typeface="Arial" panose="020B0604020202020204" pitchFamily="34" charset="0"/>
-              <a:cs typeface="Arial"/>
-            </a:endParaRPr>
-          </a:p>
-          <a:p>
-            <a:pPr marL="0" marR="0" lvl="0" indent="0" algn="l" defTabSz="914400" rtl="0" eaLnBrk="0" fontAlgn="base" latinLnBrk="0" hangingPunct="0">
-              <a:lnSpc>
-                <a:spcPct val="100000"/>
-              </a:lnSpc>
-              <a:spcBef>
-                <a:spcPct val="0"/>
-              </a:spcBef>
-              <a:spcAft>
-                <a:spcPct val="0"/>
-              </a:spcAft>
-              <a:buClrTx/>
-              <a:buSzTx/>
-              <a:buFontTx/>
-              <a:buChar char="•"/>
-              <a:tabLst/>
-            </a:pPr>
-            <a:r>
-              <a:rPr lang="de-DE" altLang="de-DE" err="1">
-                <a:latin typeface="Arial" panose="020B0604020202020204" pitchFamily="34" charset="0"/>
-              </a:rPr>
-              <a:t>Forking</a:t>
-            </a:r>
-            <a:r>
-              <a:rPr lang="de-DE" altLang="de-DE">
-                <a:latin typeface="Arial" panose="020B0604020202020204" pitchFamily="34" charset="0"/>
-              </a:rPr>
-              <a:t> Workflow</a:t>
-            </a:r>
-          </a:p>
-          <a:p>
-            <a:pPr marL="0" marR="0" lvl="0" indent="0" algn="l" defTabSz="914400" rtl="0" eaLnBrk="0" fontAlgn="base" latinLnBrk="0" hangingPunct="0">
-              <a:lnSpc>
-                <a:spcPct val="100000"/>
-              </a:lnSpc>
-              <a:spcBef>
-                <a:spcPct val="0"/>
-              </a:spcBef>
-              <a:spcAft>
-                <a:spcPct val="0"/>
-              </a:spcAft>
-              <a:buClrTx/>
-              <a:buSzTx/>
-              <a:buFontTx/>
-              <a:buChar char="•"/>
-              <a:tabLst/>
-            </a:pPr>
-            <a:r>
-              <a:rPr lang="de-DE" altLang="de-DE">
-                <a:latin typeface="Arial" panose="020B0604020202020204" pitchFamily="34" charset="0"/>
-              </a:rPr>
-              <a:t>Auswirkungen auf Softwarequalität</a:t>
-            </a:r>
-          </a:p>
-          <a:p>
-            <a:pPr marL="0" marR="0" lvl="0" indent="0" algn="l" defTabSz="914400" rtl="0" eaLnBrk="0" fontAlgn="base" latinLnBrk="0" hangingPunct="0">
-              <a:lnSpc>
-                <a:spcPct val="100000"/>
-              </a:lnSpc>
-              <a:spcBef>
-                <a:spcPct val="0"/>
-              </a:spcBef>
-              <a:spcAft>
-                <a:spcPct val="0"/>
-              </a:spcAft>
-              <a:buClrTx/>
-              <a:buSzTx/>
-              <a:buFontTx/>
-              <a:buChar char="•"/>
-              <a:tabLst/>
-            </a:pPr>
-            <a:r>
-              <a:rPr lang="de-DE" altLang="de-DE">
-                <a:latin typeface="Arial" panose="020B0604020202020204" pitchFamily="34" charset="0"/>
-              </a:rPr>
-              <a:t>Rollen-Spiel / </a:t>
-            </a:r>
-            <a:r>
-              <a:rPr lang="de-DE" altLang="de-DE" err="1">
-                <a:latin typeface="Arial" panose="020B0604020202020204" pitchFamily="34" charset="0"/>
-              </a:rPr>
-              <a:t>Merge</a:t>
-            </a:r>
-            <a:r>
-              <a:rPr lang="de-DE" altLang="de-DE">
-                <a:latin typeface="Arial" panose="020B0604020202020204" pitchFamily="34" charset="0"/>
-              </a:rPr>
-              <a:t>-Konflikt Demo</a:t>
-            </a:r>
-          </a:p>
-          <a:p>
-            <a:pPr marL="0" marR="0" lvl="0" indent="0" algn="l" defTabSz="914400" rtl="0" eaLnBrk="0" fontAlgn="base" latinLnBrk="0" hangingPunct="0">
-              <a:lnSpc>
-                <a:spcPct val="100000"/>
-              </a:lnSpc>
-              <a:spcBef>
-                <a:spcPct val="0"/>
-              </a:spcBef>
-              <a:spcAft>
-                <a:spcPct val="0"/>
-              </a:spcAft>
-              <a:buClrTx/>
-              <a:buSzTx/>
-              <a:buFontTx/>
-              <a:buChar char="•"/>
-              <a:tabLst/>
-            </a:pPr>
-            <a:r>
-              <a:rPr lang="de-DE" altLang="de-DE">
-                <a:latin typeface="Arial" panose="020B0604020202020204" pitchFamily="34" charset="0"/>
-              </a:rPr>
-              <a:t>Zusammenfassung Leitfrage 2</a:t>
-            </a:r>
-          </a:p>
-          <a:p>
-            <a:pPr marL="0" marR="0" lvl="0" indent="0" algn="l" defTabSz="914400" rtl="0" eaLnBrk="0" fontAlgn="base" latinLnBrk="0" hangingPunct="0">
-              <a:lnSpc>
-                <a:spcPct val="100000"/>
-              </a:lnSpc>
-              <a:spcBef>
-                <a:spcPct val="0"/>
-              </a:spcBef>
-              <a:spcAft>
-                <a:spcPct val="0"/>
-              </a:spcAft>
-              <a:buClrTx/>
-              <a:buSzTx/>
-              <a:buFontTx/>
-              <a:buChar char="•"/>
-              <a:tabLst/>
-            </a:pPr>
-            <a:r>
-              <a:rPr lang="de-DE" altLang="de-DE" b="1" u="sng">
+              <a:rPr lang="de-DE" altLang="de-DE" b="1" u="sng" dirty="0">
                 <a:latin typeface="Arial" panose="020B0604020202020204" pitchFamily="34" charset="0"/>
               </a:rPr>
               <a:t>Fazit &amp; Quellen</a:t>
             </a:r>
+          </a:p>
+        </p:txBody>
+      </p:sp>
+      <p:sp>
+        <p:nvSpPr>
+          <p:cNvPr id="4" name="Foliennummernplatzhalter 3">
+            <a:extLst>
+              <a:ext uri="{FF2B5EF4-FFF2-40B4-BE49-F238E27FC236}">
+                <a16:creationId xmlns:a16="http://schemas.microsoft.com/office/drawing/2014/main" id="{B07F8C7D-21C3-CE4B-F445-125220CB4797}"/>
+              </a:ext>
+            </a:extLst>
+          </p:cNvPr>
+          <p:cNvSpPr>
+            <a:spLocks noGrp="1"/>
+          </p:cNvSpPr>
+          <p:nvPr>
+            <p:ph type="sldNum" sz="quarter" idx="12"/>
+          </p:nvPr>
+        </p:nvSpPr>
+        <p:spPr/>
+        <p:txBody>
+          <a:bodyPr/>
+          <a:lstStyle/>
+          <a:p>
+            <a:pPr rtl="0"/>
+            <a:fld id="{6D22F896-40B5-4ADD-8801-0D06FADFA095}" type="slidenum">
+              <a:rPr lang="de-DE" noProof="0" smtClean="0"/>
+              <a:t>4</a:t>
+            </a:fld>
+            <a:endParaRPr lang="de-DE" noProof="0"/>
           </a:p>
         </p:txBody>
       </p:sp>
@@ -16759,7 +19489,7 @@
 </p:sld>
 </file>
 
-<file path=ppt/slides/slide4.xml><?xml version="1.0" encoding="utf-8"?>
+<file path=ppt/slides/slide5.xml><?xml version="1.0" encoding="utf-8"?>
 <p:sld xmlns:a="http://schemas.openxmlformats.org/drawingml/2006/main" xmlns:r="http://schemas.openxmlformats.org/officeDocument/2006/relationships" xmlns:p="http://schemas.openxmlformats.org/presentationml/2006/main">
   <p:cSld>
     <p:spTree>
@@ -16902,6 +19632,36 @@
           </a:p>
         </p:txBody>
       </p:sp>
+      <p:sp>
+        <p:nvSpPr>
+          <p:cNvPr id="4" name="Foliennummernplatzhalter 3">
+            <a:extLst>
+              <a:ext uri="{FF2B5EF4-FFF2-40B4-BE49-F238E27FC236}">
+                <a16:creationId xmlns:a16="http://schemas.microsoft.com/office/drawing/2014/main" id="{3F69A5AB-9A82-B21E-7C92-1616742E6E8F}"/>
+              </a:ext>
+            </a:extLst>
+          </p:cNvPr>
+          <p:cNvSpPr>
+            <a:spLocks noGrp="1"/>
+          </p:cNvSpPr>
+          <p:nvPr>
+            <p:ph type="sldNum" sz="quarter" idx="12"/>
+          </p:nvPr>
+        </p:nvSpPr>
+        <p:spPr/>
+        <p:txBody>
+          <a:bodyPr/>
+          <a:lstStyle/>
+          <a:p>
+            <a:pPr rtl="0"/>
+            <a:fld id="{6D22F896-40B5-4ADD-8801-0D06FADFA095}" type="slidenum">
+              <a:rPr lang="de-DE" noProof="0" smtClean="0"/>
+              <a:t>5</a:t>
+            </a:fld>
+            <a:endParaRPr lang="de-DE" noProof="0"/>
+          </a:p>
+        </p:txBody>
+      </p:sp>
     </p:spTree>
     <p:extLst>
       <p:ext uri="{BB962C8B-B14F-4D97-AF65-F5344CB8AC3E}">
@@ -16915,7 +19675,7 @@
 </p:sld>
 </file>
 
-<file path=ppt/slides/slide5.xml><?xml version="1.0" encoding="utf-8"?>
+<file path=ppt/slides/slide6.xml><?xml version="1.0" encoding="utf-8"?>
 <p:sld xmlns:a="http://schemas.openxmlformats.org/drawingml/2006/main" xmlns:r="http://schemas.openxmlformats.org/officeDocument/2006/relationships" xmlns:p="http://schemas.openxmlformats.org/presentationml/2006/main">
   <p:cSld>
     <p:spTree>
@@ -16991,8 +19751,8 @@
         </p:nvSpPr>
         <p:spPr bwMode="auto">
           <a:xfrm>
-            <a:off x="962527" y="2097088"/>
-            <a:ext cx="11050587" cy="3785652"/>
+            <a:off x="962527" y="1912422"/>
+            <a:ext cx="11050587" cy="4154984"/>
           </a:xfrm>
           <a:prstGeom prst="rect">
             <a:avLst/>
@@ -17055,7 +19815,7 @@
               <a:buChar char="•"/>
             </a:pPr>
             <a:r>
-              <a:rPr lang="de-DE" altLang="de-DE">
+              <a:rPr lang="de-DE" altLang="de-DE" dirty="0">
                 <a:latin typeface="Arial" panose="020B0604020202020204" pitchFamily="34" charset="0"/>
               </a:rPr>
               <a:t>Änderungen nachvollziehen</a:t>
@@ -17076,7 +19836,7 @@
               <a:buFontTx/>
               <a:buChar char="•"/>
             </a:pPr>
-            <a:endParaRPr lang="de-DE" altLang="de-DE">
+            <a:endParaRPr lang="de-DE" altLang="de-DE" dirty="0">
               <a:latin typeface="Arial" panose="020B0604020202020204" pitchFamily="34" charset="0"/>
             </a:endParaRPr>
           </a:p>
@@ -17096,7 +19856,7 @@
               <a:buChar char="•"/>
             </a:pPr>
             <a:r>
-              <a:rPr lang="de-DE" altLang="de-DE">
+              <a:rPr lang="de-DE" altLang="de-DE" dirty="0">
                 <a:latin typeface="Arial" panose="020B0604020202020204" pitchFamily="34" charset="0"/>
               </a:rPr>
               <a:t>Historie &amp; alte Versionen wiederherstellen</a:t>
@@ -17117,7 +19877,7 @@
               <a:buFontTx/>
               <a:buChar char="•"/>
             </a:pPr>
-            <a:endParaRPr lang="de-DE" altLang="de-DE">
+            <a:endParaRPr lang="de-DE" altLang="de-DE" dirty="0">
               <a:latin typeface="Arial" panose="020B0604020202020204" pitchFamily="34" charset="0"/>
             </a:endParaRPr>
           </a:p>
@@ -17137,7 +19897,7 @@
               <a:buChar char="•"/>
             </a:pPr>
             <a:r>
-              <a:rPr lang="de-DE" altLang="de-DE">
+              <a:rPr lang="de-DE" altLang="de-DE" dirty="0">
                 <a:latin typeface="Arial" panose="020B0604020202020204" pitchFamily="34" charset="0"/>
               </a:rPr>
               <a:t>Paralleles Arbeiten im Team</a:t>
@@ -17158,7 +19918,7 @@
               <a:buFontTx/>
               <a:buChar char="•"/>
             </a:pPr>
-            <a:endParaRPr lang="de-DE" altLang="de-DE">
+            <a:endParaRPr lang="de-DE" altLang="de-DE" dirty="0">
               <a:latin typeface="Arial" panose="020B0604020202020204" pitchFamily="34" charset="0"/>
             </a:endParaRPr>
           </a:p>
@@ -17178,7 +19938,7 @@
               <a:buChar char="•"/>
             </a:pPr>
             <a:r>
-              <a:rPr lang="de-DE" altLang="de-DE">
+              <a:rPr lang="de-DE" altLang="de-DE" dirty="0">
                 <a:latin typeface="Arial" panose="020B0604020202020204" pitchFamily="34" charset="0"/>
               </a:rPr>
               <a:t>Dokumentation für spätere Bearbeitung</a:t>
@@ -17199,7 +19959,7 @@
               <a:buFontTx/>
               <a:buChar char="•"/>
             </a:pPr>
-            <a:endParaRPr lang="de-DE" altLang="de-DE">
+            <a:endParaRPr lang="de-DE" altLang="de-DE" dirty="0">
               <a:latin typeface="Arial" panose="020B0604020202020204" pitchFamily="34" charset="0"/>
             </a:endParaRPr>
           </a:p>
@@ -17219,11 +19979,51 @@
               <a:buChar char="•"/>
             </a:pPr>
             <a:r>
-              <a:rPr lang="de-DE" altLang="de-DE">
+              <a:rPr lang="de-DE" altLang="de-DE" dirty="0">
                 <a:latin typeface="Arial" panose="020B0604020202020204" pitchFamily="34" charset="0"/>
               </a:rPr>
-              <a:t>Zitat: „Versionsverwaltung ist ein System, das Änderungen an Dateien über die Zeit protokolliert.“ [1]</a:t>
-            </a:r>
+              <a:t>Zitat: </a:t>
+            </a:r>
+            <a:r>
+              <a:rPr lang="de-DE" dirty="0"/>
+              <a:t>„Versionsverwaltung ist ein System, welches die Änderungen an einer oder einer Reihe von Dateien über die Zeit hinweg protokolliert, sodass man später auf eine bestimmte Version zurückgreifen kann“</a:t>
+            </a:r>
+            <a:r>
+              <a:rPr lang="de-DE" altLang="de-DE" dirty="0">
+                <a:latin typeface="Arial" panose="020B0604020202020204" pitchFamily="34" charset="0"/>
+              </a:rPr>
+              <a:t>[1]</a:t>
+            </a:r>
+          </a:p>
+        </p:txBody>
+      </p:sp>
+      <p:sp>
+        <p:nvSpPr>
+          <p:cNvPr id="4" name="Foliennummernplatzhalter 3">
+            <a:extLst>
+              <a:ext uri="{FF2B5EF4-FFF2-40B4-BE49-F238E27FC236}">
+                <a16:creationId xmlns:a16="http://schemas.microsoft.com/office/drawing/2014/main" id="{CA857B8E-1C9C-8F4A-DCC0-50FDDE1CE9A4}"/>
+              </a:ext>
+            </a:extLst>
+          </p:cNvPr>
+          <p:cNvSpPr>
+            <a:spLocks noGrp="1"/>
+          </p:cNvSpPr>
+          <p:nvPr>
+            <p:ph type="sldNum" sz="quarter" idx="12"/>
+          </p:nvPr>
+        </p:nvSpPr>
+        <p:spPr/>
+        <p:txBody>
+          <a:bodyPr/>
+          <a:lstStyle/>
+          <a:p>
+            <a:pPr rtl="0"/>
+            <a:fld id="{6D22F896-40B5-4ADD-8801-0D06FADFA095}" type="slidenum">
+              <a:rPr lang="de-DE" noProof="0" smtClean="0"/>
+              <a:t>6</a:t>
+            </a:fld>
+            <a:endParaRPr lang="de-DE" noProof="0"/>
           </a:p>
         </p:txBody>
       </p:sp>
@@ -17240,7 +20040,7 @@
 </p:sld>
 </file>
 
-<file path=ppt/slides/slide6.xml><?xml version="1.0" encoding="utf-8"?>
+<file path=ppt/slides/slide7.xml><?xml version="1.0" encoding="utf-8"?>
 <p:sld xmlns:a="http://schemas.openxmlformats.org/drawingml/2006/main" xmlns:r="http://schemas.openxmlformats.org/officeDocument/2006/relationships" xmlns:p="http://schemas.openxmlformats.org/presentationml/2006/main">
   <p:cSld>
     <p:spTree>
@@ -17536,6 +20336,36 @@
           </a:p>
         </p:txBody>
       </p:sp>
+      <p:sp>
+        <p:nvSpPr>
+          <p:cNvPr id="4" name="Foliennummernplatzhalter 3">
+            <a:extLst>
+              <a:ext uri="{FF2B5EF4-FFF2-40B4-BE49-F238E27FC236}">
+                <a16:creationId xmlns:a16="http://schemas.microsoft.com/office/drawing/2014/main" id="{F71F46B9-1327-E5C8-FFA3-D6D82171FD57}"/>
+              </a:ext>
+            </a:extLst>
+          </p:cNvPr>
+          <p:cNvSpPr>
+            <a:spLocks noGrp="1"/>
+          </p:cNvSpPr>
+          <p:nvPr>
+            <p:ph type="sldNum" sz="quarter" idx="12"/>
+          </p:nvPr>
+        </p:nvSpPr>
+        <p:spPr/>
+        <p:txBody>
+          <a:bodyPr/>
+          <a:lstStyle/>
+          <a:p>
+            <a:pPr rtl="0"/>
+            <a:fld id="{6D22F896-40B5-4ADD-8801-0D06FADFA095}" type="slidenum">
+              <a:rPr lang="de-DE" noProof="0" smtClean="0"/>
+              <a:t>7</a:t>
+            </a:fld>
+            <a:endParaRPr lang="de-DE" noProof="0"/>
+          </a:p>
+        </p:txBody>
+      </p:sp>
     </p:spTree>
     <p:extLst>
       <p:ext uri="{BB962C8B-B14F-4D97-AF65-F5344CB8AC3E}">
@@ -17549,7 +20379,7 @@
 </p:sld>
 </file>
 
-<file path=ppt/slides/slide7.xml><?xml version="1.0" encoding="utf-8"?>
+<file path=ppt/slides/slide8.xml><?xml version="1.0" encoding="utf-8"?>
 <p:sld xmlns:a="http://schemas.openxmlformats.org/drawingml/2006/main" xmlns:r="http://schemas.openxmlformats.org/officeDocument/2006/relationships" xmlns:p="http://schemas.openxmlformats.org/presentationml/2006/main">
   <p:cSld>
     <p:spTree>
@@ -17689,7 +20519,7 @@
               <a:buChar char="•"/>
             </a:pPr>
             <a:r>
-              <a:rPr lang="de-DE" altLang="de-DE">
+              <a:rPr lang="de-DE" altLang="de-DE" dirty="0">
                 <a:latin typeface="Arial" panose="020B0604020202020204" pitchFamily="34" charset="0"/>
               </a:rPr>
               <a:t>Nachteile:</a:t>
@@ -17711,7 +20541,7 @@
               <a:buChar char="•"/>
             </a:pPr>
             <a:r>
-              <a:rPr lang="de-DE" altLang="de-DE">
+              <a:rPr lang="de-DE" altLang="de-DE" dirty="0">
                 <a:latin typeface="Arial" panose="020B0604020202020204" pitchFamily="34" charset="0"/>
               </a:rPr>
               <a:t>Serverausfall &gt; gesamte Arbeit stoppt</a:t>
@@ -17733,7 +20563,7 @@
               <a:buChar char="•"/>
             </a:pPr>
             <a:r>
-              <a:rPr lang="de-DE" altLang="de-DE">
+              <a:rPr lang="de-DE" altLang="de-DE" dirty="0">
                 <a:latin typeface="Arial" panose="020B0604020202020204" pitchFamily="34" charset="0"/>
               </a:rPr>
               <a:t>Offline-Arbeiten nahezu unmöglich</a:t>
@@ -17755,7 +20585,7 @@
               <a:buChar char="•"/>
             </a:pPr>
             <a:r>
-              <a:rPr lang="de-DE" altLang="de-DE">
+              <a:rPr lang="de-DE" altLang="de-DE" dirty="0">
                 <a:latin typeface="Arial" panose="020B0604020202020204" pitchFamily="34" charset="0"/>
               </a:rPr>
               <a:t>Parallelität stark eingeschränkt, da alle Entwickler auf denselben Server zugreifen</a:t>
@@ -17776,7 +20606,7 @@
               <a:buFontTx/>
               <a:buChar char="•"/>
             </a:pPr>
-            <a:endParaRPr lang="de-DE" altLang="de-DE">
+            <a:endParaRPr lang="de-DE" altLang="de-DE" dirty="0">
               <a:latin typeface="Arial" panose="020B0604020202020204" pitchFamily="34" charset="0"/>
             </a:endParaRPr>
           </a:p>
@@ -17796,19 +20626,19 @@
               <a:buChar char="•"/>
             </a:pPr>
             <a:r>
-              <a:rPr lang="de-DE" altLang="de-DE">
+              <a:rPr lang="de-DE" altLang="de-DE" dirty="0">
                 <a:latin typeface="Arial" panose="020B0604020202020204" pitchFamily="34" charset="0"/>
               </a:rPr>
               <a:t>Arbeitsweise: </a:t>
             </a:r>
             <a:r>
-              <a:rPr lang="de-DE" altLang="de-DE" err="1">
+              <a:rPr lang="de-DE" altLang="de-DE" dirty="0" err="1">
                 <a:latin typeface="Arial" panose="020B0604020202020204" pitchFamily="34" charset="0"/>
               </a:rPr>
               <a:t>Commits</a:t>
             </a:r>
             <a:r>
-              <a:rPr lang="de-DE" altLang="de-DE">
+              <a:rPr lang="de-DE" altLang="de-DE" dirty="0">
                 <a:latin typeface="Arial" panose="020B0604020202020204" pitchFamily="34" charset="0"/>
               </a:rPr>
               <a:t> erfolgen nacheinander auf den Server, Änderungen werden linear gespeichert</a:t>
@@ -17829,9 +20659,116 @@
               <a:buFontTx/>
               <a:buChar char="•"/>
             </a:pPr>
-            <a:endParaRPr lang="de-DE" altLang="de-DE">
+            <a:endParaRPr lang="de-DE" altLang="de-DE" dirty="0">
               <a:latin typeface="Arial" panose="020B0604020202020204" pitchFamily="34" charset="0"/>
             </a:endParaRPr>
+          </a:p>
+        </p:txBody>
+      </p:sp>
+      <p:sp>
+        <p:nvSpPr>
+          <p:cNvPr id="4" name="Foliennummernplatzhalter 3">
+            <a:extLst>
+              <a:ext uri="{FF2B5EF4-FFF2-40B4-BE49-F238E27FC236}">
+                <a16:creationId xmlns:a16="http://schemas.microsoft.com/office/drawing/2014/main" id="{272E4119-5560-5B1D-2DC9-1DE1A8F123E5}"/>
+              </a:ext>
+            </a:extLst>
+          </p:cNvPr>
+          <p:cNvSpPr>
+            <a:spLocks noGrp="1"/>
+          </p:cNvSpPr>
+          <p:nvPr>
+            <p:ph type="sldNum" sz="quarter" idx="12"/>
+          </p:nvPr>
+        </p:nvSpPr>
+        <p:spPr/>
+        <p:txBody>
+          <a:bodyPr/>
+          <a:lstStyle/>
+          <a:p>
+            <a:pPr rtl="0"/>
+            <a:fld id="{6D22F896-40B5-4ADD-8801-0D06FADFA095}" type="slidenum">
+              <a:rPr lang="de-DE" noProof="0" smtClean="0"/>
+              <a:t>8</a:t>
+            </a:fld>
+            <a:endParaRPr lang="de-DE" noProof="0"/>
+          </a:p>
+        </p:txBody>
+      </p:sp>
+      <p:pic>
+        <p:nvPicPr>
+          <p:cNvPr id="5" name="Grafik 4">
+            <a:extLst>
+              <a:ext uri="{FF2B5EF4-FFF2-40B4-BE49-F238E27FC236}">
+                <a16:creationId xmlns:a16="http://schemas.microsoft.com/office/drawing/2014/main" id="{34484804-9281-67B2-A76F-C222549D8740}"/>
+              </a:ext>
+            </a:extLst>
+          </p:cNvPr>
+          <p:cNvPicPr>
+            <a:picLocks noChangeAspect="1"/>
+          </p:cNvPicPr>
+          <p:nvPr/>
+        </p:nvPicPr>
+        <p:blipFill>
+          <a:blip r:embed="rId2">
+            <a:clrChange>
+              <a:clrFrom>
+                <a:srgbClr val="FFFFFF"/>
+              </a:clrFrom>
+              <a:clrTo>
+                <a:srgbClr val="FFFFFF">
+                  <a:alpha val="0"/>
+                </a:srgbClr>
+              </a:clrTo>
+            </a:clrChange>
+          </a:blip>
+          <a:srcRect l="5546"/>
+          <a:stretch>
+            <a:fillRect/>
+          </a:stretch>
+        </p:blipFill>
+        <p:spPr>
+          <a:xfrm>
+            <a:off x="7741328" y="203258"/>
+            <a:ext cx="4516316" cy="3583651"/>
+          </a:xfrm>
+          <a:prstGeom prst="rect">
+            <a:avLst/>
+          </a:prstGeom>
+        </p:spPr>
+      </p:pic>
+      <p:sp>
+        <p:nvSpPr>
+          <p:cNvPr id="6" name="Textfeld 5">
+            <a:extLst>
+              <a:ext uri="{FF2B5EF4-FFF2-40B4-BE49-F238E27FC236}">
+                <a16:creationId xmlns:a16="http://schemas.microsoft.com/office/drawing/2014/main" id="{60B6E3DA-8CD1-43B6-FCCE-EAAD9A2892EE}"/>
+              </a:ext>
+            </a:extLst>
+          </p:cNvPr>
+          <p:cNvSpPr txBox="1"/>
+          <p:nvPr/>
+        </p:nvSpPr>
+        <p:spPr>
+          <a:xfrm>
+            <a:off x="11047410" y="2918059"/>
+            <a:ext cx="1873188" cy="261610"/>
+          </a:xfrm>
+          <a:prstGeom prst="rect">
+            <a:avLst/>
+          </a:prstGeom>
+          <a:noFill/>
+        </p:spPr>
+        <p:txBody>
+          <a:bodyPr wrap="square" rtlCol="0">
+            <a:spAutoFit/>
+          </a:bodyPr>
+          <a:lstStyle/>
+          <a:p>
+            <a:r>
+              <a:rPr lang="de-DE" sz="1100" dirty="0"/>
+              <a:t>Abbildung 2</a:t>
+            </a:r>
           </a:p>
         </p:txBody>
       </p:sp>
@@ -17848,7 +20785,7 @@
 </p:sld>
 </file>
 
-<file path=ppt/slides/slide8.xml><?xml version="1.0" encoding="utf-8"?>
+<file path=ppt/slides/slide9.xml><?xml version="1.0" encoding="utf-8"?>
 <p:sld xmlns:a="http://schemas.openxmlformats.org/drawingml/2006/main" xmlns:r="http://schemas.openxmlformats.org/officeDocument/2006/relationships" xmlns:p="http://schemas.openxmlformats.org/presentationml/2006/main">
   <p:cSld>
     <p:spTree>
@@ -17988,7 +20925,7 @@
               <a:buChar char="•"/>
             </a:pPr>
             <a:r>
-              <a:rPr lang="de-DE" altLang="de-DE">
+              <a:rPr lang="de-DE" altLang="de-DE" dirty="0">
                 <a:latin typeface="Arial" panose="020B0604020202020204" pitchFamily="34" charset="0"/>
               </a:rPr>
               <a:t>Definition: DVCS speichert das komplette Repository lokal bei jedem Entwickler.</a:t>
@@ -18009,7 +20946,7 @@
               <a:buFontTx/>
               <a:buChar char="•"/>
             </a:pPr>
-            <a:endParaRPr lang="de-DE" altLang="de-DE">
+            <a:endParaRPr lang="de-DE" altLang="de-DE" dirty="0">
               <a:latin typeface="Arial" panose="020B0604020202020204" pitchFamily="34" charset="0"/>
             </a:endParaRPr>
           </a:p>
@@ -18029,30 +20966,30 @@
               <a:buChar char="•"/>
             </a:pPr>
             <a:r>
-              <a:rPr lang="de-DE" altLang="de-DE">
+              <a:rPr lang="de-DE" altLang="de-DE" dirty="0">
                 <a:latin typeface="Arial" panose="020B0604020202020204" pitchFamily="34" charset="0"/>
               </a:rPr>
               <a:t>Beispiele: </a:t>
             </a:r>
             <a:r>
-              <a:rPr lang="de-DE" altLang="de-DE" err="1">
+              <a:rPr lang="de-DE" altLang="de-DE" dirty="0" err="1">
                 <a:latin typeface="Arial" panose="020B0604020202020204" pitchFamily="34" charset="0"/>
               </a:rPr>
               <a:t>Git</a:t>
             </a:r>
             <a:r>
-              <a:rPr lang="de-DE" altLang="de-DE">
+              <a:rPr lang="de-DE" altLang="de-DE" dirty="0">
                 <a:latin typeface="Arial" panose="020B0604020202020204" pitchFamily="34" charset="0"/>
               </a:rPr>
               <a:t>, </a:t>
             </a:r>
             <a:r>
-              <a:rPr lang="de-DE" altLang="de-DE" err="1">
+              <a:rPr lang="de-DE" altLang="de-DE" dirty="0" err="1">
                 <a:latin typeface="Arial" panose="020B0604020202020204" pitchFamily="34" charset="0"/>
               </a:rPr>
               <a:t>Mercurial</a:t>
             </a:r>
-            <a:endParaRPr lang="de-DE" altLang="de-DE">
+            <a:endParaRPr lang="de-DE" altLang="de-DE" dirty="0">
               <a:latin typeface="Arial" panose="020B0604020202020204" pitchFamily="34" charset="0"/>
             </a:endParaRPr>
           </a:p>
@@ -18071,7 +21008,7 @@
               <a:buFontTx/>
               <a:buChar char="•"/>
             </a:pPr>
-            <a:endParaRPr lang="de-DE" altLang="de-DE">
+            <a:endParaRPr lang="de-DE" altLang="de-DE" dirty="0">
               <a:latin typeface="Arial" panose="020B0604020202020204" pitchFamily="34" charset="0"/>
             </a:endParaRPr>
           </a:p>
@@ -18091,7 +21028,7 @@
               <a:buChar char="•"/>
             </a:pPr>
             <a:r>
-              <a:rPr lang="de-DE" altLang="de-DE">
+              <a:rPr lang="de-DE" altLang="de-DE" dirty="0">
                 <a:latin typeface="Arial" panose="020B0604020202020204" pitchFamily="34" charset="0"/>
               </a:rPr>
               <a:t>Vorteile:</a:t>
@@ -18113,7 +21050,7 @@
               <a:buChar char="•"/>
             </a:pPr>
             <a:r>
-              <a:rPr lang="de-DE" altLang="de-DE">
+              <a:rPr lang="de-DE" altLang="de-DE" dirty="0">
                 <a:latin typeface="Arial" panose="020B0604020202020204" pitchFamily="34" charset="0"/>
               </a:rPr>
               <a:t>Offline-Arbeit möglich</a:t>
@@ -18135,18 +21072,18 @@
               <a:buChar char="•"/>
             </a:pPr>
             <a:r>
-              <a:rPr lang="de-DE" altLang="de-DE">
+              <a:rPr lang="de-DE" altLang="de-DE" dirty="0">
                 <a:latin typeface="Arial" panose="020B0604020202020204" pitchFamily="34" charset="0"/>
               </a:rPr>
               <a:t>Schnelle lokale </a:t>
             </a:r>
             <a:r>
-              <a:rPr lang="de-DE" altLang="de-DE" err="1">
+              <a:rPr lang="de-DE" altLang="de-DE" dirty="0" err="1">
                 <a:latin typeface="Arial" panose="020B0604020202020204" pitchFamily="34" charset="0"/>
               </a:rPr>
               <a:t>Commits</a:t>
             </a:r>
-            <a:endParaRPr lang="de-DE" altLang="de-DE">
+            <a:endParaRPr lang="de-DE" altLang="de-DE" dirty="0">
               <a:latin typeface="Arial" panose="020B0604020202020204" pitchFamily="34" charset="0"/>
             </a:endParaRPr>
           </a:p>
@@ -18166,19 +21103,19 @@
               <a:buChar char="•"/>
             </a:pPr>
             <a:r>
-              <a:rPr lang="de-DE" altLang="de-DE">
+              <a:rPr lang="de-DE" altLang="de-DE" dirty="0">
                 <a:latin typeface="Arial" panose="020B0604020202020204" pitchFamily="34" charset="0"/>
               </a:rPr>
               <a:t>Flexible </a:t>
             </a:r>
             <a:r>
-              <a:rPr lang="de-DE" altLang="de-DE" err="1">
+              <a:rPr lang="de-DE" altLang="de-DE" dirty="0" err="1">
                 <a:latin typeface="Arial" panose="020B0604020202020204" pitchFamily="34" charset="0"/>
               </a:rPr>
               <a:t>Branching</a:t>
             </a:r>
             <a:r>
-              <a:rPr lang="de-DE" altLang="de-DE">
+              <a:rPr lang="de-DE" altLang="de-DE" dirty="0">
                 <a:latin typeface="Arial" panose="020B0604020202020204" pitchFamily="34" charset="0"/>
               </a:rPr>
               <a:t>-Strategien</a:t>
@@ -18200,7 +21137,7 @@
               <a:buChar char="•"/>
             </a:pPr>
             <a:r>
-              <a:rPr lang="de-DE" altLang="de-DE">
+              <a:rPr lang="de-DE" altLang="de-DE" dirty="0">
                 <a:latin typeface="Arial" panose="020B0604020202020204" pitchFamily="34" charset="0"/>
               </a:rPr>
               <a:t>Hohe Ausfallsicherheit (jede Kopie ist ein Backup)</a:t>
@@ -18208,48 +21145,12 @@
           </a:p>
         </p:txBody>
       </p:sp>
-    </p:spTree>
-    <p:extLst>
-      <p:ext uri="{BB962C8B-B14F-4D97-AF65-F5344CB8AC3E}">
-        <p14:creationId xmlns:p14="http://schemas.microsoft.com/office/powerpoint/2010/main" val="3052679751"/>
-      </p:ext>
-    </p:extLst>
-  </p:cSld>
-  <p:clrMapOvr>
-    <a:masterClrMapping/>
-  </p:clrMapOvr>
-</p:sld>
-</file>
-
-<file path=ppt/slides/slide9.xml><?xml version="1.0" encoding="utf-8"?>
-<p:sld xmlns:a="http://schemas.openxmlformats.org/drawingml/2006/main" xmlns:r="http://schemas.openxmlformats.org/officeDocument/2006/relationships" xmlns:p="http://schemas.openxmlformats.org/presentationml/2006/main">
-  <p:cSld>
-    <p:spTree>
-      <p:nvGrpSpPr>
-        <p:cNvPr id="1" name="">
-          <a:extLst>
-            <a:ext uri="{FF2B5EF4-FFF2-40B4-BE49-F238E27FC236}">
-              <a16:creationId xmlns:a16="http://schemas.microsoft.com/office/drawing/2014/main" id="{55BEF599-9E71-3AE3-96F6-34CD5B8CAED9}"/>
-            </a:ext>
-          </a:extLst>
-        </p:cNvPr>
-        <p:cNvGrpSpPr/>
-        <p:nvPr/>
-      </p:nvGrpSpPr>
-      <p:grpSpPr>
-        <a:xfrm>
-          <a:off x="0" y="0"/>
-          <a:ext cx="0" cy="0"/>
-          <a:chOff x="0" y="0"/>
-          <a:chExt cx="0" cy="0"/>
-        </a:xfrm>
-      </p:grpSpPr>
       <p:sp>
         <p:nvSpPr>
-          <p:cNvPr id="2" name="Titel 1">
+          <p:cNvPr id="4" name="Foliennummernplatzhalter 3">
             <a:extLst>
               <a:ext uri="{FF2B5EF4-FFF2-40B4-BE49-F238E27FC236}">
-                <a16:creationId xmlns:a16="http://schemas.microsoft.com/office/drawing/2014/main" id="{14B2C9BD-F1B1-6E2B-34EC-66B9E863A0A9}"/>
+                <a16:creationId xmlns:a16="http://schemas.microsoft.com/office/drawing/2014/main" id="{D3EE3BA0-8578-EA4B-A407-E0F34BBCFE54}"/>
               </a:ext>
             </a:extLst>
           </p:cNvPr>
@@ -18257,240 +21158,27 @@
             <a:spLocks noGrp="1"/>
           </p:cNvSpPr>
           <p:nvPr>
-            <p:ph type="title"/>
+            <p:ph type="sldNum" sz="quarter" idx="12"/>
           </p:nvPr>
         </p:nvSpPr>
-        <p:spPr>
-          <a:xfrm>
-            <a:off x="1141412" y="618518"/>
-            <a:ext cx="10088061" cy="1478570"/>
-          </a:xfrm>
-        </p:spPr>
+        <p:spPr/>
         <p:txBody>
-          <a:bodyPr>
-            <a:normAutofit/>
-          </a:bodyPr>
+          <a:bodyPr/>
           <a:lstStyle/>
           <a:p>
-            <a:r>
-              <a:rPr lang="de-DE" sz="4800" u="sng"/>
-              <a:t> Verteilte Systeme</a:t>
-            </a:r>
-          </a:p>
-        </p:txBody>
-      </p:sp>
-      <p:sp>
-        <p:nvSpPr>
-          <p:cNvPr id="4" name="Rectangle 1">
-            <a:extLst>
-              <a:ext uri="{FF2B5EF4-FFF2-40B4-BE49-F238E27FC236}">
-                <a16:creationId xmlns:a16="http://schemas.microsoft.com/office/drawing/2014/main" id="{75807FAC-7432-E517-D818-720B27234816}"/>
-              </a:ext>
-            </a:extLst>
-          </p:cNvPr>
-          <p:cNvSpPr>
-            <a:spLocks noGrp="1" noChangeArrowheads="1"/>
-          </p:cNvSpPr>
-          <p:nvPr>
-            <p:ph idx="1"/>
-          </p:nvPr>
-        </p:nvSpPr>
-        <p:spPr bwMode="auto">
-          <a:xfrm>
-            <a:off x="1443790" y="2274838"/>
-            <a:ext cx="10591701" cy="2308324"/>
-          </a:xfrm>
-          <a:prstGeom prst="rect">
-            <a:avLst/>
-          </a:prstGeom>
-          <a:noFill/>
-          <a:ln>
-            <a:noFill/>
-          </a:ln>
-          <a:effectLst/>
-          <a:extLst>
-            <a:ext uri="{909E8E84-426E-40DD-AFC4-6F175D3DCCD1}">
-              <a14:hiddenFill xmlns:a14="http://schemas.microsoft.com/office/drawing/2010/main">
-                <a:solidFill>
-                  <a:schemeClr val="accent1"/>
-                </a:solidFill>
-              </a14:hiddenFill>
-            </a:ext>
-            <a:ext uri="{91240B29-F687-4F45-9708-019B960494DF}">
-              <a14:hiddenLine xmlns:a14="http://schemas.microsoft.com/office/drawing/2010/main" w="9525">
-                <a:solidFill>
-                  <a:schemeClr val="tx1"/>
-                </a:solidFill>
-                <a:miter lim="800000"/>
-                <a:headEnd/>
-                <a:tailEnd/>
-              </a14:hiddenLine>
-            </a:ext>
-            <a:ext uri="{AF507438-7753-43E0-B8FC-AC1667EBCBE1}">
-              <a14:hiddenEffects xmlns:a14="http://schemas.microsoft.com/office/drawing/2010/main">
-                <a:effectLst>
-                  <a:outerShdw dist="35921" dir="2700000" algn="ctr" rotWithShape="0">
-                    <a:schemeClr val="bg2"/>
-                  </a:outerShdw>
-                </a:effectLst>
-              </a14:hiddenEffects>
-            </a:ext>
-          </a:extLst>
-        </p:spPr>
-        <p:txBody>
-          <a:bodyPr vert="horz" wrap="square" lIns="91440" tIns="45720" rIns="91440" bIns="45720" numCol="1" anchor="ctr" anchorCtr="0" compatLnSpc="1">
-            <a:prstTxWarp prst="textNoShape">
-              <a:avLst/>
-            </a:prstTxWarp>
-            <a:spAutoFit/>
-          </a:bodyPr>
-          <a:lstStyle/>
-          <a:p>
-            <a:pPr marL="0" marR="0" lvl="0" indent="0" algn="l" defTabSz="914400" rtl="0" eaLnBrk="0" fontAlgn="base" latinLnBrk="0" hangingPunct="0">
-              <a:lnSpc>
-                <a:spcPct val="100000"/>
-              </a:lnSpc>
-              <a:spcBef>
-                <a:spcPct val="0"/>
-              </a:spcBef>
-              <a:spcAft>
-                <a:spcPct val="0"/>
-              </a:spcAft>
-              <a:buClrTx/>
-              <a:buSzTx/>
-              <a:buFontTx/>
-              <a:buChar char="•"/>
-              <a:tabLst/>
-            </a:pPr>
-            <a:r>
-              <a:rPr lang="de-DE" altLang="de-DE">
-                <a:latin typeface="Arial" panose="020B0604020202020204" pitchFamily="34" charset="0"/>
-              </a:rPr>
-              <a:t>Nachteile:</a:t>
-            </a:r>
-          </a:p>
-          <a:p>
-            <a:pPr marL="0" marR="0" lvl="0" indent="0" algn="l" defTabSz="914400" rtl="0" eaLnBrk="0" fontAlgn="base" latinLnBrk="0" hangingPunct="0">
-              <a:lnSpc>
-                <a:spcPct val="100000"/>
-              </a:lnSpc>
-              <a:spcBef>
-                <a:spcPct val="0"/>
-              </a:spcBef>
-              <a:spcAft>
-                <a:spcPct val="0"/>
-              </a:spcAft>
-              <a:buClrTx/>
-              <a:buSzTx/>
-              <a:buFontTx/>
-              <a:buChar char="•"/>
-              <a:tabLst/>
-            </a:pPr>
-            <a:r>
-              <a:rPr lang="de-DE" altLang="de-DE">
-                <a:latin typeface="Arial" panose="020B0604020202020204" pitchFamily="34" charset="0"/>
-              </a:rPr>
-              <a:t>Einarbeitung für neue Entwickler notwendig</a:t>
-            </a:r>
-          </a:p>
-          <a:p>
-            <a:pPr marL="0" marR="0" lvl="0" indent="0" algn="l" defTabSz="914400" rtl="0" eaLnBrk="0" fontAlgn="base" latinLnBrk="0" hangingPunct="0">
-              <a:lnSpc>
-                <a:spcPct val="100000"/>
-              </a:lnSpc>
-              <a:spcBef>
-                <a:spcPct val="0"/>
-              </a:spcBef>
-              <a:spcAft>
-                <a:spcPct val="0"/>
-              </a:spcAft>
-              <a:buClrTx/>
-              <a:buSzTx/>
-              <a:buFontTx/>
-              <a:buChar char="•"/>
-              <a:tabLst/>
-            </a:pPr>
-            <a:r>
-              <a:rPr lang="de-DE" altLang="de-DE">
-                <a:latin typeface="Arial" panose="020B0604020202020204" pitchFamily="34" charset="0"/>
-              </a:rPr>
-              <a:t>Speicherbedarf bei sehr großen Projekten</a:t>
-            </a:r>
-          </a:p>
-          <a:p>
-            <a:pPr marL="0" marR="0" lvl="0" indent="0" algn="l" defTabSz="914400" rtl="0" eaLnBrk="0" fontAlgn="base" latinLnBrk="0" hangingPunct="0">
-              <a:lnSpc>
-                <a:spcPct val="100000"/>
-              </a:lnSpc>
-              <a:spcBef>
-                <a:spcPct val="0"/>
-              </a:spcBef>
-              <a:spcAft>
-                <a:spcPct val="0"/>
-              </a:spcAft>
-              <a:buClrTx/>
-              <a:buSzTx/>
-              <a:buNone/>
-              <a:tabLst/>
-            </a:pPr>
-            <a:endParaRPr lang="de-DE" altLang="de-DE">
-              <a:latin typeface="Arial" panose="020B0604020202020204" pitchFamily="34" charset="0"/>
-            </a:endParaRPr>
-          </a:p>
-          <a:p>
-            <a:pPr marL="0" marR="0" lvl="0" indent="0" algn="l" defTabSz="914400" rtl="0" eaLnBrk="0" fontAlgn="base" latinLnBrk="0" hangingPunct="0">
-              <a:lnSpc>
-                <a:spcPct val="100000"/>
-              </a:lnSpc>
-              <a:spcBef>
-                <a:spcPct val="0"/>
-              </a:spcBef>
-              <a:spcAft>
-                <a:spcPct val="0"/>
-              </a:spcAft>
-              <a:buClrTx/>
-              <a:buSzTx/>
-              <a:buFontTx/>
-              <a:buChar char="•"/>
-              <a:tabLst/>
-            </a:pPr>
-            <a:r>
-              <a:rPr lang="de-DE" altLang="de-DE">
-                <a:latin typeface="Arial" panose="020B0604020202020204" pitchFamily="34" charset="0"/>
-              </a:rPr>
-              <a:t>Arbeitsweise: Jeder Entwickler kann unabhängig Änderungen </a:t>
-            </a:r>
-            <a:r>
-              <a:rPr lang="de-DE" altLang="de-DE" err="1">
-                <a:latin typeface="Arial" panose="020B0604020202020204" pitchFamily="34" charset="0"/>
-              </a:rPr>
-              <a:t>commiten</a:t>
-            </a:r>
-            <a:r>
-              <a:rPr lang="de-DE" altLang="de-DE">
-                <a:latin typeface="Arial" panose="020B0604020202020204" pitchFamily="34" charset="0"/>
-              </a:rPr>
-              <a:t>, testen, </a:t>
-            </a:r>
-            <a:r>
-              <a:rPr lang="de-DE" altLang="de-DE" err="1">
-                <a:latin typeface="Arial" panose="020B0604020202020204" pitchFamily="34" charset="0"/>
-              </a:rPr>
-              <a:t>Branches</a:t>
-            </a:r>
-            <a:r>
-              <a:rPr lang="de-DE" altLang="de-DE">
-                <a:latin typeface="Arial" panose="020B0604020202020204" pitchFamily="34" charset="0"/>
-              </a:rPr>
-              <a:t> anlegen und später in ein zentrales Repository pushen</a:t>
-            </a:r>
+            <a:pPr rtl="0"/>
+            <a:fld id="{6D22F896-40B5-4ADD-8801-0D06FADFA095}" type="slidenum">
+              <a:rPr lang="de-DE" noProof="0" smtClean="0"/>
+              <a:t>9</a:t>
+            </a:fld>
+            <a:endParaRPr lang="de-DE" noProof="0"/>
           </a:p>
         </p:txBody>
       </p:sp>
     </p:spTree>
     <p:extLst>
       <p:ext uri="{BB962C8B-B14F-4D97-AF65-F5344CB8AC3E}">
-        <p14:creationId xmlns:p14="http://schemas.microsoft.com/office/powerpoint/2010/main" val="1379865594"/>
+        <p14:creationId xmlns:p14="http://schemas.microsoft.com/office/powerpoint/2010/main" val="3052679751"/>
       </p:ext>
     </p:extLst>
   </p:cSld>
